--- a/AIAssignment2.pptx
+++ b/AIAssignment2.pptx
@@ -9,20 +9,27 @@
     <p:sldId id="257" r:id="rId3"/>
     <p:sldId id="265" r:id="rId4"/>
     <p:sldId id="266" r:id="rId5"/>
-    <p:sldId id="263" r:id="rId6"/>
-    <p:sldId id="267" r:id="rId7"/>
-    <p:sldId id="268" r:id="rId8"/>
-    <p:sldId id="270" r:id="rId9"/>
-    <p:sldId id="269" r:id="rId10"/>
-    <p:sldId id="271" r:id="rId11"/>
-    <p:sldId id="272" r:id="rId12"/>
-    <p:sldId id="259" r:id="rId13"/>
-    <p:sldId id="273" r:id="rId14"/>
-    <p:sldId id="274" r:id="rId15"/>
-    <p:sldId id="277" r:id="rId16"/>
-    <p:sldId id="275" r:id="rId17"/>
-    <p:sldId id="276" r:id="rId18"/>
-    <p:sldId id="278" r:id="rId19"/>
+    <p:sldId id="279" r:id="rId6"/>
+    <p:sldId id="263" r:id="rId7"/>
+    <p:sldId id="283" r:id="rId8"/>
+    <p:sldId id="280" r:id="rId9"/>
+    <p:sldId id="284" r:id="rId10"/>
+    <p:sldId id="281" r:id="rId11"/>
+    <p:sldId id="285" r:id="rId12"/>
+    <p:sldId id="282" r:id="rId13"/>
+    <p:sldId id="286" r:id="rId14"/>
+    <p:sldId id="270" r:id="rId15"/>
+    <p:sldId id="287" r:id="rId16"/>
+    <p:sldId id="288" r:id="rId17"/>
+    <p:sldId id="272" r:id="rId18"/>
+    <p:sldId id="259" r:id="rId19"/>
+    <p:sldId id="273" r:id="rId20"/>
+    <p:sldId id="274" r:id="rId21"/>
+    <p:sldId id="289" r:id="rId22"/>
+    <p:sldId id="275" r:id="rId23"/>
+    <p:sldId id="276" r:id="rId24"/>
+    <p:sldId id="290" r:id="rId25"/>
+    <p:sldId id="278" r:id="rId26"/>
   </p:sldIdLst>
   <p:sldSz cx="12192000" cy="6858000"/>
   <p:notesSz cx="6858000" cy="9144000"/>
@@ -6567,7 +6574,7 @@
           <a:p>
             <a:fld id="{02AC24A9-CCB6-4F8D-B8DB-C2F3692CFA5A}" type="datetimeFigureOut">
               <a:rPr lang="en-US" smtClean="0"/>
-              <a:t>9/25/20</a:t>
+              <a:t>9/28/20</a:t>
             </a:fld>
             <a:endParaRPr lang="en-US" dirty="0"/>
           </a:p>
@@ -6937,7 +6944,7 @@
           <a:p>
             <a:fld id="{02AC24A9-CCB6-4F8D-B8DB-C2F3692CFA5A}" type="datetimeFigureOut">
               <a:rPr lang="en-US" smtClean="0"/>
-              <a:t>9/25/20</a:t>
+              <a:t>9/28/20</a:t>
             </a:fld>
             <a:endParaRPr lang="en-US"/>
           </a:p>
@@ -7146,7 +7153,7 @@
           <a:p>
             <a:fld id="{02AC24A9-CCB6-4F8D-B8DB-C2F3692CFA5A}" type="datetimeFigureOut">
               <a:rPr lang="en-US" smtClean="0"/>
-              <a:t>9/25/20</a:t>
+              <a:t>9/28/20</a:t>
             </a:fld>
             <a:endParaRPr lang="en-US"/>
           </a:p>
@@ -7616,7 +7623,7 @@
           <a:p>
             <a:fld id="{02AC24A9-CCB6-4F8D-B8DB-C2F3692CFA5A}" type="datetimeFigureOut">
               <a:rPr lang="en-US" smtClean="0"/>
-              <a:t>9/25/20</a:t>
+              <a:t>9/28/20</a:t>
             </a:fld>
             <a:endParaRPr lang="en-US"/>
           </a:p>
@@ -8070,7 +8077,7 @@
           <a:p>
             <a:fld id="{02AC24A9-CCB6-4F8D-B8DB-C2F3692CFA5A}" type="datetimeFigureOut">
               <a:rPr lang="en-US" smtClean="0"/>
-              <a:t>9/25/20</a:t>
+              <a:t>9/28/20</a:t>
             </a:fld>
             <a:endParaRPr lang="en-US"/>
           </a:p>
@@ -8602,7 +8609,7 @@
           <a:p>
             <a:fld id="{02AC24A9-CCB6-4F8D-B8DB-C2F3692CFA5A}" type="datetimeFigureOut">
               <a:rPr lang="en-US" smtClean="0"/>
-              <a:t>9/25/20</a:t>
+              <a:t>9/28/20</a:t>
             </a:fld>
             <a:endParaRPr lang="en-US"/>
           </a:p>
@@ -9301,7 +9308,7 @@
           <a:p>
             <a:fld id="{02AC24A9-CCB6-4F8D-B8DB-C2F3692CFA5A}" type="datetimeFigureOut">
               <a:rPr lang="en-US" smtClean="0"/>
-              <a:t>9/25/20</a:t>
+              <a:t>9/28/20</a:t>
             </a:fld>
             <a:endParaRPr lang="en-US"/>
           </a:p>
@@ -9630,7 +9637,7 @@
           <a:p>
             <a:fld id="{02AC24A9-CCB6-4F8D-B8DB-C2F3692CFA5A}" type="datetimeFigureOut">
               <a:rPr lang="en-US" smtClean="0"/>
-              <a:t>9/25/20</a:t>
+              <a:t>9/28/20</a:t>
             </a:fld>
             <a:endParaRPr lang="en-US"/>
           </a:p>
@@ -9743,7 +9750,7 @@
           <a:p>
             <a:fld id="{02AC24A9-CCB6-4F8D-B8DB-C2F3692CFA5A}" type="datetimeFigureOut">
               <a:rPr lang="en-US" smtClean="0"/>
-              <a:t>9/25/20</a:t>
+              <a:t>9/28/20</a:t>
             </a:fld>
             <a:endParaRPr lang="en-US"/>
           </a:p>
@@ -10238,7 +10245,7 @@
           <a:p>
             <a:fld id="{02AC24A9-CCB6-4F8D-B8DB-C2F3692CFA5A}" type="datetimeFigureOut">
               <a:rPr lang="en-US" smtClean="0"/>
-              <a:t>9/25/20</a:t>
+              <a:t>9/28/20</a:t>
             </a:fld>
             <a:endParaRPr lang="en-US" dirty="0"/>
           </a:p>
@@ -10715,7 +10722,7 @@
           <a:p>
             <a:fld id="{02AC24A9-CCB6-4F8D-B8DB-C2F3692CFA5A}" type="datetimeFigureOut">
               <a:rPr lang="en-US" smtClean="0"/>
-              <a:t>9/25/20</a:t>
+              <a:t>9/28/20</a:t>
             </a:fld>
             <a:endParaRPr lang="en-US"/>
           </a:p>
@@ -10958,7 +10965,7 @@
           <a:p>
             <a:fld id="{02AC24A9-CCB6-4F8D-B8DB-C2F3692CFA5A}" type="datetimeFigureOut">
               <a:rPr lang="en-US" smtClean="0"/>
-              <a:t>9/25/20</a:t>
+              <a:t>9/28/20</a:t>
             </a:fld>
             <a:endParaRPr lang="en-US"/>
           </a:p>
@@ -11867,6 +11874,773 @@
           <a:chExt cx="0" cy="0"/>
         </a:xfrm>
       </p:grpSpPr>
+      <p:pic>
+        <p:nvPicPr>
+          <p:cNvPr id="4" name="Picture 3" descr="A picture containing object, clock&#10;&#10;Description automatically generated">
+            <a:extLst>
+              <a:ext uri="{FF2B5EF4-FFF2-40B4-BE49-F238E27FC236}">
+                <a16:creationId xmlns:a16="http://schemas.microsoft.com/office/drawing/2014/main" id="{3B647EB5-4654-C243-8A43-3F77884FE367}"/>
+              </a:ext>
+            </a:extLst>
+          </p:cNvPr>
+          <p:cNvPicPr>
+            <a:picLocks noChangeAspect="1"/>
+          </p:cNvPicPr>
+          <p:nvPr/>
+        </p:nvPicPr>
+        <p:blipFill>
+          <a:blip r:embed="rId2"/>
+          <a:stretch>
+            <a:fillRect/>
+          </a:stretch>
+        </p:blipFill>
+        <p:spPr>
+          <a:xfrm>
+            <a:off x="0" y="228011"/>
+            <a:ext cx="12192000" cy="6401977"/>
+          </a:xfrm>
+          <a:prstGeom prst="rect">
+            <a:avLst/>
+          </a:prstGeom>
+        </p:spPr>
+      </p:pic>
+    </p:spTree>
+    <p:extLst>
+      <p:ext uri="{BB962C8B-B14F-4D97-AF65-F5344CB8AC3E}">
+        <p14:creationId xmlns:p14="http://schemas.microsoft.com/office/powerpoint/2010/main" val="3928483339"/>
+      </p:ext>
+    </p:extLst>
+  </p:cSld>
+  <p:clrMapOvr>
+    <a:masterClrMapping/>
+  </p:clrMapOvr>
+</p:sld>
+</file>
+
+<file path=ppt/slides/slide11.xml><?xml version="1.0" encoding="utf-8"?>
+<p:sld xmlns:a="http://schemas.openxmlformats.org/drawingml/2006/main" xmlns:r="http://schemas.openxmlformats.org/officeDocument/2006/relationships" xmlns:p="http://schemas.openxmlformats.org/presentationml/2006/main">
+  <p:cSld>
+    <p:spTree>
+      <p:nvGrpSpPr>
+        <p:cNvPr id="1" name=""/>
+        <p:cNvGrpSpPr/>
+        <p:nvPr/>
+      </p:nvGrpSpPr>
+      <p:grpSpPr>
+        <a:xfrm>
+          <a:off x="0" y="0"/>
+          <a:ext cx="0" cy="0"/>
+          <a:chOff x="0" y="0"/>
+          <a:chExt cx="0" cy="0"/>
+        </a:xfrm>
+      </p:grpSpPr>
+      <p:pic>
+        <p:nvPicPr>
+          <p:cNvPr id="4" name="Picture 3" descr="A picture containing object, clock&#10;&#10;Description automatically generated">
+            <a:extLst>
+              <a:ext uri="{FF2B5EF4-FFF2-40B4-BE49-F238E27FC236}">
+                <a16:creationId xmlns:a16="http://schemas.microsoft.com/office/drawing/2014/main" id="{9C052124-B15B-7347-B677-31E47D08C1B6}"/>
+              </a:ext>
+            </a:extLst>
+          </p:cNvPr>
+          <p:cNvPicPr>
+            <a:picLocks noChangeAspect="1"/>
+          </p:cNvPicPr>
+          <p:nvPr/>
+        </p:nvPicPr>
+        <p:blipFill>
+          <a:blip r:embed="rId2"/>
+          <a:stretch>
+            <a:fillRect/>
+          </a:stretch>
+        </p:blipFill>
+        <p:spPr>
+          <a:xfrm>
+            <a:off x="0" y="228011"/>
+            <a:ext cx="12192000" cy="6401977"/>
+          </a:xfrm>
+          <a:prstGeom prst="rect">
+            <a:avLst/>
+          </a:prstGeom>
+        </p:spPr>
+      </p:pic>
+    </p:spTree>
+    <p:extLst>
+      <p:ext uri="{BB962C8B-B14F-4D97-AF65-F5344CB8AC3E}">
+        <p14:creationId xmlns:p14="http://schemas.microsoft.com/office/powerpoint/2010/main" val="3323134067"/>
+      </p:ext>
+    </p:extLst>
+  </p:cSld>
+  <p:clrMapOvr>
+    <a:masterClrMapping/>
+  </p:clrMapOvr>
+</p:sld>
+</file>
+
+<file path=ppt/slides/slide12.xml><?xml version="1.0" encoding="utf-8"?>
+<p:sld xmlns:a="http://schemas.openxmlformats.org/drawingml/2006/main" xmlns:r="http://schemas.openxmlformats.org/officeDocument/2006/relationships" xmlns:p="http://schemas.openxmlformats.org/presentationml/2006/main">
+  <p:cSld>
+    <p:spTree>
+      <p:nvGrpSpPr>
+        <p:cNvPr id="1" name=""/>
+        <p:cNvGrpSpPr/>
+        <p:nvPr/>
+      </p:nvGrpSpPr>
+      <p:grpSpPr>
+        <a:xfrm>
+          <a:off x="0" y="0"/>
+          <a:ext cx="0" cy="0"/>
+          <a:chOff x="0" y="0"/>
+          <a:chExt cx="0" cy="0"/>
+        </a:xfrm>
+      </p:grpSpPr>
+      <p:pic>
+        <p:nvPicPr>
+          <p:cNvPr id="4" name="Picture 3" descr="A picture containing chart&#10;&#10;Description automatically generated">
+            <a:extLst>
+              <a:ext uri="{FF2B5EF4-FFF2-40B4-BE49-F238E27FC236}">
+                <a16:creationId xmlns:a16="http://schemas.microsoft.com/office/drawing/2014/main" id="{888FEE7F-C20D-F649-B022-8919FD1F7E78}"/>
+              </a:ext>
+            </a:extLst>
+          </p:cNvPr>
+          <p:cNvPicPr>
+            <a:picLocks noChangeAspect="1"/>
+          </p:cNvPicPr>
+          <p:nvPr/>
+        </p:nvPicPr>
+        <p:blipFill>
+          <a:blip r:embed="rId2"/>
+          <a:stretch>
+            <a:fillRect/>
+          </a:stretch>
+        </p:blipFill>
+        <p:spPr>
+          <a:xfrm>
+            <a:off x="0" y="228011"/>
+            <a:ext cx="12192000" cy="6401977"/>
+          </a:xfrm>
+          <a:prstGeom prst="rect">
+            <a:avLst/>
+          </a:prstGeom>
+        </p:spPr>
+      </p:pic>
+    </p:spTree>
+    <p:extLst>
+      <p:ext uri="{BB962C8B-B14F-4D97-AF65-F5344CB8AC3E}">
+        <p14:creationId xmlns:p14="http://schemas.microsoft.com/office/powerpoint/2010/main" val="690187130"/>
+      </p:ext>
+    </p:extLst>
+  </p:cSld>
+  <p:clrMapOvr>
+    <a:masterClrMapping/>
+  </p:clrMapOvr>
+</p:sld>
+</file>
+
+<file path=ppt/slides/slide13.xml><?xml version="1.0" encoding="utf-8"?>
+<p:sld xmlns:a="http://schemas.openxmlformats.org/drawingml/2006/main" xmlns:r="http://schemas.openxmlformats.org/officeDocument/2006/relationships" xmlns:p="http://schemas.openxmlformats.org/presentationml/2006/main">
+  <p:cSld>
+    <p:spTree>
+      <p:nvGrpSpPr>
+        <p:cNvPr id="1" name=""/>
+        <p:cNvGrpSpPr/>
+        <p:nvPr/>
+      </p:nvGrpSpPr>
+      <p:grpSpPr>
+        <a:xfrm>
+          <a:off x="0" y="0"/>
+          <a:ext cx="0" cy="0"/>
+          <a:chOff x="0" y="0"/>
+          <a:chExt cx="0" cy="0"/>
+        </a:xfrm>
+      </p:grpSpPr>
+      <p:pic>
+        <p:nvPicPr>
+          <p:cNvPr id="4" name="Picture 3" descr="A picture containing chart&#10;&#10;Description automatically generated">
+            <a:extLst>
+              <a:ext uri="{FF2B5EF4-FFF2-40B4-BE49-F238E27FC236}">
+                <a16:creationId xmlns:a16="http://schemas.microsoft.com/office/drawing/2014/main" id="{4BCADD98-11B9-3845-A181-93F52934C353}"/>
+              </a:ext>
+            </a:extLst>
+          </p:cNvPr>
+          <p:cNvPicPr>
+            <a:picLocks noChangeAspect="1"/>
+          </p:cNvPicPr>
+          <p:nvPr/>
+        </p:nvPicPr>
+        <p:blipFill>
+          <a:blip r:embed="rId2"/>
+          <a:stretch>
+            <a:fillRect/>
+          </a:stretch>
+        </p:blipFill>
+        <p:spPr>
+          <a:xfrm>
+            <a:off x="686710" y="285162"/>
+            <a:ext cx="11048090" cy="5801314"/>
+          </a:xfrm>
+          <a:prstGeom prst="rect">
+            <a:avLst/>
+          </a:prstGeom>
+        </p:spPr>
+      </p:pic>
+    </p:spTree>
+    <p:extLst>
+      <p:ext uri="{BB962C8B-B14F-4D97-AF65-F5344CB8AC3E}">
+        <p14:creationId xmlns:p14="http://schemas.microsoft.com/office/powerpoint/2010/main" val="2832796978"/>
+      </p:ext>
+    </p:extLst>
+  </p:cSld>
+  <p:clrMapOvr>
+    <a:masterClrMapping/>
+  </p:clrMapOvr>
+</p:sld>
+</file>
+
+<file path=ppt/slides/slide14.xml><?xml version="1.0" encoding="utf-8"?>
+<p:sld xmlns:a="http://schemas.openxmlformats.org/drawingml/2006/main" xmlns:r="http://schemas.openxmlformats.org/officeDocument/2006/relationships" xmlns:p="http://schemas.openxmlformats.org/presentationml/2006/main">
+  <p:cSld>
+    <p:bg>
+      <p:bgPr>
+        <a:solidFill>
+          <a:schemeClr val="bg1"/>
+        </a:solidFill>
+        <a:effectLst/>
+      </p:bgPr>
+    </p:bg>
+    <p:spTree>
+      <p:nvGrpSpPr>
+        <p:cNvPr id="1" name=""/>
+        <p:cNvGrpSpPr/>
+        <p:nvPr/>
+      </p:nvGrpSpPr>
+      <p:grpSpPr>
+        <a:xfrm>
+          <a:off x="0" y="0"/>
+          <a:ext cx="0" cy="0"/>
+          <a:chOff x="0" y="0"/>
+          <a:chExt cx="0" cy="0"/>
+        </a:xfrm>
+      </p:grpSpPr>
+      <p:sp useBgFill="1">
+        <p:nvSpPr>
+          <p:cNvPr id="9" name="Rectangle 8">
+            <a:extLst>
+              <a:ext uri="{FF2B5EF4-FFF2-40B4-BE49-F238E27FC236}">
+                <a16:creationId xmlns:a16="http://schemas.microsoft.com/office/drawing/2014/main" id="{53B021B3-DE93-4AB7-8A18-CF5F1CED88B8}"/>
+              </a:ext>
+              <a:ext uri="{C183D7F6-B498-43B3-948B-1728B52AA6E4}">
+                <adec:decorative xmlns:adec="http://schemas.microsoft.com/office/drawing/2017/decorative" val="1"/>
+              </a:ext>
+            </a:extLst>
+          </p:cNvPr>
+          <p:cNvSpPr>
+            <a:spLocks noGrp="1" noRot="1" noChangeAspect="1" noMove="1" noResize="1" noEditPoints="1" noAdjustHandles="1" noChangeArrowheads="1" noChangeShapeType="1" noTextEdit="1"/>
+          </p:cNvSpPr>
+          <p:nvPr>
+            <p:extLst>
+              <p:ext uri="{386F3935-93C4-4BCD-93E2-E3B085C9AB24}">
+                <p16:designElem xmlns:p16="http://schemas.microsoft.com/office/powerpoint/2015/main" val="1"/>
+              </p:ext>
+            </p:extLst>
+          </p:nvPr>
+        </p:nvSpPr>
+        <p:spPr>
+          <a:xfrm>
+            <a:off x="0" y="0"/>
+            <a:ext cx="12192000" cy="6858000"/>
+          </a:xfrm>
+          <a:prstGeom prst="rect">
+            <a:avLst/>
+          </a:prstGeom>
+          <a:ln>
+            <a:noFill/>
+          </a:ln>
+        </p:spPr>
+        <p:style>
+          <a:lnRef idx="2">
+            <a:schemeClr val="accent1">
+              <a:shade val="50000"/>
+            </a:schemeClr>
+          </a:lnRef>
+          <a:fillRef idx="1">
+            <a:schemeClr val="accent1"/>
+          </a:fillRef>
+          <a:effectRef idx="0">
+            <a:schemeClr val="accent1"/>
+          </a:effectRef>
+          <a:fontRef idx="minor">
+            <a:schemeClr val="lt1"/>
+          </a:fontRef>
+        </p:style>
+        <p:txBody>
+          <a:bodyPr rtlCol="0" anchor="ctr"/>
+          <a:lstStyle/>
+          <a:p>
+            <a:pPr algn="ctr"/>
+            <a:endParaRPr lang="en-US"/>
+          </a:p>
+        </p:txBody>
+      </p:sp>
+      <p:sp>
+        <p:nvSpPr>
+          <p:cNvPr id="2" name="Title 1">
+            <a:extLst>
+              <a:ext uri="{FF2B5EF4-FFF2-40B4-BE49-F238E27FC236}">
+                <a16:creationId xmlns:a16="http://schemas.microsoft.com/office/drawing/2014/main" id="{E01BF148-3D65-544C-B21D-A2A904B3B9DB}"/>
+              </a:ext>
+            </a:extLst>
+          </p:cNvPr>
+          <p:cNvSpPr>
+            <a:spLocks noGrp="1"/>
+          </p:cNvSpPr>
+          <p:nvPr>
+            <p:ph type="title"/>
+          </p:nvPr>
+        </p:nvSpPr>
+        <p:spPr>
+          <a:xfrm>
+            <a:off x="841248" y="256032"/>
+            <a:ext cx="10506456" cy="1014984"/>
+          </a:xfrm>
+        </p:spPr>
+        <p:txBody>
+          <a:bodyPr anchor="b">
+            <a:normAutofit/>
+          </a:bodyPr>
+          <a:lstStyle/>
+          <a:p>
+            <a:r>
+              <a:rPr lang="en-US" dirty="0"/>
+              <a:t>A* Search Method	</a:t>
+            </a:r>
+          </a:p>
+        </p:txBody>
+      </p:sp>
+      <p:sp>
+        <p:nvSpPr>
+          <p:cNvPr id="11" name="Rectangle 10">
+            <a:extLst>
+              <a:ext uri="{FF2B5EF4-FFF2-40B4-BE49-F238E27FC236}">
+                <a16:creationId xmlns:a16="http://schemas.microsoft.com/office/drawing/2014/main" id="{52D502E5-F6B4-4D58-B4AE-FC466FF15EE8}"/>
+              </a:ext>
+              <a:ext uri="{C183D7F6-B498-43B3-948B-1728B52AA6E4}">
+                <adec:decorative xmlns:adec="http://schemas.microsoft.com/office/drawing/2017/decorative" val="1"/>
+              </a:ext>
+            </a:extLst>
+          </p:cNvPr>
+          <p:cNvSpPr>
+            <a:spLocks noGrp="1" noRot="1" noChangeAspect="1" noMove="1" noResize="1" noEditPoints="1" noAdjustHandles="1" noChangeArrowheads="1" noChangeShapeType="1" noTextEdit="1"/>
+          </p:cNvSpPr>
+          <p:nvPr>
+            <p:extLst>
+              <p:ext uri="{386F3935-93C4-4BCD-93E2-E3B085C9AB24}">
+                <p16:designElem xmlns:p16="http://schemas.microsoft.com/office/powerpoint/2015/main" val="1"/>
+              </p:ext>
+            </p:extLst>
+          </p:nvPr>
+        </p:nvSpPr>
+        <p:spPr>
+          <a:xfrm>
+            <a:off x="865953" y="1634502"/>
+            <a:ext cx="10451592" cy="9144"/>
+          </a:xfrm>
+          <a:prstGeom prst="rect">
+            <a:avLst/>
+          </a:prstGeom>
+          <a:solidFill>
+            <a:schemeClr val="tx1">
+              <a:lumMod val="65000"/>
+              <a:lumOff val="35000"/>
+              <a:alpha val="30000"/>
+            </a:schemeClr>
+          </a:solidFill>
+          <a:ln w="9525">
+            <a:solidFill>
+              <a:schemeClr val="tx1">
+                <a:lumMod val="65000"/>
+                <a:lumOff val="35000"/>
+                <a:alpha val="30000"/>
+              </a:schemeClr>
+            </a:solidFill>
+          </a:ln>
+        </p:spPr>
+        <p:style>
+          <a:lnRef idx="2">
+            <a:schemeClr val="accent1">
+              <a:shade val="50000"/>
+            </a:schemeClr>
+          </a:lnRef>
+          <a:fillRef idx="1">
+            <a:schemeClr val="accent1"/>
+          </a:fillRef>
+          <a:effectRef idx="0">
+            <a:schemeClr val="accent1"/>
+          </a:effectRef>
+          <a:fontRef idx="minor">
+            <a:schemeClr val="lt1"/>
+          </a:fontRef>
+        </p:style>
+        <p:txBody>
+          <a:bodyPr rtlCol="0" anchor="ctr"/>
+          <a:lstStyle/>
+          <a:p>
+            <a:pPr marL="0" marR="0" lvl="0" indent="0" algn="ctr" defTabSz="914400" rtl="0" eaLnBrk="1" fontAlgn="auto" latinLnBrk="0" hangingPunct="1">
+              <a:lnSpc>
+                <a:spcPct val="100000"/>
+              </a:lnSpc>
+              <a:spcBef>
+                <a:spcPts val="0"/>
+              </a:spcBef>
+              <a:spcAft>
+                <a:spcPts val="0"/>
+              </a:spcAft>
+              <a:buClrTx/>
+              <a:buSzTx/>
+              <a:buFontTx/>
+              <a:buNone/>
+              <a:tabLst/>
+              <a:defRPr/>
+            </a:pPr>
+            <a:endParaRPr kumimoji="0" lang="en-US" sz="1800" b="0" i="0" u="none" strike="noStrike" kern="1200" cap="none" spc="0" normalizeH="0" baseline="0" noProof="0">
+              <a:ln>
+                <a:noFill/>
+              </a:ln>
+              <a:solidFill>
+                <a:prstClr val="white"/>
+              </a:solidFill>
+              <a:effectLst/>
+              <a:uLnTx/>
+              <a:uFillTx/>
+              <a:latin typeface="Calibri" panose="020F0502020204030204"/>
+              <a:ea typeface="+mn-ea"/>
+              <a:cs typeface="+mn-cs"/>
+            </a:endParaRPr>
+          </a:p>
+        </p:txBody>
+      </p:sp>
+      <p:sp>
+        <p:nvSpPr>
+          <p:cNvPr id="13" name="Rectangle 12">
+            <a:extLst>
+              <a:ext uri="{FF2B5EF4-FFF2-40B4-BE49-F238E27FC236}">
+                <a16:creationId xmlns:a16="http://schemas.microsoft.com/office/drawing/2014/main" id="{9DECDBF4-02B6-4BB4-B65B-B8107AD6A9E8}"/>
+              </a:ext>
+              <a:ext uri="{C183D7F6-B498-43B3-948B-1728B52AA6E4}">
+                <adec:decorative xmlns:adec="http://schemas.microsoft.com/office/drawing/2017/decorative" val="1"/>
+              </a:ext>
+            </a:extLst>
+          </p:cNvPr>
+          <p:cNvSpPr>
+            <a:spLocks noGrp="1" noRot="1" noChangeAspect="1" noMove="1" noResize="1" noEditPoints="1" noAdjustHandles="1" noChangeArrowheads="1" noChangeShapeType="1" noTextEdit="1"/>
+          </p:cNvSpPr>
+          <p:nvPr>
+            <p:extLst>
+              <p:ext uri="{386F3935-93C4-4BCD-93E2-E3B085C9AB24}">
+                <p16:designElem xmlns:p16="http://schemas.microsoft.com/office/powerpoint/2015/main" val="1"/>
+              </p:ext>
+            </p:extLst>
+          </p:nvPr>
+        </p:nvSpPr>
+        <p:spPr>
+          <a:xfrm flipV="1">
+            <a:off x="841248" y="1538176"/>
+            <a:ext cx="1873457" cy="109814"/>
+          </a:xfrm>
+          <a:prstGeom prst="rect">
+            <a:avLst/>
+          </a:prstGeom>
+          <a:solidFill>
+            <a:schemeClr val="accent1"/>
+          </a:solidFill>
+          <a:ln>
+            <a:noFill/>
+          </a:ln>
+        </p:spPr>
+        <p:style>
+          <a:lnRef idx="2">
+            <a:schemeClr val="accent1">
+              <a:shade val="50000"/>
+            </a:schemeClr>
+          </a:lnRef>
+          <a:fillRef idx="1">
+            <a:schemeClr val="accent1"/>
+          </a:fillRef>
+          <a:effectRef idx="0">
+            <a:schemeClr val="accent1"/>
+          </a:effectRef>
+          <a:fontRef idx="minor">
+            <a:schemeClr val="lt1"/>
+          </a:fontRef>
+        </p:style>
+        <p:txBody>
+          <a:bodyPr rtlCol="0" anchor="ctr"/>
+          <a:lstStyle/>
+          <a:p>
+            <a:pPr marL="0" marR="0" lvl="0" indent="0" algn="ctr" defTabSz="914400" rtl="0" eaLnBrk="1" fontAlgn="auto" latinLnBrk="0" hangingPunct="1">
+              <a:lnSpc>
+                <a:spcPct val="100000"/>
+              </a:lnSpc>
+              <a:spcBef>
+                <a:spcPts val="0"/>
+              </a:spcBef>
+              <a:spcAft>
+                <a:spcPts val="0"/>
+              </a:spcAft>
+              <a:buClrTx/>
+              <a:buSzTx/>
+              <a:buFontTx/>
+              <a:buNone/>
+              <a:tabLst/>
+              <a:defRPr/>
+            </a:pPr>
+            <a:endParaRPr kumimoji="0" lang="en-US" sz="1800" b="0" i="0" u="none" strike="noStrike" kern="1200" cap="none" spc="0" normalizeH="0" baseline="0" noProof="0">
+              <a:ln>
+                <a:noFill/>
+              </a:ln>
+              <a:solidFill>
+                <a:prstClr val="white"/>
+              </a:solidFill>
+              <a:effectLst/>
+              <a:uLnTx/>
+              <a:uFillTx/>
+              <a:latin typeface="Calibri" panose="020F0502020204030204"/>
+              <a:ea typeface="+mn-ea"/>
+              <a:cs typeface="+mn-cs"/>
+            </a:endParaRPr>
+          </a:p>
+        </p:txBody>
+      </p:sp>
+      <p:graphicFrame>
+        <p:nvGraphicFramePr>
+          <p:cNvPr id="5" name="Content Placeholder 2">
+            <a:extLst>
+              <a:ext uri="{FF2B5EF4-FFF2-40B4-BE49-F238E27FC236}">
+                <a16:creationId xmlns:a16="http://schemas.microsoft.com/office/drawing/2014/main" id="{2F724519-B8F7-481E-A8B3-79E845B085C3}"/>
+              </a:ext>
+            </a:extLst>
+          </p:cNvPr>
+          <p:cNvGraphicFramePr>
+            <a:graphicFrameLocks noGrp="1"/>
+          </p:cNvGraphicFramePr>
+          <p:nvPr>
+            <p:ph idx="1"/>
+            <p:extLst>
+              <p:ext uri="{D42A27DB-BD31-4B8C-83A1-F6EECF244321}">
+                <p14:modId xmlns:p14="http://schemas.microsoft.com/office/powerpoint/2010/main" val="3099499565"/>
+              </p:ext>
+            </p:extLst>
+          </p:nvPr>
+        </p:nvGraphicFramePr>
+        <p:xfrm>
+          <a:off x="467498" y="1655746"/>
+          <a:ext cx="11518556" cy="4357524"/>
+        </p:xfrm>
+        <a:graphic>
+          <a:graphicData uri="http://schemas.openxmlformats.org/drawingml/2006/diagram">
+            <dgm:relIds xmlns:dgm="http://schemas.openxmlformats.org/drawingml/2006/diagram" xmlns:r="http://schemas.openxmlformats.org/officeDocument/2006/relationships" r:dm="rId2" r:lo="rId3" r:qs="rId4" r:cs="rId5"/>
+          </a:graphicData>
+        </a:graphic>
+      </p:graphicFrame>
+    </p:spTree>
+    <p:extLst>
+      <p:ext uri="{BB962C8B-B14F-4D97-AF65-F5344CB8AC3E}">
+        <p14:creationId xmlns:p14="http://schemas.microsoft.com/office/powerpoint/2010/main" val="136703411"/>
+      </p:ext>
+    </p:extLst>
+  </p:cSld>
+  <p:clrMapOvr>
+    <a:masterClrMapping/>
+  </p:clrMapOvr>
+</p:sld>
+</file>
+
+<file path=ppt/slides/slide15.xml><?xml version="1.0" encoding="utf-8"?>
+<p:sld xmlns:a="http://schemas.openxmlformats.org/drawingml/2006/main" xmlns:r="http://schemas.openxmlformats.org/officeDocument/2006/relationships" xmlns:p="http://schemas.openxmlformats.org/presentationml/2006/main">
+  <p:cSld>
+    <p:spTree>
+      <p:nvGrpSpPr>
+        <p:cNvPr id="1" name=""/>
+        <p:cNvGrpSpPr/>
+        <p:nvPr/>
+      </p:nvGrpSpPr>
+      <p:grpSpPr>
+        <a:xfrm>
+          <a:off x="0" y="0"/>
+          <a:ext cx="0" cy="0"/>
+          <a:chOff x="0" y="0"/>
+          <a:chExt cx="0" cy="0"/>
+        </a:xfrm>
+      </p:grpSpPr>
+      <p:sp>
+        <p:nvSpPr>
+          <p:cNvPr id="2" name="Title 1">
+            <a:extLst>
+              <a:ext uri="{FF2B5EF4-FFF2-40B4-BE49-F238E27FC236}">
+                <a16:creationId xmlns:a16="http://schemas.microsoft.com/office/drawing/2014/main" id="{5C855A3D-17C0-9C4A-B1BC-ECD427F99A93}"/>
+              </a:ext>
+            </a:extLst>
+          </p:cNvPr>
+          <p:cNvSpPr>
+            <a:spLocks noGrp="1"/>
+          </p:cNvSpPr>
+          <p:nvPr>
+            <p:ph type="title"/>
+          </p:nvPr>
+        </p:nvSpPr>
+        <p:spPr>
+          <a:xfrm>
+            <a:off x="841248" y="426720"/>
+            <a:ext cx="10506456" cy="1919141"/>
+          </a:xfrm>
+        </p:spPr>
+        <p:txBody>
+          <a:bodyPr vert="horz" lIns="91440" tIns="45720" rIns="91440" bIns="45720" rtlCol="0" anchor="b">
+            <a:normAutofit/>
+          </a:bodyPr>
+          <a:lstStyle/>
+          <a:p>
+            <a:r>
+              <a:rPr lang="en-US" sz="6000" dirty="0"/>
+              <a:t>A* Continued…</a:t>
+            </a:r>
+          </a:p>
+        </p:txBody>
+      </p:sp>
+      <p:sp>
+        <p:nvSpPr>
+          <p:cNvPr id="9" name="Rectangle 8">
+            <a:extLst>
+              <a:ext uri="{FF2B5EF4-FFF2-40B4-BE49-F238E27FC236}">
+                <a16:creationId xmlns:a16="http://schemas.microsoft.com/office/drawing/2014/main" id="{43394F0F-B76C-EE48-8BF5-26B609541570}"/>
+              </a:ext>
+            </a:extLst>
+          </p:cNvPr>
+          <p:cNvSpPr/>
+          <p:nvPr/>
+        </p:nvSpPr>
+        <p:spPr>
+          <a:xfrm>
+            <a:off x="841248" y="3337269"/>
+            <a:ext cx="10509504" cy="2905686"/>
+          </a:xfrm>
+          <a:prstGeom prst="rect">
+            <a:avLst/>
+          </a:prstGeom>
+        </p:spPr>
+        <p:txBody>
+          <a:bodyPr vert="horz" lIns="91440" tIns="45720" rIns="91440" bIns="45720" rtlCol="0">
+            <a:normAutofit/>
+          </a:bodyPr>
+          <a:lstStyle/>
+          <a:p>
+            <a:pPr defTabSz="914400">
+              <a:lnSpc>
+                <a:spcPct val="110000"/>
+              </a:lnSpc>
+              <a:spcAft>
+                <a:spcPts val="600"/>
+              </a:spcAft>
+            </a:pPr>
+            <a:r>
+              <a:rPr lang="en-US" sz="2000" b="1" dirty="0"/>
+              <a:t>f(n) = g(n) + h(n) </a:t>
+            </a:r>
+          </a:p>
+          <a:p>
+            <a:pPr defTabSz="914400">
+              <a:lnSpc>
+                <a:spcPct val="110000"/>
+              </a:lnSpc>
+              <a:spcAft>
+                <a:spcPts val="600"/>
+              </a:spcAft>
+            </a:pPr>
+            <a:r>
+              <a:rPr lang="en-US" sz="2000" dirty="0"/>
+              <a:t>Where:</a:t>
+            </a:r>
+          </a:p>
+          <a:p>
+            <a:pPr marL="742950" lvl="1" indent="-228600" defTabSz="914400">
+              <a:lnSpc>
+                <a:spcPct val="110000"/>
+              </a:lnSpc>
+              <a:spcAft>
+                <a:spcPts val="600"/>
+              </a:spcAft>
+              <a:buFont typeface="Arial" panose="020B0604020202020204" pitchFamily="34" charset="0"/>
+              <a:buChar char="•"/>
+            </a:pPr>
+            <a:r>
+              <a:rPr lang="en-US" sz="2000" dirty="0"/>
+              <a:t>g(n) – cost path from start state to current state</a:t>
+            </a:r>
+          </a:p>
+          <a:p>
+            <a:pPr marL="742950" lvl="1" indent="-228600" defTabSz="914400">
+              <a:lnSpc>
+                <a:spcPct val="110000"/>
+              </a:lnSpc>
+              <a:spcAft>
+                <a:spcPts val="600"/>
+              </a:spcAft>
+              <a:buFont typeface="Arial" panose="020B0604020202020204" pitchFamily="34" charset="0"/>
+              <a:buChar char="•"/>
+            </a:pPr>
+            <a:r>
+              <a:rPr lang="en-US" sz="2000" dirty="0"/>
+              <a:t>h(n) – cost path from current state to goal state </a:t>
+            </a:r>
+          </a:p>
+          <a:p>
+            <a:pPr marL="742950" lvl="1" indent="-228600" defTabSz="914400">
+              <a:lnSpc>
+                <a:spcPct val="110000"/>
+              </a:lnSpc>
+              <a:spcAft>
+                <a:spcPts val="600"/>
+              </a:spcAft>
+              <a:buFont typeface="Arial" panose="020B0604020202020204" pitchFamily="34" charset="0"/>
+              <a:buChar char="•"/>
+            </a:pPr>
+            <a:r>
+              <a:rPr lang="en-US" sz="2000" dirty="0"/>
+              <a:t>f(n) – sum of g(n) and h(n)</a:t>
+            </a:r>
+          </a:p>
+        </p:txBody>
+      </p:sp>
+    </p:spTree>
+    <p:extLst>
+      <p:ext uri="{BB962C8B-B14F-4D97-AF65-F5344CB8AC3E}">
+        <p14:creationId xmlns:p14="http://schemas.microsoft.com/office/powerpoint/2010/main" val="4021050588"/>
+      </p:ext>
+    </p:extLst>
+  </p:cSld>
+  <p:clrMapOvr>
+    <a:masterClrMapping/>
+  </p:clrMapOvr>
+</p:sld>
+</file>
+
+<file path=ppt/slides/slide16.xml><?xml version="1.0" encoding="utf-8"?>
+<p:sld xmlns:a="http://schemas.openxmlformats.org/drawingml/2006/main" xmlns:r="http://schemas.openxmlformats.org/officeDocument/2006/relationships" xmlns:p="http://schemas.openxmlformats.org/presentationml/2006/main">
+  <p:cSld>
+    <p:spTree>
+      <p:nvGrpSpPr>
+        <p:cNvPr id="1" name=""/>
+        <p:cNvGrpSpPr/>
+        <p:nvPr/>
+      </p:nvGrpSpPr>
+      <p:grpSpPr>
+        <a:xfrm>
+          <a:off x="0" y="0"/>
+          <a:ext cx="0" cy="0"/>
+          <a:chOff x="0" y="0"/>
+          <a:chExt cx="0" cy="0"/>
+        </a:xfrm>
+      </p:grpSpPr>
       <p:sp>
         <p:nvSpPr>
           <p:cNvPr id="2" name="Title 1">
@@ -11915,7 +12689,7 @@
         <p:spPr>
           <a:xfrm>
             <a:off x="3027530" y="3102674"/>
-            <a:ext cx="6136939" cy="2246769"/>
+            <a:ext cx="6136939" cy="3170099"/>
           </a:xfrm>
           <a:prstGeom prst="rect">
             <a:avLst/>
@@ -11940,7 +12714,7 @@
             </a:pPr>
             <a:r>
               <a:rPr lang="en-US" sz="2000" dirty="0"/>
-              <a:t>Begin with the starting node in the unvisited array and find its f(n) value.</a:t>
+              <a:t>Begin with the starting node</a:t>
             </a:r>
           </a:p>
           <a:p>
@@ -11950,7 +12724,7 @@
             </a:pPr>
             <a:r>
               <a:rPr lang="en-US" sz="2000" dirty="0"/>
-              <a:t>Return the node with the smallest f(n) value. </a:t>
+              <a:t>Check f(n) value of all nodes  that have not already been visited within one step of the current node and return the one with the lowest value</a:t>
             </a:r>
           </a:p>
           <a:p>
@@ -11960,7 +12734,17 @@
             </a:pPr>
             <a:r>
               <a:rPr lang="en-US" sz="2000" dirty="0"/>
-              <a:t>If node not found, move node to visited array and continue and find f(n) value for next nodes.</a:t>
+              <a:t>Move the current node to the visited array </a:t>
+            </a:r>
+          </a:p>
+          <a:p>
+            <a:pPr marL="342900" indent="-342900">
+              <a:buFont typeface="Arial" panose="020B0604020202020204" pitchFamily="34" charset="0"/>
+              <a:buChar char="•"/>
+            </a:pPr>
+            <a:r>
+              <a:rPr lang="en-US" sz="2000" dirty="0"/>
+              <a:t>Set the node returned in step 2 to the current node and repeat until goal node is found</a:t>
             </a:r>
           </a:p>
           <a:p>
@@ -12001,7 +12785,7 @@
           <a:p>
             <a:r>
               <a:rPr lang="en-US" sz="2000" dirty="0"/>
-              <a:t>The implementation of this algorithm requires two arrays: one of the with the nodes that have not been visited and one with the nodes that have been visited.</a:t>
+              <a:t>The implementation of this algorithm requires two arrays: one with the nodes that have not been visited and one with the nodes that have been visited.</a:t>
             </a:r>
           </a:p>
           <a:p>
@@ -12012,7 +12796,7 @@
     </p:spTree>
     <p:extLst>
       <p:ext uri="{BB962C8B-B14F-4D97-AF65-F5344CB8AC3E}">
-        <p14:creationId xmlns:p14="http://schemas.microsoft.com/office/powerpoint/2010/main" val="212893668"/>
+        <p14:creationId xmlns:p14="http://schemas.microsoft.com/office/powerpoint/2010/main" val="534341707"/>
       </p:ext>
     </p:extLst>
   </p:cSld>
@@ -12022,7 +12806,7 @@
 </p:sld>
 </file>
 
-<file path=ppt/slides/slide11.xml><?xml version="1.0" encoding="utf-8"?>
+<file path=ppt/slides/slide17.xml><?xml version="1.0" encoding="utf-8"?>
 <p:sld xmlns:a="http://schemas.openxmlformats.org/drawingml/2006/main" xmlns:r="http://schemas.openxmlformats.org/officeDocument/2006/relationships" xmlns:p="http://schemas.openxmlformats.org/presentationml/2006/main">
   <p:cSld>
     <p:bg>
@@ -14081,7 +14865,7 @@
 </p:sld>
 </file>
 
-<file path=ppt/slides/slide12.xml><?xml version="1.0" encoding="utf-8"?>
+<file path=ppt/slides/slide18.xml><?xml version="1.0" encoding="utf-8"?>
 <p:sld xmlns:a="http://schemas.openxmlformats.org/drawingml/2006/main" xmlns:r="http://schemas.openxmlformats.org/officeDocument/2006/relationships" xmlns:p="http://schemas.openxmlformats.org/presentationml/2006/main">
   <p:cSld>
     <p:bg>
@@ -14965,7 +15749,7 @@
 </p:sld>
 </file>
 
-<file path=ppt/slides/slide13.xml><?xml version="1.0" encoding="utf-8"?>
+<file path=ppt/slides/slide19.xml><?xml version="1.0" encoding="utf-8"?>
 <p:sld xmlns:a="http://schemas.openxmlformats.org/drawingml/2006/main" xmlns:r="http://schemas.openxmlformats.org/officeDocument/2006/relationships" xmlns:p="http://schemas.openxmlformats.org/presentationml/2006/main">
   <p:cSld>
     <p:bg>
@@ -15510,7 +16294,529 @@
 </p:sld>
 </file>
 
-<file path=ppt/slides/slide14.xml><?xml version="1.0" encoding="utf-8"?>
+<file path=ppt/slides/slide2.xml><?xml version="1.0" encoding="utf-8"?>
+<p:sld xmlns:a="http://schemas.openxmlformats.org/drawingml/2006/main" xmlns:r="http://schemas.openxmlformats.org/officeDocument/2006/relationships" xmlns:p="http://schemas.openxmlformats.org/presentationml/2006/main">
+  <p:cSld>
+    <p:bg>
+      <p:bgPr>
+        <a:solidFill>
+          <a:schemeClr val="bg1"/>
+        </a:solidFill>
+        <a:effectLst/>
+      </p:bgPr>
+    </p:bg>
+    <p:spTree>
+      <p:nvGrpSpPr>
+        <p:cNvPr id="1" name=""/>
+        <p:cNvGrpSpPr/>
+        <p:nvPr/>
+      </p:nvGrpSpPr>
+      <p:grpSpPr>
+        <a:xfrm>
+          <a:off x="0" y="0"/>
+          <a:ext cx="0" cy="0"/>
+          <a:chOff x="0" y="0"/>
+          <a:chExt cx="0" cy="0"/>
+        </a:xfrm>
+      </p:grpSpPr>
+      <p:sp useBgFill="1">
+        <p:nvSpPr>
+          <p:cNvPr id="10" name="Rectangle 9">
+            <a:extLst>
+              <a:ext uri="{FF2B5EF4-FFF2-40B4-BE49-F238E27FC236}">
+                <a16:creationId xmlns:a16="http://schemas.microsoft.com/office/drawing/2014/main" id="{2C9A9DA9-7DC8-488B-A882-123947B0F3D9}"/>
+              </a:ext>
+              <a:ext uri="{C183D7F6-B498-43B3-948B-1728B52AA6E4}">
+                <adec:decorative xmlns:adec="http://schemas.microsoft.com/office/drawing/2017/decorative" val="1"/>
+              </a:ext>
+            </a:extLst>
+          </p:cNvPr>
+          <p:cNvSpPr>
+            <a:spLocks noGrp="1" noRot="1" noChangeAspect="1" noMove="1" noResize="1" noEditPoints="1" noAdjustHandles="1" noChangeArrowheads="1" noChangeShapeType="1" noTextEdit="1"/>
+          </p:cNvSpPr>
+          <p:nvPr>
+            <p:extLst>
+              <p:ext uri="{386F3935-93C4-4BCD-93E2-E3B085C9AB24}">
+                <p16:designElem xmlns:p16="http://schemas.microsoft.com/office/powerpoint/2015/main" val="1"/>
+              </p:ext>
+            </p:extLst>
+          </p:nvPr>
+        </p:nvSpPr>
+        <p:spPr>
+          <a:xfrm>
+            <a:off x="0" y="0"/>
+            <a:ext cx="12192000" cy="6858000"/>
+          </a:xfrm>
+          <a:prstGeom prst="rect">
+            <a:avLst/>
+          </a:prstGeom>
+          <a:ln>
+            <a:noFill/>
+          </a:ln>
+        </p:spPr>
+        <p:style>
+          <a:lnRef idx="2">
+            <a:schemeClr val="accent1">
+              <a:shade val="50000"/>
+            </a:schemeClr>
+          </a:lnRef>
+          <a:fillRef idx="1">
+            <a:schemeClr val="accent1"/>
+          </a:fillRef>
+          <a:effectRef idx="0">
+            <a:schemeClr val="accent1"/>
+          </a:effectRef>
+          <a:fontRef idx="minor">
+            <a:schemeClr val="lt1"/>
+          </a:fontRef>
+        </p:style>
+        <p:txBody>
+          <a:bodyPr rtlCol="0" anchor="ctr"/>
+          <a:lstStyle/>
+          <a:p>
+            <a:pPr algn="ctr"/>
+            <a:endParaRPr lang="en-US"/>
+          </a:p>
+        </p:txBody>
+      </p:sp>
+      <p:sp useBgFill="1">
+        <p:nvSpPr>
+          <p:cNvPr id="12" name="Rectangle 11">
+            <a:extLst>
+              <a:ext uri="{FF2B5EF4-FFF2-40B4-BE49-F238E27FC236}">
+                <a16:creationId xmlns:a16="http://schemas.microsoft.com/office/drawing/2014/main" id="{57F6BDD4-E066-4008-8011-6CC31AEB4556}"/>
+              </a:ext>
+              <a:ext uri="{C183D7F6-B498-43B3-948B-1728B52AA6E4}">
+                <adec:decorative xmlns:adec="http://schemas.microsoft.com/office/drawing/2017/decorative" val="1"/>
+              </a:ext>
+            </a:extLst>
+          </p:cNvPr>
+          <p:cNvSpPr>
+            <a:spLocks noGrp="1" noRot="1" noChangeAspect="1" noMove="1" noResize="1" noEditPoints="1" noAdjustHandles="1" noChangeArrowheads="1" noChangeShapeType="1" noTextEdit="1"/>
+          </p:cNvSpPr>
+          <p:nvPr>
+            <p:extLst>
+              <p:ext uri="{386F3935-93C4-4BCD-93E2-E3B085C9AB24}">
+                <p16:designElem xmlns:p16="http://schemas.microsoft.com/office/powerpoint/2015/main" val="1"/>
+              </p:ext>
+            </p:extLst>
+          </p:nvPr>
+        </p:nvSpPr>
+        <p:spPr>
+          <a:xfrm>
+            <a:off x="4943857" y="633619"/>
+            <a:ext cx="6838569" cy="5495925"/>
+          </a:xfrm>
+          <a:prstGeom prst="rect">
+            <a:avLst/>
+          </a:prstGeom>
+          <a:ln w="9525">
+            <a:solidFill>
+              <a:schemeClr val="tx2">
+                <a:lumMod val="10000"/>
+                <a:lumOff val="90000"/>
+              </a:schemeClr>
+            </a:solidFill>
+          </a:ln>
+          <a:effectLst>
+            <a:outerShdw blurRad="50800" dist="38100" dir="2700000" algn="tl" rotWithShape="0">
+              <a:schemeClr val="bg1">
+                <a:lumMod val="85000"/>
+                <a:alpha val="30000"/>
+              </a:schemeClr>
+            </a:outerShdw>
+          </a:effectLst>
+        </p:spPr>
+        <p:style>
+          <a:lnRef idx="2">
+            <a:schemeClr val="accent1">
+              <a:shade val="50000"/>
+            </a:schemeClr>
+          </a:lnRef>
+          <a:fillRef idx="1">
+            <a:schemeClr val="accent1"/>
+          </a:fillRef>
+          <a:effectRef idx="0">
+            <a:schemeClr val="accent1"/>
+          </a:effectRef>
+          <a:fontRef idx="minor">
+            <a:schemeClr val="lt1"/>
+          </a:fontRef>
+        </p:style>
+        <p:txBody>
+          <a:bodyPr rtlCol="0" anchor="ctr"/>
+          <a:lstStyle/>
+          <a:p>
+            <a:pPr marL="0" marR="0" lvl="0" indent="0" algn="ctr" defTabSz="914400" rtl="0" eaLnBrk="1" fontAlgn="auto" latinLnBrk="0" hangingPunct="1">
+              <a:lnSpc>
+                <a:spcPct val="100000"/>
+              </a:lnSpc>
+              <a:spcBef>
+                <a:spcPts val="0"/>
+              </a:spcBef>
+              <a:spcAft>
+                <a:spcPts val="0"/>
+              </a:spcAft>
+              <a:buClrTx/>
+              <a:buSzTx/>
+              <a:buFontTx/>
+              <a:buNone/>
+              <a:tabLst/>
+              <a:defRPr/>
+            </a:pPr>
+            <a:endParaRPr kumimoji="0" lang="en-US" sz="1800" b="0" i="0" u="none" strike="noStrike" kern="1200" cap="none" spc="0" normalizeH="0" baseline="0" noProof="0">
+              <a:ln>
+                <a:noFill/>
+              </a:ln>
+              <a:solidFill>
+                <a:prstClr val="white"/>
+              </a:solidFill>
+              <a:effectLst/>
+              <a:uLnTx/>
+              <a:uFillTx/>
+              <a:latin typeface="Calibri" panose="020F0502020204030204"/>
+              <a:ea typeface="+mn-ea"/>
+              <a:cs typeface="+mn-cs"/>
+            </a:endParaRPr>
+          </a:p>
+        </p:txBody>
+      </p:sp>
+      <p:sp>
+        <p:nvSpPr>
+          <p:cNvPr id="2" name="Title 1">
+            <a:extLst>
+              <a:ext uri="{FF2B5EF4-FFF2-40B4-BE49-F238E27FC236}">
+                <a16:creationId xmlns:a16="http://schemas.microsoft.com/office/drawing/2014/main" id="{1CD786A5-BE7B-2F40-B42A-4976D6F6C427}"/>
+              </a:ext>
+            </a:extLst>
+          </p:cNvPr>
+          <p:cNvSpPr>
+            <a:spLocks noGrp="1"/>
+          </p:cNvSpPr>
+          <p:nvPr>
+            <p:ph type="title"/>
+          </p:nvPr>
+        </p:nvSpPr>
+        <p:spPr>
+          <a:xfrm>
+            <a:off x="5359510" y="978619"/>
+            <a:ext cx="5991244" cy="1106424"/>
+          </a:xfrm>
+        </p:spPr>
+        <p:txBody>
+          <a:bodyPr>
+            <a:normAutofit/>
+          </a:bodyPr>
+          <a:lstStyle/>
+          <a:p>
+            <a:r>
+              <a:rPr lang="en-US" sz="3200"/>
+              <a:t>SEARCH AIM</a:t>
+            </a:r>
+          </a:p>
+        </p:txBody>
+      </p:sp>
+      <p:pic>
+        <p:nvPicPr>
+          <p:cNvPr id="7" name="Graphic 6" descr="Robot">
+            <a:extLst>
+              <a:ext uri="{FF2B5EF4-FFF2-40B4-BE49-F238E27FC236}">
+                <a16:creationId xmlns:a16="http://schemas.microsoft.com/office/drawing/2014/main" id="{CDC0BB13-B1B5-4328-9AE3-A0A13229211D}"/>
+              </a:ext>
+            </a:extLst>
+          </p:cNvPr>
+          <p:cNvPicPr>
+            <a:picLocks noChangeAspect="1"/>
+          </p:cNvPicPr>
+          <p:nvPr/>
+        </p:nvPicPr>
+        <p:blipFill>
+          <a:blip r:embed="rId2">
+            <a:extLst>
+              <a:ext uri="{28A0092B-C50C-407E-A947-70E740481C1C}">
+                <a14:useLocalDpi xmlns:a14="http://schemas.microsoft.com/office/drawing/2010/main" val="0"/>
+              </a:ext>
+              <a:ext uri="{96DAC541-7B7A-43D3-8B79-37D633B846F1}">
+                <asvg:svgBlip xmlns:asvg="http://schemas.microsoft.com/office/drawing/2016/SVG/main" r:embed="rId3"/>
+              </a:ext>
+            </a:extLst>
+          </a:blip>
+          <a:stretch>
+            <a:fillRect/>
+          </a:stretch>
+        </p:blipFill>
+        <p:spPr>
+          <a:xfrm>
+            <a:off x="414528" y="1361884"/>
+            <a:ext cx="4033647" cy="4033647"/>
+          </a:xfrm>
+          <a:prstGeom prst="rect">
+            <a:avLst/>
+          </a:prstGeom>
+        </p:spPr>
+      </p:pic>
+      <p:sp>
+        <p:nvSpPr>
+          <p:cNvPr id="14" name="Rectangle 13">
+            <a:extLst>
+              <a:ext uri="{FF2B5EF4-FFF2-40B4-BE49-F238E27FC236}">
+                <a16:creationId xmlns:a16="http://schemas.microsoft.com/office/drawing/2014/main" id="{2711A8FB-68FC-45FC-B01E-38F809E2D439}"/>
+              </a:ext>
+              <a:ext uri="{C183D7F6-B498-43B3-948B-1728B52AA6E4}">
+                <adec:decorative xmlns:adec="http://schemas.microsoft.com/office/drawing/2017/decorative" val="1"/>
+              </a:ext>
+            </a:extLst>
+          </p:cNvPr>
+          <p:cNvSpPr>
+            <a:spLocks noGrp="1" noRot="1" noChangeAspect="1" noMove="1" noResize="1" noEditPoints="1" noAdjustHandles="1" noChangeArrowheads="1" noChangeShapeType="1" noTextEdit="1"/>
+          </p:cNvSpPr>
+          <p:nvPr>
+            <p:extLst>
+              <p:ext uri="{386F3935-93C4-4BCD-93E2-E3B085C9AB24}">
+                <p16:designElem xmlns:p16="http://schemas.microsoft.com/office/powerpoint/2015/main" val="1"/>
+              </p:ext>
+            </p:extLst>
+          </p:nvPr>
+        </p:nvSpPr>
+        <p:spPr>
+          <a:xfrm>
+            <a:off x="4879848" y="1171300"/>
+            <a:ext cx="128016" cy="704088"/>
+          </a:xfrm>
+          <a:prstGeom prst="rect">
+            <a:avLst/>
+          </a:prstGeom>
+          <a:solidFill>
+            <a:schemeClr val="accent1"/>
+          </a:solidFill>
+          <a:ln>
+            <a:noFill/>
+          </a:ln>
+        </p:spPr>
+        <p:style>
+          <a:lnRef idx="2">
+            <a:schemeClr val="accent1">
+              <a:shade val="50000"/>
+            </a:schemeClr>
+          </a:lnRef>
+          <a:fillRef idx="1">
+            <a:schemeClr val="accent1"/>
+          </a:fillRef>
+          <a:effectRef idx="0">
+            <a:schemeClr val="accent1"/>
+          </a:effectRef>
+          <a:fontRef idx="minor">
+            <a:schemeClr val="lt1"/>
+          </a:fontRef>
+        </p:style>
+        <p:txBody>
+          <a:bodyPr rtlCol="0" anchor="ctr"/>
+          <a:lstStyle/>
+          <a:p>
+            <a:pPr marL="0" marR="0" lvl="0" indent="0" algn="ctr" defTabSz="914400" rtl="0" eaLnBrk="1" fontAlgn="auto" latinLnBrk="0" hangingPunct="1">
+              <a:lnSpc>
+                <a:spcPct val="100000"/>
+              </a:lnSpc>
+              <a:spcBef>
+                <a:spcPts val="0"/>
+              </a:spcBef>
+              <a:spcAft>
+                <a:spcPts val="0"/>
+              </a:spcAft>
+              <a:buClrTx/>
+              <a:buSzTx/>
+              <a:buFontTx/>
+              <a:buNone/>
+              <a:tabLst/>
+              <a:defRPr/>
+            </a:pPr>
+            <a:endParaRPr kumimoji="0" lang="en-US" sz="1800" b="0" i="0" u="none" strike="noStrike" kern="1200" cap="none" spc="0" normalizeH="0" baseline="0" noProof="0">
+              <a:ln>
+                <a:noFill/>
+              </a:ln>
+              <a:solidFill>
+                <a:prstClr val="white"/>
+              </a:solidFill>
+              <a:effectLst/>
+              <a:uLnTx/>
+              <a:uFillTx/>
+              <a:latin typeface="Calibri" panose="020F0502020204030204"/>
+              <a:ea typeface="+mn-ea"/>
+              <a:cs typeface="+mn-cs"/>
+            </a:endParaRPr>
+          </a:p>
+        </p:txBody>
+      </p:sp>
+      <p:sp>
+        <p:nvSpPr>
+          <p:cNvPr id="16" name="Rectangle 15">
+            <a:extLst>
+              <a:ext uri="{FF2B5EF4-FFF2-40B4-BE49-F238E27FC236}">
+                <a16:creationId xmlns:a16="http://schemas.microsoft.com/office/drawing/2014/main" id="{2A865FE3-5FC9-4049-87CF-30019C46C0F5}"/>
+              </a:ext>
+              <a:ext uri="{C183D7F6-B498-43B3-948B-1728B52AA6E4}">
+                <adec:decorative xmlns:adec="http://schemas.microsoft.com/office/drawing/2017/decorative" val="1"/>
+              </a:ext>
+            </a:extLst>
+          </p:cNvPr>
+          <p:cNvSpPr>
+            <a:spLocks noGrp="1" noRot="1" noChangeAspect="1" noMove="1" noResize="1" noEditPoints="1" noAdjustHandles="1" noChangeArrowheads="1" noChangeShapeType="1" noTextEdit="1"/>
+          </p:cNvSpPr>
+          <p:nvPr>
+            <p:extLst>
+              <p:ext uri="{386F3935-93C4-4BCD-93E2-E3B085C9AB24}">
+                <p16:designElem xmlns:p16="http://schemas.microsoft.com/office/powerpoint/2015/main" val="1"/>
+              </p:ext>
+            </p:extLst>
+          </p:nvPr>
+        </p:nvSpPr>
+        <p:spPr>
+          <a:xfrm>
+            <a:off x="5467859" y="2093976"/>
+            <a:ext cx="5846683" cy="9144"/>
+          </a:xfrm>
+          <a:prstGeom prst="rect">
+            <a:avLst/>
+          </a:prstGeom>
+          <a:solidFill>
+            <a:schemeClr val="tx2">
+              <a:lumMod val="25000"/>
+              <a:lumOff val="75000"/>
+            </a:schemeClr>
+          </a:solidFill>
+          <a:ln w="3175">
+            <a:noFill/>
+          </a:ln>
+          <a:effectLst/>
+        </p:spPr>
+        <p:style>
+          <a:lnRef idx="2">
+            <a:schemeClr val="accent1">
+              <a:shade val="50000"/>
+            </a:schemeClr>
+          </a:lnRef>
+          <a:fillRef idx="1">
+            <a:schemeClr val="accent1"/>
+          </a:fillRef>
+          <a:effectRef idx="0">
+            <a:schemeClr val="accent1"/>
+          </a:effectRef>
+          <a:fontRef idx="minor">
+            <a:schemeClr val="lt1"/>
+          </a:fontRef>
+        </p:style>
+        <p:txBody>
+          <a:bodyPr rtlCol="0" anchor="ctr"/>
+          <a:lstStyle/>
+          <a:p>
+            <a:pPr marL="0" marR="0" lvl="0" indent="0" algn="ctr" defTabSz="914400" rtl="0" eaLnBrk="1" fontAlgn="auto" latinLnBrk="0" hangingPunct="1">
+              <a:lnSpc>
+                <a:spcPct val="100000"/>
+              </a:lnSpc>
+              <a:spcBef>
+                <a:spcPts val="0"/>
+              </a:spcBef>
+              <a:spcAft>
+                <a:spcPts val="0"/>
+              </a:spcAft>
+              <a:buClrTx/>
+              <a:buSzTx/>
+              <a:buFontTx/>
+              <a:buNone/>
+              <a:tabLst/>
+              <a:defRPr/>
+            </a:pPr>
+            <a:endParaRPr kumimoji="0" lang="en-US" sz="1800" b="0" i="0" u="none" strike="noStrike" kern="1200" cap="none" spc="0" normalizeH="0" baseline="0" noProof="0">
+              <a:ln>
+                <a:noFill/>
+              </a:ln>
+              <a:solidFill>
+                <a:prstClr val="white"/>
+              </a:solidFill>
+              <a:effectLst/>
+              <a:uLnTx/>
+              <a:uFillTx/>
+              <a:latin typeface="Calibri" panose="020F0502020204030204"/>
+              <a:ea typeface="+mn-ea"/>
+              <a:cs typeface="+mn-cs"/>
+            </a:endParaRPr>
+          </a:p>
+        </p:txBody>
+      </p:sp>
+      <p:sp>
+        <p:nvSpPr>
+          <p:cNvPr id="3" name="Content Placeholder 2">
+            <a:extLst>
+              <a:ext uri="{FF2B5EF4-FFF2-40B4-BE49-F238E27FC236}">
+                <a16:creationId xmlns:a16="http://schemas.microsoft.com/office/drawing/2014/main" id="{C33A9421-FDF5-1649-B26A-842056B7A349}"/>
+              </a:ext>
+            </a:extLst>
+          </p:cNvPr>
+          <p:cNvSpPr>
+            <a:spLocks noGrp="1"/>
+          </p:cNvSpPr>
+          <p:nvPr>
+            <p:ph idx="1"/>
+          </p:nvPr>
+        </p:nvSpPr>
+        <p:spPr>
+          <a:xfrm>
+            <a:off x="5356861" y="2252870"/>
+            <a:ext cx="5993892" cy="3560251"/>
+          </a:xfrm>
+        </p:spPr>
+        <p:txBody>
+          <a:bodyPr>
+            <a:normAutofit/>
+          </a:bodyPr>
+          <a:lstStyle/>
+          <a:p>
+            <a:r>
+              <a:rPr lang="en-US" sz="1800" dirty="0"/>
+              <a:t>Use Breadth-First and A*  search methods to: </a:t>
+            </a:r>
+          </a:p>
+          <a:p>
+            <a:pPr lvl="1"/>
+            <a:r>
+              <a:rPr lang="en-US" sz="1800" dirty="0"/>
+              <a:t>Find the optimal solution to determine a robot’s travel path from point A to point B within a controlled environment.</a:t>
+            </a:r>
+          </a:p>
+          <a:p>
+            <a:pPr lvl="1"/>
+            <a:r>
+              <a:rPr lang="en-US" sz="1800" dirty="0"/>
+              <a:t>The controlled environment consists of built in obstacles representing stops interfering with the solution.  </a:t>
+            </a:r>
+          </a:p>
+          <a:p>
+            <a:pPr lvl="1"/>
+            <a:r>
+              <a:rPr lang="en-US" sz="1800" dirty="0"/>
+              <a:t>The robot’s aim is to navigate around the obstacles and avoid interference to find the best-cost solution.</a:t>
+            </a:r>
+          </a:p>
+          <a:p>
+            <a:pPr lvl="1"/>
+            <a:endParaRPr lang="en-US" sz="1800" dirty="0"/>
+          </a:p>
+        </p:txBody>
+      </p:sp>
+    </p:spTree>
+    <p:extLst>
+      <p:ext uri="{BB962C8B-B14F-4D97-AF65-F5344CB8AC3E}">
+        <p14:creationId xmlns:p14="http://schemas.microsoft.com/office/powerpoint/2010/main" val="2688446238"/>
+      </p:ext>
+    </p:extLst>
+  </p:cSld>
+  <p:clrMapOvr>
+    <a:masterClrMapping/>
+  </p:clrMapOvr>
+</p:sld>
+</file>
+
+<file path=ppt/slides/slide20.xml><?xml version="1.0" encoding="utf-8"?>
 <p:sld xmlns:a="http://schemas.openxmlformats.org/drawingml/2006/main" xmlns:r="http://schemas.openxmlformats.org/officeDocument/2006/relationships" xmlns:p="http://schemas.openxmlformats.org/presentationml/2006/main">
   <p:cSld>
     <p:bg>
@@ -16158,7 +17464,1887 @@
 </p:sld>
 </file>
 
-<file path=ppt/slides/slide15.xml><?xml version="1.0" encoding="utf-8"?>
+<file path=ppt/slides/slide21.xml><?xml version="1.0" encoding="utf-8"?>
+<p:sld xmlns:a="http://schemas.openxmlformats.org/drawingml/2006/main" xmlns:r="http://schemas.openxmlformats.org/officeDocument/2006/relationships" xmlns:p="http://schemas.openxmlformats.org/presentationml/2006/main">
+  <p:cSld>
+    <p:spTree>
+      <p:nvGrpSpPr>
+        <p:cNvPr id="1" name=""/>
+        <p:cNvGrpSpPr/>
+        <p:nvPr/>
+      </p:nvGrpSpPr>
+      <p:grpSpPr>
+        <a:xfrm>
+          <a:off x="0" y="0"/>
+          <a:ext cx="0" cy="0"/>
+          <a:chOff x="0" y="0"/>
+          <a:chExt cx="0" cy="0"/>
+        </a:xfrm>
+      </p:grpSpPr>
+      <p:sp>
+        <p:nvSpPr>
+          <p:cNvPr id="2" name="Title 1">
+            <a:extLst>
+              <a:ext uri="{FF2B5EF4-FFF2-40B4-BE49-F238E27FC236}">
+                <a16:creationId xmlns:a16="http://schemas.microsoft.com/office/drawing/2014/main" id="{E29B9127-F9A5-B246-8692-433005F1C248}"/>
+              </a:ext>
+            </a:extLst>
+          </p:cNvPr>
+          <p:cNvSpPr>
+            <a:spLocks noGrp="1"/>
+          </p:cNvSpPr>
+          <p:nvPr>
+            <p:ph type="title"/>
+          </p:nvPr>
+        </p:nvSpPr>
+        <p:spPr>
+          <a:xfrm>
+            <a:off x="477981" y="1122363"/>
+            <a:ext cx="4023360" cy="3204134"/>
+          </a:xfrm>
+        </p:spPr>
+        <p:txBody>
+          <a:bodyPr vert="horz" lIns="91440" tIns="45720" rIns="91440" bIns="45720" rtlCol="0" anchor="b">
+            <a:normAutofit/>
+          </a:bodyPr>
+          <a:lstStyle/>
+          <a:p>
+            <a:r>
+              <a:rPr lang="en-US" sz="4800"/>
+              <a:t>Heuristics</a:t>
+            </a:r>
+          </a:p>
+        </p:txBody>
+      </p:sp>
+      <p:pic>
+        <p:nvPicPr>
+          <p:cNvPr id="16" name="Content Placeholder 4" descr="A picture containing icon&#10;&#10;Description automatically generated">
+            <a:extLst>
+              <a:ext uri="{FF2B5EF4-FFF2-40B4-BE49-F238E27FC236}">
+                <a16:creationId xmlns:a16="http://schemas.microsoft.com/office/drawing/2014/main" id="{280BD9DD-F89A-CA4B-BF21-6DB7972A22B9}"/>
+              </a:ext>
+            </a:extLst>
+          </p:cNvPr>
+          <p:cNvPicPr>
+            <a:picLocks noGrp="1" noChangeAspect="1"/>
+          </p:cNvPicPr>
+          <p:nvPr>
+            <p:ph idx="1"/>
+          </p:nvPr>
+        </p:nvPicPr>
+        <p:blipFill>
+          <a:blip r:embed="rId2"/>
+          <a:stretch>
+            <a:fillRect/>
+          </a:stretch>
+        </p:blipFill>
+        <p:spPr>
+          <a:xfrm>
+            <a:off x="5266944" y="1"/>
+            <a:ext cx="6919003" cy="6901704"/>
+          </a:xfrm>
+          <a:prstGeom prst="rect">
+            <a:avLst/>
+          </a:prstGeom>
+        </p:spPr>
+      </p:pic>
+      <p:graphicFrame>
+        <p:nvGraphicFramePr>
+          <p:cNvPr id="18" name="Table 6">
+            <a:extLst>
+              <a:ext uri="{FF2B5EF4-FFF2-40B4-BE49-F238E27FC236}">
+                <a16:creationId xmlns:a16="http://schemas.microsoft.com/office/drawing/2014/main" id="{CC5D9B51-1399-FA45-822F-7EB09C87E9BA}"/>
+              </a:ext>
+            </a:extLst>
+          </p:cNvPr>
+          <p:cNvGraphicFramePr>
+            <a:graphicFrameLocks noGrp="1"/>
+          </p:cNvGraphicFramePr>
+          <p:nvPr/>
+        </p:nvGraphicFramePr>
+        <p:xfrm>
+          <a:off x="5266944" y="0"/>
+          <a:ext cx="6919000" cy="6858000"/>
+        </p:xfrm>
+        <a:graphic>
+          <a:graphicData uri="http://schemas.openxmlformats.org/drawingml/2006/table">
+            <a:tbl>
+              <a:tblPr firstRow="1" bandRow="1">
+                <a:tableStyleId>{5C22544A-7EE6-4342-B048-85BDC9FD1C3A}</a:tableStyleId>
+              </a:tblPr>
+              <a:tblGrid>
+                <a:gridCol w="691900">
+                  <a:extLst>
+                    <a:ext uri="{9D8B030D-6E8A-4147-A177-3AD203B41FA5}">
+                      <a16:colId xmlns:a16="http://schemas.microsoft.com/office/drawing/2014/main" val="3265839110"/>
+                    </a:ext>
+                  </a:extLst>
+                </a:gridCol>
+                <a:gridCol w="691900">
+                  <a:extLst>
+                    <a:ext uri="{9D8B030D-6E8A-4147-A177-3AD203B41FA5}">
+                      <a16:colId xmlns:a16="http://schemas.microsoft.com/office/drawing/2014/main" val="2209552745"/>
+                    </a:ext>
+                  </a:extLst>
+                </a:gridCol>
+                <a:gridCol w="691900">
+                  <a:extLst>
+                    <a:ext uri="{9D8B030D-6E8A-4147-A177-3AD203B41FA5}">
+                      <a16:colId xmlns:a16="http://schemas.microsoft.com/office/drawing/2014/main" val="3631705942"/>
+                    </a:ext>
+                  </a:extLst>
+                </a:gridCol>
+                <a:gridCol w="691900">
+                  <a:extLst>
+                    <a:ext uri="{9D8B030D-6E8A-4147-A177-3AD203B41FA5}">
+                      <a16:colId xmlns:a16="http://schemas.microsoft.com/office/drawing/2014/main" val="1150666176"/>
+                    </a:ext>
+                  </a:extLst>
+                </a:gridCol>
+                <a:gridCol w="691900">
+                  <a:extLst>
+                    <a:ext uri="{9D8B030D-6E8A-4147-A177-3AD203B41FA5}">
+                      <a16:colId xmlns:a16="http://schemas.microsoft.com/office/drawing/2014/main" val="377933262"/>
+                    </a:ext>
+                  </a:extLst>
+                </a:gridCol>
+                <a:gridCol w="691900">
+                  <a:extLst>
+                    <a:ext uri="{9D8B030D-6E8A-4147-A177-3AD203B41FA5}">
+                      <a16:colId xmlns:a16="http://schemas.microsoft.com/office/drawing/2014/main" val="4357363"/>
+                    </a:ext>
+                  </a:extLst>
+                </a:gridCol>
+                <a:gridCol w="691900">
+                  <a:extLst>
+                    <a:ext uri="{9D8B030D-6E8A-4147-A177-3AD203B41FA5}">
+                      <a16:colId xmlns:a16="http://schemas.microsoft.com/office/drawing/2014/main" val="223819783"/>
+                    </a:ext>
+                  </a:extLst>
+                </a:gridCol>
+                <a:gridCol w="691900">
+                  <a:extLst>
+                    <a:ext uri="{9D8B030D-6E8A-4147-A177-3AD203B41FA5}">
+                      <a16:colId xmlns:a16="http://schemas.microsoft.com/office/drawing/2014/main" val="2680204198"/>
+                    </a:ext>
+                  </a:extLst>
+                </a:gridCol>
+                <a:gridCol w="691900">
+                  <a:extLst>
+                    <a:ext uri="{9D8B030D-6E8A-4147-A177-3AD203B41FA5}">
+                      <a16:colId xmlns:a16="http://schemas.microsoft.com/office/drawing/2014/main" val="839774529"/>
+                    </a:ext>
+                  </a:extLst>
+                </a:gridCol>
+                <a:gridCol w="691900">
+                  <a:extLst>
+                    <a:ext uri="{9D8B030D-6E8A-4147-A177-3AD203B41FA5}">
+                      <a16:colId xmlns:a16="http://schemas.microsoft.com/office/drawing/2014/main" val="2684437185"/>
+                    </a:ext>
+                  </a:extLst>
+                </a:gridCol>
+              </a:tblGrid>
+              <a:tr h="685800">
+                <a:tc>
+                  <a:txBody>
+                    <a:bodyPr/>
+                    <a:lstStyle/>
+                    <a:p>
+                      <a:pPr algn="ctr"/>
+                      <a:endParaRPr lang="en-US" sz="1400" b="0" dirty="0">
+                        <a:solidFill>
+                          <a:schemeClr val="tx1"/>
+                        </a:solidFill>
+                      </a:endParaRPr>
+                    </a:p>
+                  </a:txBody>
+                  <a:tcPr anchor="ctr">
+                    <a:noFill/>
+                  </a:tcPr>
+                </a:tc>
+                <a:tc>
+                  <a:txBody>
+                    <a:bodyPr/>
+                    <a:lstStyle/>
+                    <a:p>
+                      <a:pPr algn="ctr"/>
+                      <a:r>
+                        <a:rPr lang="en-US" sz="1400" b="0" dirty="0">
+                          <a:solidFill>
+                            <a:schemeClr val="tx1"/>
+                          </a:solidFill>
+                        </a:rPr>
+                        <a:t>146</a:t>
+                      </a:r>
+                    </a:p>
+                  </a:txBody>
+                  <a:tcPr anchor="ctr">
+                    <a:noFill/>
+                  </a:tcPr>
+                </a:tc>
+                <a:tc>
+                  <a:txBody>
+                    <a:bodyPr/>
+                    <a:lstStyle/>
+                    <a:p>
+                      <a:pPr algn="ctr"/>
+                      <a:r>
+                        <a:rPr lang="en-US" sz="1400" b="0" dirty="0">
+                          <a:solidFill>
+                            <a:schemeClr val="tx1"/>
+                          </a:solidFill>
+                        </a:rPr>
+                        <a:t>132</a:t>
+                      </a:r>
+                    </a:p>
+                  </a:txBody>
+                  <a:tcPr anchor="ctr">
+                    <a:noFill/>
+                  </a:tcPr>
+                </a:tc>
+                <a:tc>
+                  <a:txBody>
+                    <a:bodyPr/>
+                    <a:lstStyle/>
+                    <a:p>
+                      <a:pPr algn="ctr"/>
+                      <a:r>
+                        <a:rPr lang="en-US" sz="1400" b="0" dirty="0">
+                          <a:solidFill>
+                            <a:schemeClr val="tx1"/>
+                          </a:solidFill>
+                        </a:rPr>
+                        <a:t>120</a:t>
+                      </a:r>
+                    </a:p>
+                  </a:txBody>
+                  <a:tcPr anchor="ctr">
+                    <a:noFill/>
+                  </a:tcPr>
+                </a:tc>
+                <a:tc>
+                  <a:txBody>
+                    <a:bodyPr/>
+                    <a:lstStyle/>
+                    <a:p>
+                      <a:pPr algn="ctr"/>
+                      <a:r>
+                        <a:rPr lang="en-US" sz="1400" b="0" dirty="0">
+                          <a:solidFill>
+                            <a:schemeClr val="tx1"/>
+                          </a:solidFill>
+                        </a:rPr>
+                        <a:t>110</a:t>
+                      </a:r>
+                    </a:p>
+                  </a:txBody>
+                  <a:tcPr anchor="ctr">
+                    <a:noFill/>
+                  </a:tcPr>
+                </a:tc>
+                <a:tc>
+                  <a:txBody>
+                    <a:bodyPr/>
+                    <a:lstStyle/>
+                    <a:p>
+                      <a:pPr algn="ctr"/>
+                      <a:r>
+                        <a:rPr lang="en-US" sz="1400" b="0" dirty="0">
+                          <a:solidFill>
+                            <a:schemeClr val="tx1"/>
+                          </a:solidFill>
+                        </a:rPr>
+                        <a:t>102</a:t>
+                      </a:r>
+                    </a:p>
+                  </a:txBody>
+                  <a:tcPr anchor="ctr">
+                    <a:noFill/>
+                  </a:tcPr>
+                </a:tc>
+                <a:tc>
+                  <a:txBody>
+                    <a:bodyPr/>
+                    <a:lstStyle/>
+                    <a:p>
+                      <a:pPr algn="ctr"/>
+                      <a:r>
+                        <a:rPr lang="en-US" sz="1400" b="0" dirty="0">
+                          <a:solidFill>
+                            <a:schemeClr val="tx1"/>
+                          </a:solidFill>
+                        </a:rPr>
+                        <a:t>96</a:t>
+                      </a:r>
+                    </a:p>
+                  </a:txBody>
+                  <a:tcPr anchor="ctr">
+                    <a:noFill/>
+                  </a:tcPr>
+                </a:tc>
+                <a:tc>
+                  <a:txBody>
+                    <a:bodyPr/>
+                    <a:lstStyle/>
+                    <a:p>
+                      <a:pPr algn="ctr"/>
+                      <a:r>
+                        <a:rPr lang="en-US" sz="1400" b="0" dirty="0">
+                          <a:solidFill>
+                            <a:schemeClr val="tx1"/>
+                          </a:solidFill>
+                        </a:rPr>
+                        <a:t>92</a:t>
+                      </a:r>
+                    </a:p>
+                  </a:txBody>
+                  <a:tcPr anchor="ctr">
+                    <a:noFill/>
+                  </a:tcPr>
+                </a:tc>
+                <a:tc>
+                  <a:txBody>
+                    <a:bodyPr/>
+                    <a:lstStyle/>
+                    <a:p>
+                      <a:pPr algn="ctr"/>
+                      <a:r>
+                        <a:rPr lang="en-US" sz="1400" b="0" dirty="0">
+                          <a:solidFill>
+                            <a:schemeClr val="tx1"/>
+                          </a:solidFill>
+                        </a:rPr>
+                        <a:t>90</a:t>
+                      </a:r>
+                    </a:p>
+                  </a:txBody>
+                  <a:tcPr anchor="ctr">
+                    <a:noFill/>
+                  </a:tcPr>
+                </a:tc>
+                <a:tc>
+                  <a:txBody>
+                    <a:bodyPr/>
+                    <a:lstStyle/>
+                    <a:p>
+                      <a:pPr algn="ctr"/>
+                      <a:r>
+                        <a:rPr lang="en-US" sz="1400" b="0" dirty="0">
+                          <a:solidFill>
+                            <a:schemeClr val="tx1"/>
+                          </a:solidFill>
+                        </a:rPr>
+                        <a:t>90</a:t>
+                      </a:r>
+                    </a:p>
+                  </a:txBody>
+                  <a:tcPr anchor="ctr">
+                    <a:noFill/>
+                  </a:tcPr>
+                </a:tc>
+                <a:extLst>
+                  <a:ext uri="{0D108BD9-81ED-4DB2-BD59-A6C34878D82A}">
+                    <a16:rowId xmlns:a16="http://schemas.microsoft.com/office/drawing/2014/main" val="296211105"/>
+                  </a:ext>
+                </a:extLst>
+              </a:tr>
+              <a:tr h="685800">
+                <a:tc>
+                  <a:txBody>
+                    <a:bodyPr/>
+                    <a:lstStyle/>
+                    <a:p>
+                      <a:pPr algn="ctr"/>
+                      <a:r>
+                        <a:rPr lang="en-US" sz="1400" dirty="0"/>
+                        <a:t>146</a:t>
+                      </a:r>
+                    </a:p>
+                  </a:txBody>
+                  <a:tcPr anchor="ctr">
+                    <a:noFill/>
+                  </a:tcPr>
+                </a:tc>
+                <a:tc>
+                  <a:txBody>
+                    <a:bodyPr/>
+                    <a:lstStyle/>
+                    <a:p>
+                      <a:pPr algn="ctr"/>
+                      <a:r>
+                        <a:rPr lang="en-US" sz="1400" dirty="0"/>
+                        <a:t>129</a:t>
+                      </a:r>
+                    </a:p>
+                  </a:txBody>
+                  <a:tcPr anchor="ctr">
+                    <a:noFill/>
+                  </a:tcPr>
+                </a:tc>
+                <a:tc>
+                  <a:txBody>
+                    <a:bodyPr/>
+                    <a:lstStyle/>
+                    <a:p>
+                      <a:pPr algn="ctr"/>
+                      <a:r>
+                        <a:rPr lang="en-US" sz="1400" dirty="0"/>
+                        <a:t>115</a:t>
+                      </a:r>
+                    </a:p>
+                  </a:txBody>
+                  <a:tcPr anchor="ctr">
+                    <a:noFill/>
+                  </a:tcPr>
+                </a:tc>
+                <a:tc>
+                  <a:txBody>
+                    <a:bodyPr/>
+                    <a:lstStyle/>
+                    <a:p>
+                      <a:pPr algn="ctr"/>
+                      <a:r>
+                        <a:rPr lang="en-US" sz="1400" dirty="0"/>
+                        <a:t>103</a:t>
+                      </a:r>
+                    </a:p>
+                  </a:txBody>
+                  <a:tcPr anchor="ctr">
+                    <a:noFill/>
+                  </a:tcPr>
+                </a:tc>
+                <a:tc>
+                  <a:txBody>
+                    <a:bodyPr/>
+                    <a:lstStyle/>
+                    <a:p>
+                      <a:pPr algn="ctr"/>
+                      <a:r>
+                        <a:rPr lang="en-US" sz="1400" dirty="0"/>
+                        <a:t>93</a:t>
+                      </a:r>
+                    </a:p>
+                  </a:txBody>
+                  <a:tcPr anchor="ctr">
+                    <a:noFill/>
+                  </a:tcPr>
+                </a:tc>
+                <a:tc>
+                  <a:txBody>
+                    <a:bodyPr/>
+                    <a:lstStyle/>
+                    <a:p>
+                      <a:pPr algn="ctr"/>
+                      <a:r>
+                        <a:rPr lang="en-US" sz="1400" dirty="0"/>
+                        <a:t>85</a:t>
+                      </a:r>
+                    </a:p>
+                  </a:txBody>
+                  <a:tcPr anchor="ctr">
+                    <a:noFill/>
+                  </a:tcPr>
+                </a:tc>
+                <a:tc>
+                  <a:txBody>
+                    <a:bodyPr/>
+                    <a:lstStyle/>
+                    <a:p>
+                      <a:pPr algn="ctr"/>
+                      <a:r>
+                        <a:rPr lang="en-US" sz="1400" dirty="0"/>
+                        <a:t>79</a:t>
+                      </a:r>
+                    </a:p>
+                  </a:txBody>
+                  <a:tcPr anchor="ctr">
+                    <a:noFill/>
+                  </a:tcPr>
+                </a:tc>
+                <a:tc>
+                  <a:txBody>
+                    <a:bodyPr/>
+                    <a:lstStyle/>
+                    <a:p>
+                      <a:pPr algn="ctr"/>
+                      <a:r>
+                        <a:rPr lang="en-US" sz="1400" dirty="0"/>
+                        <a:t>75</a:t>
+                      </a:r>
+                    </a:p>
+                  </a:txBody>
+                  <a:tcPr anchor="ctr">
+                    <a:noFill/>
+                  </a:tcPr>
+                </a:tc>
+                <a:tc>
+                  <a:txBody>
+                    <a:bodyPr/>
+                    <a:lstStyle/>
+                    <a:p>
+                      <a:pPr algn="ctr"/>
+                      <a:r>
+                        <a:rPr lang="en-US" sz="1400" dirty="0"/>
+                        <a:t>73</a:t>
+                      </a:r>
+                    </a:p>
+                  </a:txBody>
+                  <a:tcPr anchor="ctr">
+                    <a:noFill/>
+                  </a:tcPr>
+                </a:tc>
+                <a:tc>
+                  <a:txBody>
+                    <a:bodyPr/>
+                    <a:lstStyle/>
+                    <a:p>
+                      <a:pPr algn="ctr"/>
+                      <a:r>
+                        <a:rPr lang="en-US" sz="1400" dirty="0"/>
+                        <a:t>73</a:t>
+                      </a:r>
+                    </a:p>
+                  </a:txBody>
+                  <a:tcPr anchor="ctr">
+                    <a:noFill/>
+                  </a:tcPr>
+                </a:tc>
+                <a:extLst>
+                  <a:ext uri="{0D108BD9-81ED-4DB2-BD59-A6C34878D82A}">
+                    <a16:rowId xmlns:a16="http://schemas.microsoft.com/office/drawing/2014/main" val="3032059190"/>
+                  </a:ext>
+                </a:extLst>
+              </a:tr>
+              <a:tr h="685800">
+                <a:tc>
+                  <a:txBody>
+                    <a:bodyPr/>
+                    <a:lstStyle/>
+                    <a:p>
+                      <a:pPr algn="ctr"/>
+                      <a:r>
+                        <a:rPr lang="en-US" sz="1400" dirty="0"/>
+                        <a:t>132</a:t>
+                      </a:r>
+                    </a:p>
+                  </a:txBody>
+                  <a:tcPr anchor="ctr">
+                    <a:noFill/>
+                  </a:tcPr>
+                </a:tc>
+                <a:tc>
+                  <a:txBody>
+                    <a:bodyPr/>
+                    <a:lstStyle/>
+                    <a:p>
+                      <a:pPr algn="ctr"/>
+                      <a:r>
+                        <a:rPr lang="en-US" sz="1400" dirty="0"/>
+                        <a:t>115</a:t>
+                      </a:r>
+                    </a:p>
+                  </a:txBody>
+                  <a:tcPr anchor="ctr">
+                    <a:noFill/>
+                  </a:tcPr>
+                </a:tc>
+                <a:tc>
+                  <a:txBody>
+                    <a:bodyPr/>
+                    <a:lstStyle/>
+                    <a:p>
+                      <a:pPr algn="ctr"/>
+                      <a:r>
+                        <a:rPr lang="en-US" sz="1400" dirty="0"/>
+                        <a:t>100</a:t>
+                      </a:r>
+                    </a:p>
+                  </a:txBody>
+                  <a:tcPr anchor="ctr">
+                    <a:noFill/>
+                  </a:tcPr>
+                </a:tc>
+                <a:tc>
+                  <a:txBody>
+                    <a:bodyPr/>
+                    <a:lstStyle/>
+                    <a:p>
+                      <a:pPr algn="ctr"/>
+                      <a:r>
+                        <a:rPr lang="en-US" sz="1400" dirty="0"/>
+                        <a:t>88</a:t>
+                      </a:r>
+                    </a:p>
+                  </a:txBody>
+                  <a:tcPr anchor="ctr">
+                    <a:noFill/>
+                  </a:tcPr>
+                </a:tc>
+                <a:tc>
+                  <a:txBody>
+                    <a:bodyPr/>
+                    <a:lstStyle/>
+                    <a:p>
+                      <a:pPr algn="ctr"/>
+                      <a:r>
+                        <a:rPr lang="en-US" sz="1400" dirty="0"/>
+                        <a:t>78</a:t>
+                      </a:r>
+                    </a:p>
+                  </a:txBody>
+                  <a:tcPr anchor="ctr">
+                    <a:noFill/>
+                  </a:tcPr>
+                </a:tc>
+                <a:tc>
+                  <a:txBody>
+                    <a:bodyPr/>
+                    <a:lstStyle/>
+                    <a:p>
+                      <a:pPr algn="ctr"/>
+                      <a:r>
+                        <a:rPr lang="en-US" sz="1400" dirty="0"/>
+                        <a:t>70</a:t>
+                      </a:r>
+                    </a:p>
+                  </a:txBody>
+                  <a:tcPr anchor="ctr">
+                    <a:noFill/>
+                  </a:tcPr>
+                </a:tc>
+                <a:tc>
+                  <a:txBody>
+                    <a:bodyPr/>
+                    <a:lstStyle/>
+                    <a:p>
+                      <a:pPr algn="ctr"/>
+                      <a:r>
+                        <a:rPr lang="en-US" sz="1400" dirty="0"/>
+                        <a:t>64</a:t>
+                      </a:r>
+                    </a:p>
+                  </a:txBody>
+                  <a:tcPr anchor="ctr">
+                    <a:noFill/>
+                  </a:tcPr>
+                </a:tc>
+                <a:tc>
+                  <a:txBody>
+                    <a:bodyPr/>
+                    <a:lstStyle/>
+                    <a:p>
+                      <a:pPr algn="ctr"/>
+                      <a:r>
+                        <a:rPr lang="en-US" sz="1400" dirty="0"/>
+                        <a:t>60</a:t>
+                      </a:r>
+                    </a:p>
+                  </a:txBody>
+                  <a:tcPr anchor="ctr">
+                    <a:noFill/>
+                  </a:tcPr>
+                </a:tc>
+                <a:tc>
+                  <a:txBody>
+                    <a:bodyPr/>
+                    <a:lstStyle/>
+                    <a:p>
+                      <a:pPr algn="ctr"/>
+                      <a:r>
+                        <a:rPr lang="en-US" sz="1400" dirty="0"/>
+                        <a:t>58</a:t>
+                      </a:r>
+                    </a:p>
+                  </a:txBody>
+                  <a:tcPr anchor="ctr">
+                    <a:noFill/>
+                  </a:tcPr>
+                </a:tc>
+                <a:tc>
+                  <a:txBody>
+                    <a:bodyPr/>
+                    <a:lstStyle/>
+                    <a:p>
+                      <a:pPr algn="ctr"/>
+                      <a:r>
+                        <a:rPr lang="en-US" sz="1400" dirty="0"/>
+                        <a:t>58</a:t>
+                      </a:r>
+                    </a:p>
+                  </a:txBody>
+                  <a:tcPr anchor="ctr">
+                    <a:noFill/>
+                  </a:tcPr>
+                </a:tc>
+                <a:extLst>
+                  <a:ext uri="{0D108BD9-81ED-4DB2-BD59-A6C34878D82A}">
+                    <a16:rowId xmlns:a16="http://schemas.microsoft.com/office/drawing/2014/main" val="3320037955"/>
+                  </a:ext>
+                </a:extLst>
+              </a:tr>
+              <a:tr h="685800">
+                <a:tc>
+                  <a:txBody>
+                    <a:bodyPr/>
+                    <a:lstStyle/>
+                    <a:p>
+                      <a:pPr algn="ctr"/>
+                      <a:r>
+                        <a:rPr lang="en-US" sz="1400" dirty="0"/>
+                        <a:t>120</a:t>
+                      </a:r>
+                    </a:p>
+                  </a:txBody>
+                  <a:tcPr anchor="ctr">
+                    <a:noFill/>
+                  </a:tcPr>
+                </a:tc>
+                <a:tc>
+                  <a:txBody>
+                    <a:bodyPr/>
+                    <a:lstStyle/>
+                    <a:p>
+                      <a:pPr algn="ctr"/>
+                      <a:r>
+                        <a:rPr lang="en-US" sz="1400" dirty="0"/>
+                        <a:t>103</a:t>
+                      </a:r>
+                    </a:p>
+                  </a:txBody>
+                  <a:tcPr anchor="ctr">
+                    <a:noFill/>
+                  </a:tcPr>
+                </a:tc>
+                <a:tc>
+                  <a:txBody>
+                    <a:bodyPr/>
+                    <a:lstStyle/>
+                    <a:p>
+                      <a:pPr algn="ctr"/>
+                      <a:r>
+                        <a:rPr lang="en-US" sz="1400" dirty="0"/>
+                        <a:t>88</a:t>
+                      </a:r>
+                    </a:p>
+                  </a:txBody>
+                  <a:tcPr anchor="ctr">
+                    <a:noFill/>
+                  </a:tcPr>
+                </a:tc>
+                <a:tc>
+                  <a:txBody>
+                    <a:bodyPr/>
+                    <a:lstStyle/>
+                    <a:p>
+                      <a:pPr algn="ctr"/>
+                      <a:r>
+                        <a:rPr lang="en-US" sz="1400" dirty="0"/>
+                        <a:t>76</a:t>
+                      </a:r>
+                    </a:p>
+                  </a:txBody>
+                  <a:tcPr anchor="ctr">
+                    <a:noFill/>
+                  </a:tcPr>
+                </a:tc>
+                <a:tc>
+                  <a:txBody>
+                    <a:bodyPr/>
+                    <a:lstStyle/>
+                    <a:p>
+                      <a:pPr algn="ctr"/>
+                      <a:r>
+                        <a:rPr lang="en-US" sz="1400" dirty="0"/>
+                        <a:t>66</a:t>
+                      </a:r>
+                    </a:p>
+                  </a:txBody>
+                  <a:tcPr anchor="ctr">
+                    <a:noFill/>
+                  </a:tcPr>
+                </a:tc>
+                <a:tc>
+                  <a:txBody>
+                    <a:bodyPr/>
+                    <a:lstStyle/>
+                    <a:p>
+                      <a:pPr algn="ctr"/>
+                      <a:r>
+                        <a:rPr lang="en-US" sz="1400" dirty="0"/>
+                        <a:t>57</a:t>
+                      </a:r>
+                    </a:p>
+                  </a:txBody>
+                  <a:tcPr anchor="ctr">
+                    <a:noFill/>
+                  </a:tcPr>
+                </a:tc>
+                <a:tc>
+                  <a:txBody>
+                    <a:bodyPr/>
+                    <a:lstStyle/>
+                    <a:p>
+                      <a:pPr algn="ctr"/>
+                      <a:endParaRPr lang="en-US" sz="1400" dirty="0"/>
+                    </a:p>
+                  </a:txBody>
+                  <a:tcPr anchor="ctr">
+                    <a:noFill/>
+                  </a:tcPr>
+                </a:tc>
+                <a:tc>
+                  <a:txBody>
+                    <a:bodyPr/>
+                    <a:lstStyle/>
+                    <a:p>
+                      <a:pPr algn="ctr"/>
+                      <a:r>
+                        <a:rPr lang="en-US" sz="1400" dirty="0"/>
+                        <a:t>47</a:t>
+                      </a:r>
+                    </a:p>
+                  </a:txBody>
+                  <a:tcPr anchor="ctr">
+                    <a:noFill/>
+                  </a:tcPr>
+                </a:tc>
+                <a:tc>
+                  <a:txBody>
+                    <a:bodyPr/>
+                    <a:lstStyle/>
+                    <a:p>
+                      <a:pPr algn="ctr"/>
+                      <a:r>
+                        <a:rPr lang="en-US" sz="1400" dirty="0"/>
+                        <a:t>45</a:t>
+                      </a:r>
+                    </a:p>
+                  </a:txBody>
+                  <a:tcPr anchor="ctr">
+                    <a:noFill/>
+                  </a:tcPr>
+                </a:tc>
+                <a:tc>
+                  <a:txBody>
+                    <a:bodyPr/>
+                    <a:lstStyle/>
+                    <a:p>
+                      <a:pPr algn="ctr"/>
+                      <a:r>
+                        <a:rPr lang="en-US" sz="1400" dirty="0"/>
+                        <a:t>45</a:t>
+                      </a:r>
+                    </a:p>
+                  </a:txBody>
+                  <a:tcPr anchor="ctr">
+                    <a:noFill/>
+                  </a:tcPr>
+                </a:tc>
+                <a:extLst>
+                  <a:ext uri="{0D108BD9-81ED-4DB2-BD59-A6C34878D82A}">
+                    <a16:rowId xmlns:a16="http://schemas.microsoft.com/office/drawing/2014/main" val="1246286630"/>
+                  </a:ext>
+                </a:extLst>
+              </a:tr>
+              <a:tr h="685800">
+                <a:tc>
+                  <a:txBody>
+                    <a:bodyPr/>
+                    <a:lstStyle/>
+                    <a:p>
+                      <a:pPr algn="ctr"/>
+                      <a:r>
+                        <a:rPr lang="en-US" sz="1400" dirty="0"/>
+                        <a:t>110</a:t>
+                      </a:r>
+                    </a:p>
+                  </a:txBody>
+                  <a:tcPr anchor="ctr">
+                    <a:noFill/>
+                  </a:tcPr>
+                </a:tc>
+                <a:tc>
+                  <a:txBody>
+                    <a:bodyPr/>
+                    <a:lstStyle/>
+                    <a:p>
+                      <a:pPr algn="ctr"/>
+                      <a:r>
+                        <a:rPr lang="en-US" sz="1400" dirty="0"/>
+                        <a:t>93</a:t>
+                      </a:r>
+                    </a:p>
+                  </a:txBody>
+                  <a:tcPr anchor="ctr">
+                    <a:noFill/>
+                  </a:tcPr>
+                </a:tc>
+                <a:tc>
+                  <a:txBody>
+                    <a:bodyPr/>
+                    <a:lstStyle/>
+                    <a:p>
+                      <a:pPr algn="ctr"/>
+                      <a:r>
+                        <a:rPr lang="en-US" sz="1400" dirty="0"/>
+                        <a:t>78</a:t>
+                      </a:r>
+                    </a:p>
+                  </a:txBody>
+                  <a:tcPr anchor="ctr">
+                    <a:noFill/>
+                  </a:tcPr>
+                </a:tc>
+                <a:tc>
+                  <a:txBody>
+                    <a:bodyPr/>
+                    <a:lstStyle/>
+                    <a:p>
+                      <a:pPr algn="ctr"/>
+                      <a:r>
+                        <a:rPr lang="en-US" sz="1400" dirty="0"/>
+                        <a:t>66</a:t>
+                      </a:r>
+                    </a:p>
+                  </a:txBody>
+                  <a:tcPr anchor="ctr">
+                    <a:noFill/>
+                  </a:tcPr>
+                </a:tc>
+                <a:tc>
+                  <a:txBody>
+                    <a:bodyPr/>
+                    <a:lstStyle/>
+                    <a:p>
+                      <a:pPr algn="ctr"/>
+                      <a:r>
+                        <a:rPr lang="en-US" sz="1400" dirty="0"/>
+                        <a:t>55</a:t>
+                      </a:r>
+                    </a:p>
+                  </a:txBody>
+                  <a:tcPr anchor="ctr">
+                    <a:noFill/>
+                  </a:tcPr>
+                </a:tc>
+                <a:tc>
+                  <a:txBody>
+                    <a:bodyPr/>
+                    <a:lstStyle/>
+                    <a:p>
+                      <a:pPr algn="ctr"/>
+                      <a:r>
+                        <a:rPr lang="en-US" sz="1400" dirty="0"/>
+                        <a:t>47</a:t>
+                      </a:r>
+                    </a:p>
+                  </a:txBody>
+                  <a:tcPr anchor="ctr">
+                    <a:noFill/>
+                  </a:tcPr>
+                </a:tc>
+                <a:tc>
+                  <a:txBody>
+                    <a:bodyPr/>
+                    <a:lstStyle/>
+                    <a:p>
+                      <a:pPr algn="ctr"/>
+                      <a:endParaRPr lang="en-US" sz="1400" dirty="0"/>
+                    </a:p>
+                  </a:txBody>
+                  <a:tcPr anchor="ctr">
+                    <a:noFill/>
+                  </a:tcPr>
+                </a:tc>
+                <a:tc>
+                  <a:txBody>
+                    <a:bodyPr/>
+                    <a:lstStyle/>
+                    <a:p>
+                      <a:pPr algn="ctr"/>
+                      <a:r>
+                        <a:rPr lang="en-US" sz="1400" dirty="0"/>
+                        <a:t>37</a:t>
+                      </a:r>
+                    </a:p>
+                  </a:txBody>
+                  <a:tcPr anchor="ctr">
+                    <a:noFill/>
+                  </a:tcPr>
+                </a:tc>
+                <a:tc>
+                  <a:txBody>
+                    <a:bodyPr/>
+                    <a:lstStyle/>
+                    <a:p>
+                      <a:pPr algn="ctr"/>
+                      <a:r>
+                        <a:rPr lang="en-US" sz="1400" dirty="0"/>
+                        <a:t>34</a:t>
+                      </a:r>
+                    </a:p>
+                  </a:txBody>
+                  <a:tcPr anchor="ctr">
+                    <a:noFill/>
+                  </a:tcPr>
+                </a:tc>
+                <a:tc>
+                  <a:txBody>
+                    <a:bodyPr/>
+                    <a:lstStyle/>
+                    <a:p>
+                      <a:pPr algn="ctr"/>
+                      <a:r>
+                        <a:rPr lang="en-US" sz="1400" dirty="0"/>
+                        <a:t>34</a:t>
+                      </a:r>
+                    </a:p>
+                  </a:txBody>
+                  <a:tcPr anchor="ctr">
+                    <a:noFill/>
+                  </a:tcPr>
+                </a:tc>
+                <a:extLst>
+                  <a:ext uri="{0D108BD9-81ED-4DB2-BD59-A6C34878D82A}">
+                    <a16:rowId xmlns:a16="http://schemas.microsoft.com/office/drawing/2014/main" val="1047389371"/>
+                  </a:ext>
+                </a:extLst>
+              </a:tr>
+              <a:tr h="685800">
+                <a:tc>
+                  <a:txBody>
+                    <a:bodyPr/>
+                    <a:lstStyle/>
+                    <a:p>
+                      <a:pPr algn="ctr"/>
+                      <a:r>
+                        <a:rPr lang="en-US" sz="1400" dirty="0"/>
+                        <a:t>102</a:t>
+                      </a:r>
+                    </a:p>
+                  </a:txBody>
+                  <a:tcPr anchor="ctr">
+                    <a:noFill/>
+                  </a:tcPr>
+                </a:tc>
+                <a:tc>
+                  <a:txBody>
+                    <a:bodyPr/>
+                    <a:lstStyle/>
+                    <a:p>
+                      <a:pPr algn="ctr"/>
+                      <a:r>
+                        <a:rPr lang="en-US" sz="1400" dirty="0"/>
+                        <a:t>85</a:t>
+                      </a:r>
+                    </a:p>
+                  </a:txBody>
+                  <a:tcPr anchor="ctr">
+                    <a:noFill/>
+                  </a:tcPr>
+                </a:tc>
+                <a:tc>
+                  <a:txBody>
+                    <a:bodyPr/>
+                    <a:lstStyle/>
+                    <a:p>
+                      <a:pPr algn="ctr"/>
+                      <a:r>
+                        <a:rPr lang="en-US" sz="1400" dirty="0"/>
+                        <a:t>70</a:t>
+                      </a:r>
+                    </a:p>
+                  </a:txBody>
+                  <a:tcPr anchor="ctr">
+                    <a:noFill/>
+                  </a:tcPr>
+                </a:tc>
+                <a:tc>
+                  <a:txBody>
+                    <a:bodyPr/>
+                    <a:lstStyle/>
+                    <a:p>
+                      <a:pPr algn="ctr"/>
+                      <a:r>
+                        <a:rPr lang="en-US" sz="1400" dirty="0"/>
+                        <a:t>57</a:t>
+                      </a:r>
+                    </a:p>
+                  </a:txBody>
+                  <a:tcPr anchor="ctr">
+                    <a:noFill/>
+                  </a:tcPr>
+                </a:tc>
+                <a:tc>
+                  <a:txBody>
+                    <a:bodyPr/>
+                    <a:lstStyle/>
+                    <a:p>
+                      <a:pPr algn="ctr"/>
+                      <a:r>
+                        <a:rPr lang="en-US" sz="1400" dirty="0"/>
+                        <a:t>47</a:t>
+                      </a:r>
+                    </a:p>
+                  </a:txBody>
+                  <a:tcPr anchor="ctr">
+                    <a:noFill/>
+                  </a:tcPr>
+                </a:tc>
+                <a:tc>
+                  <a:txBody>
+                    <a:bodyPr/>
+                    <a:lstStyle/>
+                    <a:p>
+                      <a:pPr algn="ctr"/>
+                      <a:r>
+                        <a:rPr lang="en-US" sz="1400" dirty="0"/>
+                        <a:t>39</a:t>
+                      </a:r>
+                    </a:p>
+                  </a:txBody>
+                  <a:tcPr anchor="ctr">
+                    <a:noFill/>
+                  </a:tcPr>
+                </a:tc>
+                <a:tc>
+                  <a:txBody>
+                    <a:bodyPr/>
+                    <a:lstStyle/>
+                    <a:p>
+                      <a:pPr algn="ctr"/>
+                      <a:endParaRPr lang="en-US" sz="1400" dirty="0"/>
+                    </a:p>
+                  </a:txBody>
+                  <a:tcPr anchor="ctr">
+                    <a:noFill/>
+                  </a:tcPr>
+                </a:tc>
+                <a:tc>
+                  <a:txBody>
+                    <a:bodyPr/>
+                    <a:lstStyle/>
+                    <a:p>
+                      <a:pPr algn="ctr"/>
+                      <a:r>
+                        <a:rPr lang="en-US" sz="1400" dirty="0"/>
+                        <a:t>28</a:t>
+                      </a:r>
+                    </a:p>
+                  </a:txBody>
+                  <a:tcPr anchor="ctr">
+                    <a:noFill/>
+                  </a:tcPr>
+                </a:tc>
+                <a:tc>
+                  <a:txBody>
+                    <a:bodyPr/>
+                    <a:lstStyle/>
+                    <a:p>
+                      <a:pPr algn="ctr"/>
+                      <a:r>
+                        <a:rPr lang="en-US" sz="1400" dirty="0"/>
+                        <a:t>26</a:t>
+                      </a:r>
+                    </a:p>
+                  </a:txBody>
+                  <a:tcPr anchor="ctr">
+                    <a:noFill/>
+                  </a:tcPr>
+                </a:tc>
+                <a:tc>
+                  <a:txBody>
+                    <a:bodyPr/>
+                    <a:lstStyle/>
+                    <a:p>
+                      <a:pPr algn="ctr"/>
+                      <a:r>
+                        <a:rPr lang="en-US" sz="1400" dirty="0"/>
+                        <a:t>26</a:t>
+                      </a:r>
+                    </a:p>
+                  </a:txBody>
+                  <a:tcPr anchor="ctr">
+                    <a:noFill/>
+                  </a:tcPr>
+                </a:tc>
+                <a:extLst>
+                  <a:ext uri="{0D108BD9-81ED-4DB2-BD59-A6C34878D82A}">
+                    <a16:rowId xmlns:a16="http://schemas.microsoft.com/office/drawing/2014/main" val="2825116074"/>
+                  </a:ext>
+                </a:extLst>
+              </a:tr>
+              <a:tr h="685800">
+                <a:tc>
+                  <a:txBody>
+                    <a:bodyPr/>
+                    <a:lstStyle/>
+                    <a:p>
+                      <a:pPr algn="ctr"/>
+                      <a:r>
+                        <a:rPr lang="en-US" sz="1400" dirty="0"/>
+                        <a:t>96</a:t>
+                      </a:r>
+                    </a:p>
+                  </a:txBody>
+                  <a:tcPr anchor="ctr">
+                    <a:noFill/>
+                  </a:tcPr>
+                </a:tc>
+                <a:tc>
+                  <a:txBody>
+                    <a:bodyPr/>
+                    <a:lstStyle/>
+                    <a:p>
+                      <a:pPr algn="ctr"/>
+                      <a:r>
+                        <a:rPr lang="en-US" sz="1400" dirty="0"/>
+                        <a:t>79</a:t>
+                      </a:r>
+                    </a:p>
+                  </a:txBody>
+                  <a:tcPr anchor="ctr">
+                    <a:noFill/>
+                  </a:tcPr>
+                </a:tc>
+                <a:tc>
+                  <a:txBody>
+                    <a:bodyPr/>
+                    <a:lstStyle/>
+                    <a:p>
+                      <a:pPr algn="ctr"/>
+                      <a:r>
+                        <a:rPr lang="en-US" sz="1400" dirty="0"/>
+                        <a:t>64</a:t>
+                      </a:r>
+                    </a:p>
+                  </a:txBody>
+                  <a:tcPr anchor="ctr">
+                    <a:noFill/>
+                  </a:tcPr>
+                </a:tc>
+                <a:tc>
+                  <a:txBody>
+                    <a:bodyPr/>
+                    <a:lstStyle/>
+                    <a:p>
+                      <a:pPr algn="ctr"/>
+                      <a:endParaRPr lang="en-US" sz="1400" dirty="0"/>
+                    </a:p>
+                  </a:txBody>
+                  <a:tcPr anchor="ctr">
+                    <a:noFill/>
+                  </a:tcPr>
+                </a:tc>
+                <a:tc>
+                  <a:txBody>
+                    <a:bodyPr/>
+                    <a:lstStyle/>
+                    <a:p>
+                      <a:pPr algn="ctr"/>
+                      <a:endParaRPr lang="en-US" sz="1400" dirty="0"/>
+                    </a:p>
+                  </a:txBody>
+                  <a:tcPr anchor="ctr">
+                    <a:noFill/>
+                  </a:tcPr>
+                </a:tc>
+                <a:tc>
+                  <a:txBody>
+                    <a:bodyPr/>
+                    <a:lstStyle/>
+                    <a:p>
+                      <a:pPr algn="ctr"/>
+                      <a:endParaRPr lang="en-US" sz="1400" dirty="0"/>
+                    </a:p>
+                  </a:txBody>
+                  <a:tcPr anchor="ctr">
+                    <a:noFill/>
+                  </a:tcPr>
+                </a:tc>
+                <a:tc>
+                  <a:txBody>
+                    <a:bodyPr/>
+                    <a:lstStyle/>
+                    <a:p>
+                      <a:pPr algn="ctr"/>
+                      <a:endParaRPr lang="en-US" sz="1400" dirty="0"/>
+                    </a:p>
+                  </a:txBody>
+                  <a:tcPr anchor="ctr">
+                    <a:noFill/>
+                  </a:tcPr>
+                </a:tc>
+                <a:tc>
+                  <a:txBody>
+                    <a:bodyPr/>
+                    <a:lstStyle/>
+                    <a:p>
+                      <a:pPr algn="ctr"/>
+                      <a:r>
+                        <a:rPr lang="en-US" sz="1400" dirty="0"/>
+                        <a:t>22</a:t>
+                      </a:r>
+                    </a:p>
+                  </a:txBody>
+                  <a:tcPr anchor="ctr">
+                    <a:noFill/>
+                  </a:tcPr>
+                </a:tc>
+                <a:tc>
+                  <a:txBody>
+                    <a:bodyPr/>
+                    <a:lstStyle/>
+                    <a:p>
+                      <a:pPr algn="ctr"/>
+                      <a:r>
+                        <a:rPr lang="en-US" sz="1400" dirty="0"/>
+                        <a:t>20</a:t>
+                      </a:r>
+                    </a:p>
+                  </a:txBody>
+                  <a:tcPr anchor="ctr">
+                    <a:noFill/>
+                  </a:tcPr>
+                </a:tc>
+                <a:tc>
+                  <a:txBody>
+                    <a:bodyPr/>
+                    <a:lstStyle/>
+                    <a:p>
+                      <a:pPr algn="ctr"/>
+                      <a:r>
+                        <a:rPr lang="en-US" sz="1400" dirty="0"/>
+                        <a:t>19</a:t>
+                      </a:r>
+                    </a:p>
+                  </a:txBody>
+                  <a:tcPr anchor="ctr">
+                    <a:noFill/>
+                  </a:tcPr>
+                </a:tc>
+                <a:extLst>
+                  <a:ext uri="{0D108BD9-81ED-4DB2-BD59-A6C34878D82A}">
+                    <a16:rowId xmlns:a16="http://schemas.microsoft.com/office/drawing/2014/main" val="461328651"/>
+                  </a:ext>
+                </a:extLst>
+              </a:tr>
+              <a:tr h="685800">
+                <a:tc>
+                  <a:txBody>
+                    <a:bodyPr/>
+                    <a:lstStyle/>
+                    <a:p>
+                      <a:pPr algn="ctr"/>
+                      <a:r>
+                        <a:rPr lang="en-US" sz="1400" dirty="0"/>
+                        <a:t>92</a:t>
+                      </a:r>
+                    </a:p>
+                  </a:txBody>
+                  <a:tcPr anchor="ctr">
+                    <a:noFill/>
+                  </a:tcPr>
+                </a:tc>
+                <a:tc>
+                  <a:txBody>
+                    <a:bodyPr/>
+                    <a:lstStyle/>
+                    <a:p>
+                      <a:pPr algn="ctr"/>
+                      <a:r>
+                        <a:rPr lang="en-US" sz="1400" dirty="0"/>
+                        <a:t>75</a:t>
+                      </a:r>
+                    </a:p>
+                  </a:txBody>
+                  <a:tcPr anchor="ctr">
+                    <a:noFill/>
+                  </a:tcPr>
+                </a:tc>
+                <a:tc>
+                  <a:txBody>
+                    <a:bodyPr/>
+                    <a:lstStyle/>
+                    <a:p>
+                      <a:pPr algn="ctr"/>
+                      <a:r>
+                        <a:rPr lang="en-US" sz="1400" dirty="0"/>
+                        <a:t>60</a:t>
+                      </a:r>
+                    </a:p>
+                  </a:txBody>
+                  <a:tcPr anchor="ctr">
+                    <a:noFill/>
+                  </a:tcPr>
+                </a:tc>
+                <a:tc>
+                  <a:txBody>
+                    <a:bodyPr/>
+                    <a:lstStyle/>
+                    <a:p>
+                      <a:pPr algn="ctr"/>
+                      <a:r>
+                        <a:rPr lang="en-US" sz="1400" dirty="0"/>
+                        <a:t>47</a:t>
+                      </a:r>
+                    </a:p>
+                  </a:txBody>
+                  <a:tcPr anchor="ctr">
+                    <a:noFill/>
+                  </a:tcPr>
+                </a:tc>
+                <a:tc>
+                  <a:txBody>
+                    <a:bodyPr/>
+                    <a:lstStyle/>
+                    <a:p>
+                      <a:pPr algn="ctr"/>
+                      <a:r>
+                        <a:rPr lang="en-US" sz="1400" dirty="0"/>
+                        <a:t>37</a:t>
+                      </a:r>
+                    </a:p>
+                  </a:txBody>
+                  <a:tcPr anchor="ctr">
+                    <a:noFill/>
+                  </a:tcPr>
+                </a:tc>
+                <a:tc>
+                  <a:txBody>
+                    <a:bodyPr/>
+                    <a:lstStyle/>
+                    <a:p>
+                      <a:pPr algn="ctr"/>
+                      <a:r>
+                        <a:rPr lang="en-US" sz="1400" dirty="0"/>
+                        <a:t>28</a:t>
+                      </a:r>
+                    </a:p>
+                  </a:txBody>
+                  <a:tcPr anchor="ctr">
+                    <a:noFill/>
+                  </a:tcPr>
+                </a:tc>
+                <a:tc>
+                  <a:txBody>
+                    <a:bodyPr/>
+                    <a:lstStyle/>
+                    <a:p>
+                      <a:pPr algn="ctr"/>
+                      <a:r>
+                        <a:rPr lang="en-US" sz="1400" dirty="0"/>
+                        <a:t>22</a:t>
+                      </a:r>
+                    </a:p>
+                  </a:txBody>
+                  <a:tcPr anchor="ctr">
+                    <a:noFill/>
+                  </a:tcPr>
+                </a:tc>
+                <a:tc>
+                  <a:txBody>
+                    <a:bodyPr/>
+                    <a:lstStyle/>
+                    <a:p>
+                      <a:pPr algn="ctr"/>
+                      <a:r>
+                        <a:rPr lang="en-US" sz="1400" dirty="0"/>
+                        <a:t>17</a:t>
+                      </a:r>
+                    </a:p>
+                  </a:txBody>
+                  <a:tcPr anchor="ctr">
+                    <a:noFill/>
+                  </a:tcPr>
+                </a:tc>
+                <a:tc>
+                  <a:txBody>
+                    <a:bodyPr/>
+                    <a:lstStyle/>
+                    <a:p>
+                      <a:pPr algn="ctr"/>
+                      <a:r>
+                        <a:rPr lang="en-US" sz="1400" dirty="0"/>
+                        <a:t>15</a:t>
+                      </a:r>
+                    </a:p>
+                  </a:txBody>
+                  <a:tcPr anchor="ctr">
+                    <a:noFill/>
+                  </a:tcPr>
+                </a:tc>
+                <a:tc>
+                  <a:txBody>
+                    <a:bodyPr/>
+                    <a:lstStyle/>
+                    <a:p>
+                      <a:pPr algn="ctr"/>
+                      <a:r>
+                        <a:rPr lang="en-US" sz="1400" dirty="0"/>
+                        <a:t>15</a:t>
+                      </a:r>
+                    </a:p>
+                  </a:txBody>
+                  <a:tcPr anchor="ctr">
+                    <a:noFill/>
+                  </a:tcPr>
+                </a:tc>
+                <a:extLst>
+                  <a:ext uri="{0D108BD9-81ED-4DB2-BD59-A6C34878D82A}">
+                    <a16:rowId xmlns:a16="http://schemas.microsoft.com/office/drawing/2014/main" val="2539898055"/>
+                  </a:ext>
+                </a:extLst>
+              </a:tr>
+              <a:tr h="685800">
+                <a:tc>
+                  <a:txBody>
+                    <a:bodyPr/>
+                    <a:lstStyle/>
+                    <a:p>
+                      <a:pPr algn="ctr"/>
+                      <a:r>
+                        <a:rPr lang="en-US" sz="1400" dirty="0"/>
+                        <a:t>90</a:t>
+                      </a:r>
+                    </a:p>
+                  </a:txBody>
+                  <a:tcPr anchor="ctr">
+                    <a:noFill/>
+                  </a:tcPr>
+                </a:tc>
+                <a:tc>
+                  <a:txBody>
+                    <a:bodyPr/>
+                    <a:lstStyle/>
+                    <a:p>
+                      <a:pPr algn="ctr"/>
+                      <a:r>
+                        <a:rPr lang="en-US" sz="1400" dirty="0"/>
+                        <a:t>73</a:t>
+                      </a:r>
+                    </a:p>
+                  </a:txBody>
+                  <a:tcPr anchor="ctr">
+                    <a:noFill/>
+                  </a:tcPr>
+                </a:tc>
+                <a:tc>
+                  <a:txBody>
+                    <a:bodyPr/>
+                    <a:lstStyle/>
+                    <a:p>
+                      <a:pPr algn="ctr"/>
+                      <a:r>
+                        <a:rPr lang="en-US" sz="1400" dirty="0"/>
+                        <a:t>58</a:t>
+                      </a:r>
+                    </a:p>
+                  </a:txBody>
+                  <a:tcPr anchor="ctr">
+                    <a:noFill/>
+                  </a:tcPr>
+                </a:tc>
+                <a:tc>
+                  <a:txBody>
+                    <a:bodyPr/>
+                    <a:lstStyle/>
+                    <a:p>
+                      <a:pPr algn="ctr"/>
+                      <a:r>
+                        <a:rPr lang="en-US" sz="1400" dirty="0"/>
+                        <a:t>45</a:t>
+                      </a:r>
+                    </a:p>
+                  </a:txBody>
+                  <a:tcPr anchor="ctr">
+                    <a:noFill/>
+                  </a:tcPr>
+                </a:tc>
+                <a:tc>
+                  <a:txBody>
+                    <a:bodyPr/>
+                    <a:lstStyle/>
+                    <a:p>
+                      <a:pPr algn="ctr"/>
+                      <a:r>
+                        <a:rPr lang="en-US" sz="1400" dirty="0"/>
+                        <a:t>34</a:t>
+                      </a:r>
+                    </a:p>
+                  </a:txBody>
+                  <a:tcPr anchor="ctr">
+                    <a:noFill/>
+                  </a:tcPr>
+                </a:tc>
+                <a:tc>
+                  <a:txBody>
+                    <a:bodyPr/>
+                    <a:lstStyle/>
+                    <a:p>
+                      <a:pPr algn="ctr"/>
+                      <a:r>
+                        <a:rPr lang="en-US" sz="1400" dirty="0"/>
+                        <a:t>26</a:t>
+                      </a:r>
+                    </a:p>
+                  </a:txBody>
+                  <a:tcPr anchor="ctr">
+                    <a:noFill/>
+                  </a:tcPr>
+                </a:tc>
+                <a:tc>
+                  <a:txBody>
+                    <a:bodyPr/>
+                    <a:lstStyle/>
+                    <a:p>
+                      <a:pPr algn="ctr"/>
+                      <a:r>
+                        <a:rPr lang="en-US" sz="1400" dirty="0"/>
+                        <a:t>20</a:t>
+                      </a:r>
+                    </a:p>
+                  </a:txBody>
+                  <a:tcPr anchor="ctr">
+                    <a:noFill/>
+                  </a:tcPr>
+                </a:tc>
+                <a:tc>
+                  <a:txBody>
+                    <a:bodyPr/>
+                    <a:lstStyle/>
+                    <a:p>
+                      <a:pPr algn="ctr"/>
+                      <a:r>
+                        <a:rPr lang="en-US" sz="1400" dirty="0"/>
+                        <a:t>15</a:t>
+                      </a:r>
+                    </a:p>
+                  </a:txBody>
+                  <a:tcPr anchor="ctr">
+                    <a:noFill/>
+                  </a:tcPr>
+                </a:tc>
+                <a:tc>
+                  <a:txBody>
+                    <a:bodyPr/>
+                    <a:lstStyle/>
+                    <a:p>
+                      <a:pPr algn="ctr"/>
+                      <a:r>
+                        <a:rPr lang="en-US" sz="1400" dirty="0"/>
+                        <a:t>13</a:t>
+                      </a:r>
+                    </a:p>
+                  </a:txBody>
+                  <a:tcPr anchor="ctr">
+                    <a:noFill/>
+                  </a:tcPr>
+                </a:tc>
+                <a:tc>
+                  <a:txBody>
+                    <a:bodyPr/>
+                    <a:lstStyle/>
+                    <a:p>
+                      <a:pPr algn="ctr"/>
+                      <a:r>
+                        <a:rPr lang="en-US" sz="1400" dirty="0"/>
+                        <a:t>13</a:t>
+                      </a:r>
+                    </a:p>
+                  </a:txBody>
+                  <a:tcPr anchor="ctr">
+                    <a:noFill/>
+                  </a:tcPr>
+                </a:tc>
+                <a:extLst>
+                  <a:ext uri="{0D108BD9-81ED-4DB2-BD59-A6C34878D82A}">
+                    <a16:rowId xmlns:a16="http://schemas.microsoft.com/office/drawing/2014/main" val="2777970351"/>
+                  </a:ext>
+                </a:extLst>
+              </a:tr>
+              <a:tr h="685800">
+                <a:tc>
+                  <a:txBody>
+                    <a:bodyPr/>
+                    <a:lstStyle/>
+                    <a:p>
+                      <a:pPr algn="ctr"/>
+                      <a:r>
+                        <a:rPr lang="en-US" sz="1400" dirty="0"/>
+                        <a:t>90</a:t>
+                      </a:r>
+                    </a:p>
+                  </a:txBody>
+                  <a:tcPr anchor="ctr">
+                    <a:noFill/>
+                  </a:tcPr>
+                </a:tc>
+                <a:tc>
+                  <a:txBody>
+                    <a:bodyPr/>
+                    <a:lstStyle/>
+                    <a:p>
+                      <a:pPr algn="ctr"/>
+                      <a:r>
+                        <a:rPr lang="en-US" sz="1400" dirty="0"/>
+                        <a:t>73</a:t>
+                      </a:r>
+                    </a:p>
+                  </a:txBody>
+                  <a:tcPr anchor="ctr">
+                    <a:noFill/>
+                  </a:tcPr>
+                </a:tc>
+                <a:tc>
+                  <a:txBody>
+                    <a:bodyPr/>
+                    <a:lstStyle/>
+                    <a:p>
+                      <a:pPr algn="ctr"/>
+                      <a:r>
+                        <a:rPr lang="en-US" sz="1400" dirty="0"/>
+                        <a:t>58</a:t>
+                      </a:r>
+                    </a:p>
+                  </a:txBody>
+                  <a:tcPr anchor="ctr">
+                    <a:noFill/>
+                  </a:tcPr>
+                </a:tc>
+                <a:tc>
+                  <a:txBody>
+                    <a:bodyPr/>
+                    <a:lstStyle/>
+                    <a:p>
+                      <a:pPr algn="ctr"/>
+                      <a:r>
+                        <a:rPr lang="en-US" sz="1400" dirty="0"/>
+                        <a:t>45</a:t>
+                      </a:r>
+                    </a:p>
+                  </a:txBody>
+                  <a:tcPr anchor="ctr">
+                    <a:noFill/>
+                  </a:tcPr>
+                </a:tc>
+                <a:tc>
+                  <a:txBody>
+                    <a:bodyPr/>
+                    <a:lstStyle/>
+                    <a:p>
+                      <a:pPr algn="ctr"/>
+                      <a:r>
+                        <a:rPr lang="en-US" sz="1400" dirty="0"/>
+                        <a:t>34</a:t>
+                      </a:r>
+                    </a:p>
+                  </a:txBody>
+                  <a:tcPr anchor="ctr">
+                    <a:noFill/>
+                  </a:tcPr>
+                </a:tc>
+                <a:tc>
+                  <a:txBody>
+                    <a:bodyPr/>
+                    <a:lstStyle/>
+                    <a:p>
+                      <a:pPr algn="ctr"/>
+                      <a:r>
+                        <a:rPr lang="en-US" sz="1400" dirty="0"/>
+                        <a:t>26</a:t>
+                      </a:r>
+                    </a:p>
+                  </a:txBody>
+                  <a:tcPr anchor="ctr">
+                    <a:noFill/>
+                  </a:tcPr>
+                </a:tc>
+                <a:tc>
+                  <a:txBody>
+                    <a:bodyPr/>
+                    <a:lstStyle/>
+                    <a:p>
+                      <a:pPr algn="ctr"/>
+                      <a:r>
+                        <a:rPr lang="en-US" sz="1400" dirty="0"/>
+                        <a:t>19</a:t>
+                      </a:r>
+                    </a:p>
+                  </a:txBody>
+                  <a:tcPr anchor="ctr">
+                    <a:noFill/>
+                  </a:tcPr>
+                </a:tc>
+                <a:tc>
+                  <a:txBody>
+                    <a:bodyPr/>
+                    <a:lstStyle/>
+                    <a:p>
+                      <a:pPr algn="ctr"/>
+                      <a:r>
+                        <a:rPr lang="en-US" sz="1400" dirty="0"/>
+                        <a:t>15</a:t>
+                      </a:r>
+                    </a:p>
+                  </a:txBody>
+                  <a:tcPr anchor="ctr">
+                    <a:noFill/>
+                  </a:tcPr>
+                </a:tc>
+                <a:tc>
+                  <a:txBody>
+                    <a:bodyPr/>
+                    <a:lstStyle/>
+                    <a:p>
+                      <a:pPr algn="ctr"/>
+                      <a:r>
+                        <a:rPr lang="en-US" sz="1400" dirty="0"/>
+                        <a:t>13</a:t>
+                      </a:r>
+                    </a:p>
+                  </a:txBody>
+                  <a:tcPr anchor="ctr">
+                    <a:noFill/>
+                  </a:tcPr>
+                </a:tc>
+                <a:tc>
+                  <a:txBody>
+                    <a:bodyPr/>
+                    <a:lstStyle/>
+                    <a:p>
+                      <a:pPr algn="ctr"/>
+                      <a:endParaRPr lang="en-US" sz="1400" dirty="0"/>
+                    </a:p>
+                  </a:txBody>
+                  <a:tcPr anchor="ctr">
+                    <a:noFill/>
+                  </a:tcPr>
+                </a:tc>
+                <a:extLst>
+                  <a:ext uri="{0D108BD9-81ED-4DB2-BD59-A6C34878D82A}">
+                    <a16:rowId xmlns:a16="http://schemas.microsoft.com/office/drawing/2014/main" val="3004466"/>
+                  </a:ext>
+                </a:extLst>
+              </a:tr>
+            </a:tbl>
+          </a:graphicData>
+        </a:graphic>
+      </p:graphicFrame>
+    </p:spTree>
+    <p:extLst>
+      <p:ext uri="{BB962C8B-B14F-4D97-AF65-F5344CB8AC3E}">
+        <p14:creationId xmlns:p14="http://schemas.microsoft.com/office/powerpoint/2010/main" val="498654182"/>
+      </p:ext>
+    </p:extLst>
+  </p:cSld>
+  <p:clrMapOvr>
+    <a:masterClrMapping/>
+  </p:clrMapOvr>
+</p:sld>
+</file>
+
+<file path=ppt/slides/slide22.xml><?xml version="1.0" encoding="utf-8"?>
 <p:sld xmlns:a="http://schemas.openxmlformats.org/drawingml/2006/main" xmlns:r="http://schemas.openxmlformats.org/officeDocument/2006/relationships" xmlns:p="http://schemas.openxmlformats.org/presentationml/2006/main">
   <p:cSld>
     <p:bg>
@@ -16185,7 +19371,7 @@
       </p:grpSpPr>
       <p:sp>
         <p:nvSpPr>
-          <p:cNvPr id="9" name="Rectangle 8">
+          <p:cNvPr id="10" name="Rectangle 9">
             <a:extLst>
               <a:ext uri="{FF2B5EF4-FFF2-40B4-BE49-F238E27FC236}">
                 <a16:creationId xmlns:a16="http://schemas.microsoft.com/office/drawing/2014/main" id="{8D06CE56-3881-4ADA-8CEF-D18B02C242A3}"/>
@@ -16277,7 +19463,7 @@
       </p:sp>
       <p:sp>
         <p:nvSpPr>
-          <p:cNvPr id="11" name="Rectangle 10">
+          <p:cNvPr id="12" name="Rectangle 11">
             <a:extLst>
               <a:ext uri="{FF2B5EF4-FFF2-40B4-BE49-F238E27FC236}">
                 <a16:creationId xmlns:a16="http://schemas.microsoft.com/office/drawing/2014/main" id="{79F3C543-62EC-4433-9C93-A2CD8764E9B4}"/>
@@ -16373,10 +19559,10 @@
       </p:sp>
       <p:sp useBgFill="1">
         <p:nvSpPr>
-          <p:cNvPr id="13" name="Rectangle 12">
+          <p:cNvPr id="14" name="Rectangle 13">
             <a:extLst>
               <a:ext uri="{FF2B5EF4-FFF2-40B4-BE49-F238E27FC236}">
-                <a16:creationId xmlns:a16="http://schemas.microsoft.com/office/drawing/2014/main" id="{0E2F58BF-12E5-4B5A-AD25-4DAAA2742A7B}"/>
+                <a16:creationId xmlns:a16="http://schemas.microsoft.com/office/drawing/2014/main" id="{68AF5748-FED8-45BA-8631-26D1D10F3246}"/>
               </a:ext>
               <a:ext uri="{C183D7F6-B498-43B3-948B-1728B52AA6E4}">
                 <adec:decorative xmlns:adec="http://schemas.microsoft.com/office/drawing/2017/decorative" val="1"/>
@@ -16436,7 +19622,7 @@
           <p:cNvPr id="2" name="Title 1">
             <a:extLst>
               <a:ext uri="{FF2B5EF4-FFF2-40B4-BE49-F238E27FC236}">
-                <a16:creationId xmlns:a16="http://schemas.microsoft.com/office/drawing/2014/main" id="{E29B9127-F9A5-B246-8692-433005F1C248}"/>
+                <a16:creationId xmlns:a16="http://schemas.microsoft.com/office/drawing/2014/main" id="{BC476501-9C8D-8E4B-BFEE-C0649C5852E9}"/>
               </a:ext>
             </a:extLst>
           </p:cNvPr>
@@ -16461,14 +19647,14 @@
           <a:p>
             <a:r>
               <a:rPr lang="en-US" sz="4800"/>
-              <a:t>Heuristics</a:t>
+              <a:t>Search Map</a:t>
             </a:r>
           </a:p>
         </p:txBody>
       </p:sp>
       <p:sp>
         <p:nvSpPr>
-          <p:cNvPr id="15" name="Rectangle 14">
+          <p:cNvPr id="16" name="Rectangle 15">
             <a:extLst>
               <a:ext uri="{FF2B5EF4-FFF2-40B4-BE49-F238E27FC236}">
                 <a16:creationId xmlns:a16="http://schemas.microsoft.com/office/drawing/2014/main" id="{AF2F604E-43BE-4DC3-B983-E071523364F8}"/>
@@ -16560,7 +19746,7 @@
       </p:sp>
       <p:sp>
         <p:nvSpPr>
-          <p:cNvPr id="17" name="Rectangle 16">
+          <p:cNvPr id="18" name="Rectangle 17">
             <a:extLst>
               <a:ext uri="{FF2B5EF4-FFF2-40B4-BE49-F238E27FC236}">
                 <a16:creationId xmlns:a16="http://schemas.microsoft.com/office/drawing/2014/main" id="{08C9B587-E65E-4B52-B37C-ABEBB6E87928}"/>
@@ -16596,12 +19782,7 @@
             </a:schemeClr>
           </a:solidFill>
           <a:ln w="3175">
-            <a:solidFill>
-              <a:schemeClr val="tx2">
-                <a:lumMod val="25000"/>
-                <a:lumOff val="75000"/>
-              </a:schemeClr>
-            </a:solidFill>
+            <a:noFill/>
           </a:ln>
           <a:effectLst/>
         </p:spPr>
@@ -16661,27 +19842,30 @@
       </p:sp>
       <p:pic>
         <p:nvPicPr>
-          <p:cNvPr id="4" name="Picture 3" descr="A close up of a keyboard&#10;&#10;Description automatically generated">
+          <p:cNvPr id="5" name="Content Placeholder 4" descr="A picture containing icon&#10;&#10;Description automatically generated">
             <a:extLst>
               <a:ext uri="{FF2B5EF4-FFF2-40B4-BE49-F238E27FC236}">
-                <a16:creationId xmlns:a16="http://schemas.microsoft.com/office/drawing/2014/main" id="{014D4172-C94F-CF41-820A-63D24F397BAC}"/>
+                <a16:creationId xmlns:a16="http://schemas.microsoft.com/office/drawing/2014/main" id="{655F8422-30BE-4441-A1B7-EF51BA5F44F3}"/>
               </a:ext>
             </a:extLst>
           </p:cNvPr>
           <p:cNvPicPr>
-            <a:picLocks noChangeAspect="1"/>
+            <a:picLocks noGrp="1" noChangeAspect="1"/>
           </p:cNvPicPr>
-          <p:nvPr/>
+          <p:nvPr>
+            <p:ph idx="1"/>
+          </p:nvPr>
         </p:nvPicPr>
-        <p:blipFill rotWithShape="1">
+        <p:blipFill>
           <a:blip r:embed="rId2"/>
-          <a:srcRect l="1221" r="-1" b="-1"/>
-          <a:stretch/>
+          <a:stretch>
+            <a:fillRect/>
+          </a:stretch>
         </p:blipFill>
         <p:spPr>
           <a:xfrm>
-            <a:off x="4868487" y="10"/>
-            <a:ext cx="7323513" cy="6857990"/>
+            <a:off x="5553262" y="625683"/>
+            <a:ext cx="5469054" cy="5455380"/>
           </a:xfrm>
           <a:prstGeom prst="rect">
             <a:avLst/>
@@ -16691,7 +19875,7 @@
     </p:spTree>
     <p:extLst>
       <p:ext uri="{BB962C8B-B14F-4D97-AF65-F5344CB8AC3E}">
-        <p14:creationId xmlns:p14="http://schemas.microsoft.com/office/powerpoint/2010/main" val="3100020627"/>
+        <p14:creationId xmlns:p14="http://schemas.microsoft.com/office/powerpoint/2010/main" val="3243555038"/>
       </p:ext>
     </p:extLst>
   </p:cSld>
@@ -16701,7 +19885,7 @@
 </p:sld>
 </file>
 
-<file path=ppt/slides/slide16.xml><?xml version="1.0" encoding="utf-8"?>
+<file path=ppt/slides/slide23.xml><?xml version="1.0" encoding="utf-8"?>
 <p:sld xmlns:a="http://schemas.openxmlformats.org/drawingml/2006/main" xmlns:r="http://schemas.openxmlformats.org/officeDocument/2006/relationships" xmlns:p="http://schemas.openxmlformats.org/presentationml/2006/main">
   <p:cSld>
     <p:bg>
@@ -16728,7 +19912,7 @@
       </p:grpSpPr>
       <p:sp>
         <p:nvSpPr>
-          <p:cNvPr id="10" name="Rectangle 9">
+          <p:cNvPr id="27" name="Rectangle 9">
             <a:extLst>
               <a:ext uri="{FF2B5EF4-FFF2-40B4-BE49-F238E27FC236}">
                 <a16:creationId xmlns:a16="http://schemas.microsoft.com/office/drawing/2014/main" id="{8D06CE56-3881-4ADA-8CEF-D18B02C242A3}"/>
@@ -16979,7 +20163,7 @@
           <p:cNvPr id="2" name="Title 1">
             <a:extLst>
               <a:ext uri="{FF2B5EF4-FFF2-40B4-BE49-F238E27FC236}">
-                <a16:creationId xmlns:a16="http://schemas.microsoft.com/office/drawing/2014/main" id="{BC476501-9C8D-8E4B-BFEE-C0649C5852E9}"/>
+                <a16:creationId xmlns:a16="http://schemas.microsoft.com/office/drawing/2014/main" id="{C7697DC9-E399-F845-BF0A-302423A85A4C}"/>
               </a:ext>
             </a:extLst>
           </p:cNvPr>
@@ -17004,7 +20188,7 @@
           <a:p>
             <a:r>
               <a:rPr lang="en-US" sz="4800"/>
-              <a:t>Search Map</a:t>
+              <a:t>Search Tree</a:t>
             </a:r>
           </a:p>
         </p:txBody>
@@ -17199,547 +20383,6 @@
       </p:sp>
       <p:pic>
         <p:nvPicPr>
-          <p:cNvPr id="5" name="Content Placeholder 4" descr="A picture containing icon&#10;&#10;Description automatically generated">
-            <a:extLst>
-              <a:ext uri="{FF2B5EF4-FFF2-40B4-BE49-F238E27FC236}">
-                <a16:creationId xmlns:a16="http://schemas.microsoft.com/office/drawing/2014/main" id="{655F8422-30BE-4441-A1B7-EF51BA5F44F3}"/>
-              </a:ext>
-            </a:extLst>
-          </p:cNvPr>
-          <p:cNvPicPr>
-            <a:picLocks noGrp="1" noChangeAspect="1"/>
-          </p:cNvPicPr>
-          <p:nvPr>
-            <p:ph idx="1"/>
-          </p:nvPr>
-        </p:nvPicPr>
-        <p:blipFill>
-          <a:blip r:embed="rId2"/>
-          <a:stretch>
-            <a:fillRect/>
-          </a:stretch>
-        </p:blipFill>
-        <p:spPr>
-          <a:xfrm>
-            <a:off x="5553262" y="625683"/>
-            <a:ext cx="5469054" cy="5455380"/>
-          </a:xfrm>
-          <a:prstGeom prst="rect">
-            <a:avLst/>
-          </a:prstGeom>
-        </p:spPr>
-      </p:pic>
-    </p:spTree>
-    <p:extLst>
-      <p:ext uri="{BB962C8B-B14F-4D97-AF65-F5344CB8AC3E}">
-        <p14:creationId xmlns:p14="http://schemas.microsoft.com/office/powerpoint/2010/main" val="3243555038"/>
-      </p:ext>
-    </p:extLst>
-  </p:cSld>
-  <p:clrMapOvr>
-    <a:masterClrMapping/>
-  </p:clrMapOvr>
-</p:sld>
-</file>
-
-<file path=ppt/slides/slide17.xml><?xml version="1.0" encoding="utf-8"?>
-<p:sld xmlns:a="http://schemas.openxmlformats.org/drawingml/2006/main" xmlns:r="http://schemas.openxmlformats.org/officeDocument/2006/relationships" xmlns:p="http://schemas.openxmlformats.org/presentationml/2006/main">
-  <p:cSld>
-    <p:bg>
-      <p:bgPr>
-        <a:solidFill>
-          <a:schemeClr val="bg1"/>
-        </a:solidFill>
-        <a:effectLst/>
-      </p:bgPr>
-    </p:bg>
-    <p:spTree>
-      <p:nvGrpSpPr>
-        <p:cNvPr id="1" name=""/>
-        <p:cNvGrpSpPr/>
-        <p:nvPr/>
-      </p:nvGrpSpPr>
-      <p:grpSpPr>
-        <a:xfrm>
-          <a:off x="0" y="0"/>
-          <a:ext cx="0" cy="0"/>
-          <a:chOff x="0" y="0"/>
-          <a:chExt cx="0" cy="0"/>
-        </a:xfrm>
-      </p:grpSpPr>
-      <p:sp>
-        <p:nvSpPr>
-          <p:cNvPr id="27" name="Rectangle 9">
-            <a:extLst>
-              <a:ext uri="{FF2B5EF4-FFF2-40B4-BE49-F238E27FC236}">
-                <a16:creationId xmlns:a16="http://schemas.microsoft.com/office/drawing/2014/main" id="{8D06CE56-3881-4ADA-8CEF-D18B02C242A3}"/>
-              </a:ext>
-              <a:ext uri="{C183D7F6-B498-43B3-948B-1728B52AA6E4}">
-                <adec:decorative xmlns:adec="http://schemas.microsoft.com/office/drawing/2017/decorative" val="1"/>
-              </a:ext>
-            </a:extLst>
-          </p:cNvPr>
-          <p:cNvSpPr>
-            <a:spLocks noGrp="1" noRot="1" noChangeAspect="1" noMove="1" noResize="1" noEditPoints="1" noAdjustHandles="1" noChangeArrowheads="1" noChangeShapeType="1" noTextEdit="1"/>
-          </p:cNvSpPr>
-          <p:nvPr>
-            <p:extLst>
-              <p:ext uri="{386F3935-93C4-4BCD-93E2-E3B085C9AB24}">
-                <p16:designElem xmlns:p16="http://schemas.microsoft.com/office/powerpoint/2015/main" val="1"/>
-              </p:ext>
-            </p:extLst>
-          </p:nvPr>
-        </p:nvSpPr>
-        <p:spPr>
-          <a:xfrm rot="5400000">
-            <a:off x="857544" y="346791"/>
-            <a:ext cx="146304" cy="704088"/>
-          </a:xfrm>
-          <a:prstGeom prst="rect">
-            <a:avLst/>
-          </a:prstGeom>
-          <a:solidFill>
-            <a:schemeClr val="accent1"/>
-          </a:solidFill>
-          <a:ln>
-            <a:noFill/>
-          </a:ln>
-        </p:spPr>
-        <p:style>
-          <a:lnRef idx="2">
-            <a:schemeClr val="accent1">
-              <a:shade val="50000"/>
-            </a:schemeClr>
-          </a:lnRef>
-          <a:fillRef idx="1">
-            <a:schemeClr val="accent1"/>
-          </a:fillRef>
-          <a:effectRef idx="0">
-            <a:schemeClr val="accent1"/>
-          </a:effectRef>
-          <a:fontRef idx="minor">
-            <a:schemeClr val="lt1"/>
-          </a:fontRef>
-        </p:style>
-        <p:txBody>
-          <a:bodyPr rtlCol="0" anchor="ctr"/>
-          <a:lstStyle/>
-          <a:p>
-            <a:pPr marL="0" marR="0" lvl="0" indent="0" algn="ctr" defTabSz="914400" rtl="0" eaLnBrk="1" fontAlgn="auto" latinLnBrk="0" hangingPunct="1">
-              <a:lnSpc>
-                <a:spcPct val="100000"/>
-              </a:lnSpc>
-              <a:spcBef>
-                <a:spcPts val="0"/>
-              </a:spcBef>
-              <a:spcAft>
-                <a:spcPts val="0"/>
-              </a:spcAft>
-              <a:buClrTx/>
-              <a:buSzTx/>
-              <a:buFontTx/>
-              <a:buNone/>
-              <a:tabLst/>
-              <a:defRPr/>
-            </a:pPr>
-            <a:endParaRPr kumimoji="0" lang="en-US" sz="1800" b="0" i="0" u="none" strike="noStrike" kern="1200" cap="none" spc="0" normalizeH="0" baseline="0" noProof="0">
-              <a:ln>
-                <a:noFill/>
-              </a:ln>
-              <a:solidFill>
-                <a:prstClr val="white"/>
-              </a:solidFill>
-              <a:effectLst/>
-              <a:uLnTx/>
-              <a:uFillTx/>
-              <a:latin typeface="Calibri" panose="020F0502020204030204"/>
-              <a:ea typeface="+mn-ea"/>
-              <a:cs typeface="+mn-cs"/>
-            </a:endParaRPr>
-          </a:p>
-        </p:txBody>
-      </p:sp>
-      <p:sp>
-        <p:nvSpPr>
-          <p:cNvPr id="12" name="Rectangle 11">
-            <a:extLst>
-              <a:ext uri="{FF2B5EF4-FFF2-40B4-BE49-F238E27FC236}">
-                <a16:creationId xmlns:a16="http://schemas.microsoft.com/office/drawing/2014/main" id="{79F3C543-62EC-4433-9C93-A2CD8764E9B4}"/>
-              </a:ext>
-              <a:ext uri="{C183D7F6-B498-43B3-948B-1728B52AA6E4}">
-                <adec:decorative xmlns:adec="http://schemas.microsoft.com/office/drawing/2017/decorative" val="1"/>
-              </a:ext>
-            </a:extLst>
-          </p:cNvPr>
-          <p:cNvSpPr>
-            <a:spLocks noGrp="1" noRot="1" noChangeAspect="1" noMove="1" noResize="1" noEditPoints="1" noAdjustHandles="1" noChangeArrowheads="1" noChangeShapeType="1" noTextEdit="1"/>
-          </p:cNvSpPr>
-          <p:nvPr>
-            <p:extLst>
-              <p:ext uri="{386F3935-93C4-4BCD-93E2-E3B085C9AB24}">
-                <p16:designElem xmlns:p16="http://schemas.microsoft.com/office/powerpoint/2015/main" val="1"/>
-              </p:ext>
-            </p:extLst>
-          </p:nvPr>
-        </p:nvSpPr>
-        <p:spPr>
-          <a:xfrm flipV="1">
-            <a:off x="578652" y="4501201"/>
-            <a:ext cx="11034696" cy="18288"/>
-          </a:xfrm>
-          <a:prstGeom prst="rect">
-            <a:avLst/>
-          </a:prstGeom>
-          <a:solidFill>
-            <a:schemeClr val="tx2">
-              <a:lumMod val="25000"/>
-              <a:lumOff val="75000"/>
-            </a:schemeClr>
-          </a:solidFill>
-          <a:ln w="3175">
-            <a:noFill/>
-          </a:ln>
-          <a:effectLst/>
-        </p:spPr>
-        <p:style>
-          <a:lnRef idx="2">
-            <a:schemeClr val="accent1">
-              <a:shade val="50000"/>
-            </a:schemeClr>
-          </a:lnRef>
-          <a:fillRef idx="1">
-            <a:schemeClr val="accent1"/>
-          </a:fillRef>
-          <a:effectRef idx="0">
-            <a:schemeClr val="accent1"/>
-          </a:effectRef>
-          <a:fontRef idx="minor">
-            <a:schemeClr val="lt1"/>
-          </a:fontRef>
-        </p:style>
-        <p:txBody>
-          <a:bodyPr rtlCol="0" anchor="ctr"/>
-          <a:lstStyle/>
-          <a:p>
-            <a:pPr marL="0" marR="0" lvl="0" indent="0" algn="ctr" defTabSz="914400" rtl="0" eaLnBrk="1" fontAlgn="auto" latinLnBrk="0" hangingPunct="1">
-              <a:lnSpc>
-                <a:spcPct val="100000"/>
-              </a:lnSpc>
-              <a:spcBef>
-                <a:spcPts val="0"/>
-              </a:spcBef>
-              <a:spcAft>
-                <a:spcPts val="0"/>
-              </a:spcAft>
-              <a:buClrTx/>
-              <a:buSzTx/>
-              <a:buFontTx/>
-              <a:buNone/>
-              <a:tabLst/>
-              <a:defRPr/>
-            </a:pPr>
-            <a:endParaRPr kumimoji="0" lang="en-US" sz="1800" b="0" i="0" u="none" strike="noStrike" kern="1200" cap="none" spc="0" normalizeH="0" baseline="0" noProof="0">
-              <a:ln>
-                <a:noFill/>
-              </a:ln>
-              <a:solidFill>
-                <a:prstClr val="white"/>
-              </a:solidFill>
-              <a:effectLst/>
-              <a:uLnTx/>
-              <a:uFillTx/>
-              <a:latin typeface="Calibri" panose="020F0502020204030204"/>
-              <a:ea typeface="+mn-ea"/>
-              <a:cs typeface="+mn-cs"/>
-            </a:endParaRPr>
-          </a:p>
-        </p:txBody>
-      </p:sp>
-      <p:sp useBgFill="1">
-        <p:nvSpPr>
-          <p:cNvPr id="14" name="Rectangle 13">
-            <a:extLst>
-              <a:ext uri="{FF2B5EF4-FFF2-40B4-BE49-F238E27FC236}">
-                <a16:creationId xmlns:a16="http://schemas.microsoft.com/office/drawing/2014/main" id="{68AF5748-FED8-45BA-8631-26D1D10F3246}"/>
-              </a:ext>
-              <a:ext uri="{C183D7F6-B498-43B3-948B-1728B52AA6E4}">
-                <adec:decorative xmlns:adec="http://schemas.microsoft.com/office/drawing/2017/decorative" val="1"/>
-              </a:ext>
-            </a:extLst>
-          </p:cNvPr>
-          <p:cNvSpPr>
-            <a:spLocks noGrp="1" noRot="1" noChangeAspect="1" noMove="1" noResize="1" noEditPoints="1" noAdjustHandles="1" noChangeArrowheads="1" noChangeShapeType="1" noTextEdit="1"/>
-          </p:cNvSpPr>
-          <p:nvPr>
-            <p:extLst>
-              <p:ext uri="{386F3935-93C4-4BCD-93E2-E3B085C9AB24}">
-                <p16:designElem xmlns:p16="http://schemas.microsoft.com/office/powerpoint/2015/main" val="1"/>
-              </p:ext>
-            </p:extLst>
-          </p:nvPr>
-        </p:nvSpPr>
-        <p:spPr>
-          <a:xfrm>
-            <a:off x="0" y="0"/>
-            <a:ext cx="12192000" cy="6858000"/>
-          </a:xfrm>
-          <a:prstGeom prst="rect">
-            <a:avLst/>
-          </a:prstGeom>
-          <a:ln>
-            <a:noFill/>
-          </a:ln>
-        </p:spPr>
-        <p:style>
-          <a:lnRef idx="2">
-            <a:schemeClr val="accent1">
-              <a:shade val="50000"/>
-            </a:schemeClr>
-          </a:lnRef>
-          <a:fillRef idx="1">
-            <a:schemeClr val="accent1"/>
-          </a:fillRef>
-          <a:effectRef idx="0">
-            <a:schemeClr val="accent1"/>
-          </a:effectRef>
-          <a:fontRef idx="minor">
-            <a:schemeClr val="lt1"/>
-          </a:fontRef>
-        </p:style>
-        <p:txBody>
-          <a:bodyPr rtlCol="0" anchor="ctr"/>
-          <a:lstStyle/>
-          <a:p>
-            <a:pPr algn="ctr"/>
-            <a:endParaRPr lang="en-US"/>
-          </a:p>
-        </p:txBody>
-      </p:sp>
-      <p:sp>
-        <p:nvSpPr>
-          <p:cNvPr id="2" name="Title 1">
-            <a:extLst>
-              <a:ext uri="{FF2B5EF4-FFF2-40B4-BE49-F238E27FC236}">
-                <a16:creationId xmlns:a16="http://schemas.microsoft.com/office/drawing/2014/main" id="{C7697DC9-E399-F845-BF0A-302423A85A4C}"/>
-              </a:ext>
-            </a:extLst>
-          </p:cNvPr>
-          <p:cNvSpPr>
-            <a:spLocks noGrp="1"/>
-          </p:cNvSpPr>
-          <p:nvPr>
-            <p:ph type="title"/>
-          </p:nvPr>
-        </p:nvSpPr>
-        <p:spPr>
-          <a:xfrm>
-            <a:off x="477981" y="1122363"/>
-            <a:ext cx="4023360" cy="3204134"/>
-          </a:xfrm>
-        </p:spPr>
-        <p:txBody>
-          <a:bodyPr vert="horz" lIns="91440" tIns="45720" rIns="91440" bIns="45720" rtlCol="0" anchor="b">
-            <a:normAutofit/>
-          </a:bodyPr>
-          <a:lstStyle/>
-          <a:p>
-            <a:r>
-              <a:rPr lang="en-US" sz="4800"/>
-              <a:t>Search Tree</a:t>
-            </a:r>
-          </a:p>
-        </p:txBody>
-      </p:sp>
-      <p:sp>
-        <p:nvSpPr>
-          <p:cNvPr id="16" name="Rectangle 15">
-            <a:extLst>
-              <a:ext uri="{FF2B5EF4-FFF2-40B4-BE49-F238E27FC236}">
-                <a16:creationId xmlns:a16="http://schemas.microsoft.com/office/drawing/2014/main" id="{AF2F604E-43BE-4DC3-B983-E071523364F8}"/>
-              </a:ext>
-              <a:ext uri="{C183D7F6-B498-43B3-948B-1728B52AA6E4}">
-                <adec:decorative xmlns:adec="http://schemas.microsoft.com/office/drawing/2017/decorative" val="1"/>
-              </a:ext>
-            </a:extLst>
-          </p:cNvPr>
-          <p:cNvSpPr>
-            <a:spLocks noGrp="1" noRot="1" noChangeAspect="1" noMove="1" noResize="1" noEditPoints="1" noAdjustHandles="1" noChangeArrowheads="1" noChangeShapeType="1" noTextEdit="1"/>
-          </p:cNvSpPr>
-          <p:nvPr>
-            <p:extLst>
-              <p:ext uri="{386F3935-93C4-4BCD-93E2-E3B085C9AB24}">
-                <p16:designElem xmlns:p16="http://schemas.microsoft.com/office/powerpoint/2015/main" val="1"/>
-              </p:ext>
-            </p:extLst>
-          </p:nvPr>
-        </p:nvSpPr>
-        <p:spPr>
-          <a:xfrm rot="5400000">
-            <a:off x="759921" y="346791"/>
-            <a:ext cx="146304" cy="704088"/>
-          </a:xfrm>
-          <a:prstGeom prst="rect">
-            <a:avLst/>
-          </a:prstGeom>
-          <a:solidFill>
-            <a:schemeClr val="accent1"/>
-          </a:solidFill>
-          <a:ln>
-            <a:noFill/>
-          </a:ln>
-        </p:spPr>
-        <p:style>
-          <a:lnRef idx="2">
-            <a:schemeClr val="accent1">
-              <a:shade val="50000"/>
-            </a:schemeClr>
-          </a:lnRef>
-          <a:fillRef idx="1">
-            <a:schemeClr val="accent1"/>
-          </a:fillRef>
-          <a:effectRef idx="0">
-            <a:schemeClr val="accent1"/>
-          </a:effectRef>
-          <a:fontRef idx="minor">
-            <a:schemeClr val="lt1"/>
-          </a:fontRef>
-        </p:style>
-        <p:txBody>
-          <a:bodyPr rtlCol="0" anchor="ctr"/>
-          <a:lstStyle/>
-          <a:p>
-            <a:pPr marL="0" marR="0" lvl="0" indent="0" algn="ctr" defTabSz="914400" rtl="0" eaLnBrk="1" fontAlgn="auto" latinLnBrk="0" hangingPunct="1">
-              <a:lnSpc>
-                <a:spcPct val="100000"/>
-              </a:lnSpc>
-              <a:spcBef>
-                <a:spcPts val="0"/>
-              </a:spcBef>
-              <a:spcAft>
-                <a:spcPts val="0"/>
-              </a:spcAft>
-              <a:buClrTx/>
-              <a:buSzTx/>
-              <a:buFontTx/>
-              <a:buNone/>
-              <a:tabLst/>
-              <a:defRPr/>
-            </a:pPr>
-            <a:endParaRPr kumimoji="0" lang="en-US" sz="1800" b="0" i="0" u="none" strike="noStrike" kern="1200" cap="none" spc="0" normalizeH="0" baseline="0" noProof="0">
-              <a:ln>
-                <a:noFill/>
-              </a:ln>
-              <a:solidFill>
-                <a:prstClr val="white"/>
-              </a:solidFill>
-              <a:effectLst/>
-              <a:uLnTx/>
-              <a:uFillTx/>
-              <a:latin typeface="Calibri" panose="020F0502020204030204"/>
-              <a:ea typeface="+mn-ea"/>
-              <a:cs typeface="+mn-cs"/>
-            </a:endParaRPr>
-          </a:p>
-        </p:txBody>
-      </p:sp>
-      <p:sp>
-        <p:nvSpPr>
-          <p:cNvPr id="18" name="Rectangle 17">
-            <a:extLst>
-              <a:ext uri="{FF2B5EF4-FFF2-40B4-BE49-F238E27FC236}">
-                <a16:creationId xmlns:a16="http://schemas.microsoft.com/office/drawing/2014/main" id="{08C9B587-E65E-4B52-B37C-ABEBB6E87928}"/>
-              </a:ext>
-              <a:ext uri="{C183D7F6-B498-43B3-948B-1728B52AA6E4}">
-                <adec:decorative xmlns:adec="http://schemas.microsoft.com/office/drawing/2017/decorative" val="1"/>
-              </a:ext>
-            </a:extLst>
-          </p:cNvPr>
-          <p:cNvSpPr>
-            <a:spLocks noGrp="1" noRot="1" noChangeAspect="1" noMove="1" noResize="1" noEditPoints="1" noAdjustHandles="1" noChangeArrowheads="1" noChangeShapeType="1" noTextEdit="1"/>
-          </p:cNvSpPr>
-          <p:nvPr>
-            <p:extLst>
-              <p:ext uri="{386F3935-93C4-4BCD-93E2-E3B085C9AB24}">
-                <p16:designElem xmlns:p16="http://schemas.microsoft.com/office/powerpoint/2015/main" val="1"/>
-              </p:ext>
-            </p:extLst>
-          </p:nvPr>
-        </p:nvSpPr>
-        <p:spPr>
-          <a:xfrm>
-            <a:off x="481029" y="4546920"/>
-            <a:ext cx="4023360" cy="18288"/>
-          </a:xfrm>
-          <a:prstGeom prst="rect">
-            <a:avLst/>
-          </a:prstGeom>
-          <a:solidFill>
-            <a:schemeClr val="tx2">
-              <a:lumMod val="25000"/>
-              <a:lumOff val="75000"/>
-            </a:schemeClr>
-          </a:solidFill>
-          <a:ln w="3175">
-            <a:noFill/>
-          </a:ln>
-          <a:effectLst/>
-        </p:spPr>
-        <p:style>
-          <a:lnRef idx="2">
-            <a:schemeClr val="accent1">
-              <a:shade val="50000"/>
-            </a:schemeClr>
-          </a:lnRef>
-          <a:fillRef idx="1">
-            <a:schemeClr val="accent1"/>
-          </a:fillRef>
-          <a:effectRef idx="0">
-            <a:schemeClr val="accent1"/>
-          </a:effectRef>
-          <a:fontRef idx="minor">
-            <a:schemeClr val="lt1"/>
-          </a:fontRef>
-        </p:style>
-        <p:txBody>
-          <a:bodyPr rtlCol="0" anchor="ctr"/>
-          <a:lstStyle/>
-          <a:p>
-            <a:pPr marL="0" marR="0" lvl="0" indent="0" algn="ctr" defTabSz="914400" rtl="0" eaLnBrk="1" fontAlgn="auto" latinLnBrk="0" hangingPunct="1">
-              <a:lnSpc>
-                <a:spcPct val="100000"/>
-              </a:lnSpc>
-              <a:spcBef>
-                <a:spcPts val="0"/>
-              </a:spcBef>
-              <a:spcAft>
-                <a:spcPts val="0"/>
-              </a:spcAft>
-              <a:buClrTx/>
-              <a:buSzTx/>
-              <a:buFontTx/>
-              <a:buNone/>
-              <a:tabLst/>
-              <a:defRPr/>
-            </a:pPr>
-            <a:endParaRPr kumimoji="0" lang="en-US" sz="1800" b="0" i="0" u="none" strike="noStrike" kern="1200" cap="none" spc="0" normalizeH="0" baseline="0" noProof="0">
-              <a:ln>
-                <a:noFill/>
-              </a:ln>
-              <a:solidFill>
-                <a:prstClr val="white"/>
-              </a:solidFill>
-              <a:effectLst/>
-              <a:uLnTx/>
-              <a:uFillTx/>
-              <a:latin typeface="Calibri" panose="020F0502020204030204"/>
-              <a:ea typeface="+mn-ea"/>
-              <a:cs typeface="+mn-cs"/>
-            </a:endParaRPr>
-          </a:p>
-        </p:txBody>
-      </p:sp>
-      <p:pic>
-        <p:nvPicPr>
           <p:cNvPr id="5" name="Content Placeholder 4" descr="Icon&#10;&#10;Description automatically generated">
             <a:extLst>
               <a:ext uri="{FF2B5EF4-FFF2-40B4-BE49-F238E27FC236}">
@@ -17783,7 +20426,104 @@
 </p:sld>
 </file>
 
-<file path=ppt/slides/slide18.xml><?xml version="1.0" encoding="utf-8"?>
+<file path=ppt/slides/slide24.xml><?xml version="1.0" encoding="utf-8"?>
+<p:sld xmlns:a="http://schemas.openxmlformats.org/drawingml/2006/main" xmlns:r="http://schemas.openxmlformats.org/officeDocument/2006/relationships" xmlns:p="http://schemas.openxmlformats.org/presentationml/2006/main">
+  <p:cSld>
+    <p:spTree>
+      <p:nvGrpSpPr>
+        <p:cNvPr id="1" name=""/>
+        <p:cNvGrpSpPr/>
+        <p:nvPr/>
+      </p:nvGrpSpPr>
+      <p:grpSpPr>
+        <a:xfrm>
+          <a:off x="0" y="0"/>
+          <a:ext cx="0" cy="0"/>
+          <a:chOff x="0" y="0"/>
+          <a:chExt cx="0" cy="0"/>
+        </a:xfrm>
+      </p:grpSpPr>
+      <p:sp>
+        <p:nvSpPr>
+          <p:cNvPr id="2" name="Title 1">
+            <a:extLst>
+              <a:ext uri="{FF2B5EF4-FFF2-40B4-BE49-F238E27FC236}">
+                <a16:creationId xmlns:a16="http://schemas.microsoft.com/office/drawing/2014/main" id="{82612368-4E60-9241-8802-D161E875B578}"/>
+              </a:ext>
+            </a:extLst>
+          </p:cNvPr>
+          <p:cNvSpPr>
+            <a:spLocks noGrp="1"/>
+          </p:cNvSpPr>
+          <p:nvPr>
+            <p:ph type="title"/>
+          </p:nvPr>
+        </p:nvSpPr>
+        <p:spPr>
+          <a:xfrm>
+            <a:off x="477981" y="1122363"/>
+            <a:ext cx="4023360" cy="3204134"/>
+          </a:xfrm>
+        </p:spPr>
+        <p:txBody>
+          <a:bodyPr vert="horz" lIns="91440" tIns="45720" rIns="91440" bIns="45720" rtlCol="0" anchor="b">
+            <a:normAutofit/>
+          </a:bodyPr>
+          <a:lstStyle/>
+          <a:p>
+            <a:r>
+              <a:rPr lang="en-US" sz="4800" dirty="0"/>
+              <a:t>More Complex Search Tree</a:t>
+            </a:r>
+          </a:p>
+        </p:txBody>
+      </p:sp>
+      <p:pic>
+        <p:nvPicPr>
+          <p:cNvPr id="9" name="Content Placeholder 8" descr="A close up of a sign&#10;&#10;Description automatically generated">
+            <a:extLst>
+              <a:ext uri="{FF2B5EF4-FFF2-40B4-BE49-F238E27FC236}">
+                <a16:creationId xmlns:a16="http://schemas.microsoft.com/office/drawing/2014/main" id="{53925A54-F79E-B847-ADC7-A56C24182E0D}"/>
+              </a:ext>
+            </a:extLst>
+          </p:cNvPr>
+          <p:cNvPicPr>
+            <a:picLocks noGrp="1" noChangeAspect="1"/>
+          </p:cNvPicPr>
+          <p:nvPr>
+            <p:ph idx="1"/>
+          </p:nvPr>
+        </p:nvPicPr>
+        <p:blipFill>
+          <a:blip r:embed="rId2"/>
+          <a:stretch>
+            <a:fillRect/>
+          </a:stretch>
+        </p:blipFill>
+        <p:spPr>
+          <a:xfrm>
+            <a:off x="5566919" y="625683"/>
+            <a:ext cx="5441740" cy="5455380"/>
+          </a:xfrm>
+          <a:prstGeom prst="rect">
+            <a:avLst/>
+          </a:prstGeom>
+        </p:spPr>
+      </p:pic>
+    </p:spTree>
+    <p:extLst>
+      <p:ext uri="{BB962C8B-B14F-4D97-AF65-F5344CB8AC3E}">
+        <p14:creationId xmlns:p14="http://schemas.microsoft.com/office/powerpoint/2010/main" val="1444101278"/>
+      </p:ext>
+    </p:extLst>
+  </p:cSld>
+  <p:clrMapOvr>
+    <a:masterClrMapping/>
+  </p:clrMapOvr>
+</p:sld>
+</file>
+
+<file path=ppt/slides/slide25.xml><?xml version="1.0" encoding="utf-8"?>
 <p:sld xmlns:a="http://schemas.openxmlformats.org/drawingml/2006/main" xmlns:r="http://schemas.openxmlformats.org/officeDocument/2006/relationships" xmlns:p="http://schemas.openxmlformats.org/presentationml/2006/main">
   <p:cSld>
     <p:bg>
@@ -18506,528 +21246,6 @@
 </p:sld>
 </file>
 
-<file path=ppt/slides/slide2.xml><?xml version="1.0" encoding="utf-8"?>
-<p:sld xmlns:a="http://schemas.openxmlformats.org/drawingml/2006/main" xmlns:r="http://schemas.openxmlformats.org/officeDocument/2006/relationships" xmlns:p="http://schemas.openxmlformats.org/presentationml/2006/main">
-  <p:cSld>
-    <p:bg>
-      <p:bgPr>
-        <a:solidFill>
-          <a:schemeClr val="bg1"/>
-        </a:solidFill>
-        <a:effectLst/>
-      </p:bgPr>
-    </p:bg>
-    <p:spTree>
-      <p:nvGrpSpPr>
-        <p:cNvPr id="1" name=""/>
-        <p:cNvGrpSpPr/>
-        <p:nvPr/>
-      </p:nvGrpSpPr>
-      <p:grpSpPr>
-        <a:xfrm>
-          <a:off x="0" y="0"/>
-          <a:ext cx="0" cy="0"/>
-          <a:chOff x="0" y="0"/>
-          <a:chExt cx="0" cy="0"/>
-        </a:xfrm>
-      </p:grpSpPr>
-      <p:sp useBgFill="1">
-        <p:nvSpPr>
-          <p:cNvPr id="10" name="Rectangle 9">
-            <a:extLst>
-              <a:ext uri="{FF2B5EF4-FFF2-40B4-BE49-F238E27FC236}">
-                <a16:creationId xmlns:a16="http://schemas.microsoft.com/office/drawing/2014/main" id="{2C9A9DA9-7DC8-488B-A882-123947B0F3D9}"/>
-              </a:ext>
-              <a:ext uri="{C183D7F6-B498-43B3-948B-1728B52AA6E4}">
-                <adec:decorative xmlns:adec="http://schemas.microsoft.com/office/drawing/2017/decorative" val="1"/>
-              </a:ext>
-            </a:extLst>
-          </p:cNvPr>
-          <p:cNvSpPr>
-            <a:spLocks noGrp="1" noRot="1" noChangeAspect="1" noMove="1" noResize="1" noEditPoints="1" noAdjustHandles="1" noChangeArrowheads="1" noChangeShapeType="1" noTextEdit="1"/>
-          </p:cNvSpPr>
-          <p:nvPr>
-            <p:extLst>
-              <p:ext uri="{386F3935-93C4-4BCD-93E2-E3B085C9AB24}">
-                <p16:designElem xmlns:p16="http://schemas.microsoft.com/office/powerpoint/2015/main" val="1"/>
-              </p:ext>
-            </p:extLst>
-          </p:nvPr>
-        </p:nvSpPr>
-        <p:spPr>
-          <a:xfrm>
-            <a:off x="0" y="0"/>
-            <a:ext cx="12192000" cy="6858000"/>
-          </a:xfrm>
-          <a:prstGeom prst="rect">
-            <a:avLst/>
-          </a:prstGeom>
-          <a:ln>
-            <a:noFill/>
-          </a:ln>
-        </p:spPr>
-        <p:style>
-          <a:lnRef idx="2">
-            <a:schemeClr val="accent1">
-              <a:shade val="50000"/>
-            </a:schemeClr>
-          </a:lnRef>
-          <a:fillRef idx="1">
-            <a:schemeClr val="accent1"/>
-          </a:fillRef>
-          <a:effectRef idx="0">
-            <a:schemeClr val="accent1"/>
-          </a:effectRef>
-          <a:fontRef idx="minor">
-            <a:schemeClr val="lt1"/>
-          </a:fontRef>
-        </p:style>
-        <p:txBody>
-          <a:bodyPr rtlCol="0" anchor="ctr"/>
-          <a:lstStyle/>
-          <a:p>
-            <a:pPr algn="ctr"/>
-            <a:endParaRPr lang="en-US"/>
-          </a:p>
-        </p:txBody>
-      </p:sp>
-      <p:sp useBgFill="1">
-        <p:nvSpPr>
-          <p:cNvPr id="12" name="Rectangle 11">
-            <a:extLst>
-              <a:ext uri="{FF2B5EF4-FFF2-40B4-BE49-F238E27FC236}">
-                <a16:creationId xmlns:a16="http://schemas.microsoft.com/office/drawing/2014/main" id="{57F6BDD4-E066-4008-8011-6CC31AEB4556}"/>
-              </a:ext>
-              <a:ext uri="{C183D7F6-B498-43B3-948B-1728B52AA6E4}">
-                <adec:decorative xmlns:adec="http://schemas.microsoft.com/office/drawing/2017/decorative" val="1"/>
-              </a:ext>
-            </a:extLst>
-          </p:cNvPr>
-          <p:cNvSpPr>
-            <a:spLocks noGrp="1" noRot="1" noChangeAspect="1" noMove="1" noResize="1" noEditPoints="1" noAdjustHandles="1" noChangeArrowheads="1" noChangeShapeType="1" noTextEdit="1"/>
-          </p:cNvSpPr>
-          <p:nvPr>
-            <p:extLst>
-              <p:ext uri="{386F3935-93C4-4BCD-93E2-E3B085C9AB24}">
-                <p16:designElem xmlns:p16="http://schemas.microsoft.com/office/powerpoint/2015/main" val="1"/>
-              </p:ext>
-            </p:extLst>
-          </p:nvPr>
-        </p:nvSpPr>
-        <p:spPr>
-          <a:xfrm>
-            <a:off x="4943857" y="633619"/>
-            <a:ext cx="6838569" cy="5495925"/>
-          </a:xfrm>
-          <a:prstGeom prst="rect">
-            <a:avLst/>
-          </a:prstGeom>
-          <a:ln w="9525">
-            <a:solidFill>
-              <a:schemeClr val="tx2">
-                <a:lumMod val="10000"/>
-                <a:lumOff val="90000"/>
-              </a:schemeClr>
-            </a:solidFill>
-          </a:ln>
-          <a:effectLst>
-            <a:outerShdw blurRad="50800" dist="38100" dir="2700000" algn="tl" rotWithShape="0">
-              <a:schemeClr val="bg1">
-                <a:lumMod val="85000"/>
-                <a:alpha val="30000"/>
-              </a:schemeClr>
-            </a:outerShdw>
-          </a:effectLst>
-        </p:spPr>
-        <p:style>
-          <a:lnRef idx="2">
-            <a:schemeClr val="accent1">
-              <a:shade val="50000"/>
-            </a:schemeClr>
-          </a:lnRef>
-          <a:fillRef idx="1">
-            <a:schemeClr val="accent1"/>
-          </a:fillRef>
-          <a:effectRef idx="0">
-            <a:schemeClr val="accent1"/>
-          </a:effectRef>
-          <a:fontRef idx="minor">
-            <a:schemeClr val="lt1"/>
-          </a:fontRef>
-        </p:style>
-        <p:txBody>
-          <a:bodyPr rtlCol="0" anchor="ctr"/>
-          <a:lstStyle/>
-          <a:p>
-            <a:pPr marL="0" marR="0" lvl="0" indent="0" algn="ctr" defTabSz="914400" rtl="0" eaLnBrk="1" fontAlgn="auto" latinLnBrk="0" hangingPunct="1">
-              <a:lnSpc>
-                <a:spcPct val="100000"/>
-              </a:lnSpc>
-              <a:spcBef>
-                <a:spcPts val="0"/>
-              </a:spcBef>
-              <a:spcAft>
-                <a:spcPts val="0"/>
-              </a:spcAft>
-              <a:buClrTx/>
-              <a:buSzTx/>
-              <a:buFontTx/>
-              <a:buNone/>
-              <a:tabLst/>
-              <a:defRPr/>
-            </a:pPr>
-            <a:endParaRPr kumimoji="0" lang="en-US" sz="1800" b="0" i="0" u="none" strike="noStrike" kern="1200" cap="none" spc="0" normalizeH="0" baseline="0" noProof="0">
-              <a:ln>
-                <a:noFill/>
-              </a:ln>
-              <a:solidFill>
-                <a:prstClr val="white"/>
-              </a:solidFill>
-              <a:effectLst/>
-              <a:uLnTx/>
-              <a:uFillTx/>
-              <a:latin typeface="Calibri" panose="020F0502020204030204"/>
-              <a:ea typeface="+mn-ea"/>
-              <a:cs typeface="+mn-cs"/>
-            </a:endParaRPr>
-          </a:p>
-        </p:txBody>
-      </p:sp>
-      <p:sp>
-        <p:nvSpPr>
-          <p:cNvPr id="2" name="Title 1">
-            <a:extLst>
-              <a:ext uri="{FF2B5EF4-FFF2-40B4-BE49-F238E27FC236}">
-                <a16:creationId xmlns:a16="http://schemas.microsoft.com/office/drawing/2014/main" id="{1CD786A5-BE7B-2F40-B42A-4976D6F6C427}"/>
-              </a:ext>
-            </a:extLst>
-          </p:cNvPr>
-          <p:cNvSpPr>
-            <a:spLocks noGrp="1"/>
-          </p:cNvSpPr>
-          <p:nvPr>
-            <p:ph type="title"/>
-          </p:nvPr>
-        </p:nvSpPr>
-        <p:spPr>
-          <a:xfrm>
-            <a:off x="5359510" y="978619"/>
-            <a:ext cx="5991244" cy="1106424"/>
-          </a:xfrm>
-        </p:spPr>
-        <p:txBody>
-          <a:bodyPr>
-            <a:normAutofit/>
-          </a:bodyPr>
-          <a:lstStyle/>
-          <a:p>
-            <a:r>
-              <a:rPr lang="en-US" sz="3200"/>
-              <a:t>SEARCH AIM</a:t>
-            </a:r>
-          </a:p>
-        </p:txBody>
-      </p:sp>
-      <p:pic>
-        <p:nvPicPr>
-          <p:cNvPr id="7" name="Graphic 6" descr="Robot">
-            <a:extLst>
-              <a:ext uri="{FF2B5EF4-FFF2-40B4-BE49-F238E27FC236}">
-                <a16:creationId xmlns:a16="http://schemas.microsoft.com/office/drawing/2014/main" id="{CDC0BB13-B1B5-4328-9AE3-A0A13229211D}"/>
-              </a:ext>
-            </a:extLst>
-          </p:cNvPr>
-          <p:cNvPicPr>
-            <a:picLocks noChangeAspect="1"/>
-          </p:cNvPicPr>
-          <p:nvPr/>
-        </p:nvPicPr>
-        <p:blipFill>
-          <a:blip r:embed="rId2">
-            <a:extLst>
-              <a:ext uri="{28A0092B-C50C-407E-A947-70E740481C1C}">
-                <a14:useLocalDpi xmlns:a14="http://schemas.microsoft.com/office/drawing/2010/main" val="0"/>
-              </a:ext>
-              <a:ext uri="{96DAC541-7B7A-43D3-8B79-37D633B846F1}">
-                <asvg:svgBlip xmlns:asvg="http://schemas.microsoft.com/office/drawing/2016/SVG/main" r:embed="rId3"/>
-              </a:ext>
-            </a:extLst>
-          </a:blip>
-          <a:stretch>
-            <a:fillRect/>
-          </a:stretch>
-        </p:blipFill>
-        <p:spPr>
-          <a:xfrm>
-            <a:off x="414528" y="1361884"/>
-            <a:ext cx="4033647" cy="4033647"/>
-          </a:xfrm>
-          <a:prstGeom prst="rect">
-            <a:avLst/>
-          </a:prstGeom>
-        </p:spPr>
-      </p:pic>
-      <p:sp>
-        <p:nvSpPr>
-          <p:cNvPr id="14" name="Rectangle 13">
-            <a:extLst>
-              <a:ext uri="{FF2B5EF4-FFF2-40B4-BE49-F238E27FC236}">
-                <a16:creationId xmlns:a16="http://schemas.microsoft.com/office/drawing/2014/main" id="{2711A8FB-68FC-45FC-B01E-38F809E2D439}"/>
-              </a:ext>
-              <a:ext uri="{C183D7F6-B498-43B3-948B-1728B52AA6E4}">
-                <adec:decorative xmlns:adec="http://schemas.microsoft.com/office/drawing/2017/decorative" val="1"/>
-              </a:ext>
-            </a:extLst>
-          </p:cNvPr>
-          <p:cNvSpPr>
-            <a:spLocks noGrp="1" noRot="1" noChangeAspect="1" noMove="1" noResize="1" noEditPoints="1" noAdjustHandles="1" noChangeArrowheads="1" noChangeShapeType="1" noTextEdit="1"/>
-          </p:cNvSpPr>
-          <p:nvPr>
-            <p:extLst>
-              <p:ext uri="{386F3935-93C4-4BCD-93E2-E3B085C9AB24}">
-                <p16:designElem xmlns:p16="http://schemas.microsoft.com/office/powerpoint/2015/main" val="1"/>
-              </p:ext>
-            </p:extLst>
-          </p:nvPr>
-        </p:nvSpPr>
-        <p:spPr>
-          <a:xfrm>
-            <a:off x="4879848" y="1171300"/>
-            <a:ext cx="128016" cy="704088"/>
-          </a:xfrm>
-          <a:prstGeom prst="rect">
-            <a:avLst/>
-          </a:prstGeom>
-          <a:solidFill>
-            <a:schemeClr val="accent1"/>
-          </a:solidFill>
-          <a:ln>
-            <a:noFill/>
-          </a:ln>
-        </p:spPr>
-        <p:style>
-          <a:lnRef idx="2">
-            <a:schemeClr val="accent1">
-              <a:shade val="50000"/>
-            </a:schemeClr>
-          </a:lnRef>
-          <a:fillRef idx="1">
-            <a:schemeClr val="accent1"/>
-          </a:fillRef>
-          <a:effectRef idx="0">
-            <a:schemeClr val="accent1"/>
-          </a:effectRef>
-          <a:fontRef idx="minor">
-            <a:schemeClr val="lt1"/>
-          </a:fontRef>
-        </p:style>
-        <p:txBody>
-          <a:bodyPr rtlCol="0" anchor="ctr"/>
-          <a:lstStyle/>
-          <a:p>
-            <a:pPr marL="0" marR="0" lvl="0" indent="0" algn="ctr" defTabSz="914400" rtl="0" eaLnBrk="1" fontAlgn="auto" latinLnBrk="0" hangingPunct="1">
-              <a:lnSpc>
-                <a:spcPct val="100000"/>
-              </a:lnSpc>
-              <a:spcBef>
-                <a:spcPts val="0"/>
-              </a:spcBef>
-              <a:spcAft>
-                <a:spcPts val="0"/>
-              </a:spcAft>
-              <a:buClrTx/>
-              <a:buSzTx/>
-              <a:buFontTx/>
-              <a:buNone/>
-              <a:tabLst/>
-              <a:defRPr/>
-            </a:pPr>
-            <a:endParaRPr kumimoji="0" lang="en-US" sz="1800" b="0" i="0" u="none" strike="noStrike" kern="1200" cap="none" spc="0" normalizeH="0" baseline="0" noProof="0">
-              <a:ln>
-                <a:noFill/>
-              </a:ln>
-              <a:solidFill>
-                <a:prstClr val="white"/>
-              </a:solidFill>
-              <a:effectLst/>
-              <a:uLnTx/>
-              <a:uFillTx/>
-              <a:latin typeface="Calibri" panose="020F0502020204030204"/>
-              <a:ea typeface="+mn-ea"/>
-              <a:cs typeface="+mn-cs"/>
-            </a:endParaRPr>
-          </a:p>
-        </p:txBody>
-      </p:sp>
-      <p:sp>
-        <p:nvSpPr>
-          <p:cNvPr id="16" name="Rectangle 15">
-            <a:extLst>
-              <a:ext uri="{FF2B5EF4-FFF2-40B4-BE49-F238E27FC236}">
-                <a16:creationId xmlns:a16="http://schemas.microsoft.com/office/drawing/2014/main" id="{2A865FE3-5FC9-4049-87CF-30019C46C0F5}"/>
-              </a:ext>
-              <a:ext uri="{C183D7F6-B498-43B3-948B-1728B52AA6E4}">
-                <adec:decorative xmlns:adec="http://schemas.microsoft.com/office/drawing/2017/decorative" val="1"/>
-              </a:ext>
-            </a:extLst>
-          </p:cNvPr>
-          <p:cNvSpPr>
-            <a:spLocks noGrp="1" noRot="1" noChangeAspect="1" noMove="1" noResize="1" noEditPoints="1" noAdjustHandles="1" noChangeArrowheads="1" noChangeShapeType="1" noTextEdit="1"/>
-          </p:cNvSpPr>
-          <p:nvPr>
-            <p:extLst>
-              <p:ext uri="{386F3935-93C4-4BCD-93E2-E3B085C9AB24}">
-                <p16:designElem xmlns:p16="http://schemas.microsoft.com/office/powerpoint/2015/main" val="1"/>
-              </p:ext>
-            </p:extLst>
-          </p:nvPr>
-        </p:nvSpPr>
-        <p:spPr>
-          <a:xfrm>
-            <a:off x="5467859" y="2093976"/>
-            <a:ext cx="5846683" cy="9144"/>
-          </a:xfrm>
-          <a:prstGeom prst="rect">
-            <a:avLst/>
-          </a:prstGeom>
-          <a:solidFill>
-            <a:schemeClr val="tx2">
-              <a:lumMod val="25000"/>
-              <a:lumOff val="75000"/>
-            </a:schemeClr>
-          </a:solidFill>
-          <a:ln w="3175">
-            <a:noFill/>
-          </a:ln>
-          <a:effectLst/>
-        </p:spPr>
-        <p:style>
-          <a:lnRef idx="2">
-            <a:schemeClr val="accent1">
-              <a:shade val="50000"/>
-            </a:schemeClr>
-          </a:lnRef>
-          <a:fillRef idx="1">
-            <a:schemeClr val="accent1"/>
-          </a:fillRef>
-          <a:effectRef idx="0">
-            <a:schemeClr val="accent1"/>
-          </a:effectRef>
-          <a:fontRef idx="minor">
-            <a:schemeClr val="lt1"/>
-          </a:fontRef>
-        </p:style>
-        <p:txBody>
-          <a:bodyPr rtlCol="0" anchor="ctr"/>
-          <a:lstStyle/>
-          <a:p>
-            <a:pPr marL="0" marR="0" lvl="0" indent="0" algn="ctr" defTabSz="914400" rtl="0" eaLnBrk="1" fontAlgn="auto" latinLnBrk="0" hangingPunct="1">
-              <a:lnSpc>
-                <a:spcPct val="100000"/>
-              </a:lnSpc>
-              <a:spcBef>
-                <a:spcPts val="0"/>
-              </a:spcBef>
-              <a:spcAft>
-                <a:spcPts val="0"/>
-              </a:spcAft>
-              <a:buClrTx/>
-              <a:buSzTx/>
-              <a:buFontTx/>
-              <a:buNone/>
-              <a:tabLst/>
-              <a:defRPr/>
-            </a:pPr>
-            <a:endParaRPr kumimoji="0" lang="en-US" sz="1800" b="0" i="0" u="none" strike="noStrike" kern="1200" cap="none" spc="0" normalizeH="0" baseline="0" noProof="0">
-              <a:ln>
-                <a:noFill/>
-              </a:ln>
-              <a:solidFill>
-                <a:prstClr val="white"/>
-              </a:solidFill>
-              <a:effectLst/>
-              <a:uLnTx/>
-              <a:uFillTx/>
-              <a:latin typeface="Calibri" panose="020F0502020204030204"/>
-              <a:ea typeface="+mn-ea"/>
-              <a:cs typeface="+mn-cs"/>
-            </a:endParaRPr>
-          </a:p>
-        </p:txBody>
-      </p:sp>
-      <p:sp>
-        <p:nvSpPr>
-          <p:cNvPr id="3" name="Content Placeholder 2">
-            <a:extLst>
-              <a:ext uri="{FF2B5EF4-FFF2-40B4-BE49-F238E27FC236}">
-                <a16:creationId xmlns:a16="http://schemas.microsoft.com/office/drawing/2014/main" id="{C33A9421-FDF5-1649-B26A-842056B7A349}"/>
-              </a:ext>
-            </a:extLst>
-          </p:cNvPr>
-          <p:cNvSpPr>
-            <a:spLocks noGrp="1"/>
-          </p:cNvSpPr>
-          <p:nvPr>
-            <p:ph idx="1"/>
-          </p:nvPr>
-        </p:nvSpPr>
-        <p:spPr>
-          <a:xfrm>
-            <a:off x="5356861" y="2252870"/>
-            <a:ext cx="5993892" cy="3560251"/>
-          </a:xfrm>
-        </p:spPr>
-        <p:txBody>
-          <a:bodyPr>
-            <a:normAutofit/>
-          </a:bodyPr>
-          <a:lstStyle/>
-          <a:p>
-            <a:r>
-              <a:rPr lang="en-US" sz="1800" dirty="0"/>
-              <a:t>Use Breadth-First and A*  search methods to: </a:t>
-            </a:r>
-          </a:p>
-          <a:p>
-            <a:pPr lvl="1"/>
-            <a:r>
-              <a:rPr lang="en-US" sz="1800" dirty="0"/>
-              <a:t>Find the optimal solution to determine a robot’s travel path from point A to point B within a controlled environment.</a:t>
-            </a:r>
-          </a:p>
-          <a:p>
-            <a:pPr lvl="1"/>
-            <a:r>
-              <a:rPr lang="en-US" sz="1800" dirty="0"/>
-              <a:t>The controlled environment consists of built in obstacles representing stops interfering with the solution.  </a:t>
-            </a:r>
-          </a:p>
-          <a:p>
-            <a:pPr lvl="1"/>
-            <a:r>
-              <a:rPr lang="en-US" sz="1800" dirty="0"/>
-              <a:t>The robot’s aim is to navigate around the obstacles and avoid interference to find the best-cost solution.</a:t>
-            </a:r>
-          </a:p>
-          <a:p>
-            <a:pPr lvl="1"/>
-            <a:endParaRPr lang="en-US" sz="1800" dirty="0"/>
-          </a:p>
-        </p:txBody>
-      </p:sp>
-    </p:spTree>
-    <p:extLst>
-      <p:ext uri="{BB962C8B-B14F-4D97-AF65-F5344CB8AC3E}">
-        <p14:creationId xmlns:p14="http://schemas.microsoft.com/office/powerpoint/2010/main" val="2688446238"/>
-      </p:ext>
-    </p:extLst>
-  </p:cSld>
-  <p:clrMapOvr>
-    <a:masterClrMapping/>
-  </p:clrMapOvr>
-</p:sld>
-</file>
-
 <file path=ppt/slides/slide3.xml><?xml version="1.0" encoding="utf-8"?>
 <p:sld xmlns:a="http://schemas.openxmlformats.org/drawingml/2006/main" xmlns:r="http://schemas.openxmlformats.org/officeDocument/2006/relationships" xmlns:p="http://schemas.openxmlformats.org/presentationml/2006/main">
   <p:cSld>
@@ -20014,72 +22232,95 @@
           <a:chExt cx="0" cy="0"/>
         </a:xfrm>
       </p:grpSpPr>
-      <p:pic>
-        <p:nvPicPr>
-          <p:cNvPr id="4" name="Picture 3">
+      <p:sp>
+        <p:nvSpPr>
+          <p:cNvPr id="2" name="Title 1">
             <a:extLst>
               <a:ext uri="{FF2B5EF4-FFF2-40B4-BE49-F238E27FC236}">
-                <a16:creationId xmlns:a16="http://schemas.microsoft.com/office/drawing/2014/main" id="{32BC08F7-E5BF-D743-8827-5D7138A8EF22}"/>
+                <a16:creationId xmlns:a16="http://schemas.microsoft.com/office/drawing/2014/main" id="{E29B9127-F9A5-B246-8692-433005F1C248}"/>
               </a:ext>
             </a:extLst>
           </p:cNvPr>
-          <p:cNvPicPr>
-            <a:picLocks noChangeAspect="1"/>
-          </p:cNvPicPr>
-          <p:nvPr/>
-        </p:nvPicPr>
-        <p:blipFill>
-          <a:blip r:embed="rId2"/>
-          <a:stretch>
-            <a:fillRect/>
-          </a:stretch>
-        </p:blipFill>
+          <p:cNvSpPr>
+            <a:spLocks noGrp="1"/>
+          </p:cNvSpPr>
+          <p:nvPr>
+            <p:ph type="title"/>
+          </p:nvPr>
+        </p:nvSpPr>
         <p:spPr>
           <a:xfrm>
-            <a:off x="1090196" y="1137654"/>
-            <a:ext cx="4994466" cy="4376776"/>
+            <a:off x="477981" y="1122363"/>
+            <a:ext cx="4023360" cy="3204134"/>
+          </a:xfrm>
+        </p:spPr>
+        <p:txBody>
+          <a:bodyPr vert="horz" lIns="91440" tIns="45720" rIns="91440" bIns="45720" rtlCol="0" anchor="b">
+            <a:normAutofit/>
+          </a:bodyPr>
+          <a:lstStyle/>
+          <a:p>
+            <a:r>
+              <a:rPr lang="en-US" sz="4800" dirty="0"/>
+              <a:t>Code: </a:t>
+            </a:r>
+            <a:br>
+              <a:rPr lang="en-US" sz="4800" dirty="0"/>
+            </a:br>
+            <a:endParaRPr lang="en-US" sz="4800" dirty="0"/>
+          </a:p>
+        </p:txBody>
+      </p:sp>
+      <p:sp>
+        <p:nvSpPr>
+          <p:cNvPr id="4" name="Rectangle 3">
+            <a:extLst>
+              <a:ext uri="{FF2B5EF4-FFF2-40B4-BE49-F238E27FC236}">
+                <a16:creationId xmlns:a16="http://schemas.microsoft.com/office/drawing/2014/main" id="{0FEC5D57-B3D9-CB44-B7FF-A6FDB571901A}"/>
+              </a:ext>
+            </a:extLst>
+          </p:cNvPr>
+          <p:cNvSpPr/>
+          <p:nvPr/>
+        </p:nvSpPr>
+        <p:spPr>
+          <a:xfrm>
+            <a:off x="5457825" y="0"/>
+            <a:ext cx="6734175" cy="6858000"/>
           </a:xfrm>
           <a:prstGeom prst="rect">
             <a:avLst/>
           </a:prstGeom>
         </p:spPr>
-      </p:pic>
-      <p:pic>
-        <p:nvPicPr>
-          <p:cNvPr id="5" name="Picture 4">
+        <p:style>
+          <a:lnRef idx="3">
+            <a:schemeClr val="lt1"/>
+          </a:lnRef>
+          <a:fillRef idx="1">
+            <a:schemeClr val="accent1"/>
+          </a:fillRef>
+          <a:effectRef idx="1">
+            <a:schemeClr val="accent1"/>
+          </a:effectRef>
+          <a:fontRef idx="minor">
+            <a:schemeClr val="lt1"/>
+          </a:fontRef>
+        </p:style>
+        <p:txBody>
+          <a:bodyPr rtlCol="0" anchor="ctr"/>
+          <a:lstStyle/>
+          <a:p>
+            <a:pPr algn="ctr"/>
+            <a:endParaRPr lang="en-US"/>
+          </a:p>
+        </p:txBody>
+      </p:sp>
+      <p:sp>
+        <p:nvSpPr>
+          <p:cNvPr id="17" name="TextBox 16">
             <a:extLst>
               <a:ext uri="{FF2B5EF4-FFF2-40B4-BE49-F238E27FC236}">
-                <a16:creationId xmlns:a16="http://schemas.microsoft.com/office/drawing/2014/main" id="{C8C87863-8DA1-C345-AA86-470BB5E7DC4D}"/>
-              </a:ext>
-            </a:extLst>
-          </p:cNvPr>
-          <p:cNvPicPr>
-            <a:picLocks noChangeAspect="1"/>
-          </p:cNvPicPr>
-          <p:nvPr/>
-        </p:nvPicPr>
-        <p:blipFill>
-          <a:blip r:embed="rId3"/>
-          <a:stretch>
-            <a:fillRect/>
-          </a:stretch>
-        </p:blipFill>
-        <p:spPr>
-          <a:xfrm>
-            <a:off x="6796481" y="929107"/>
-            <a:ext cx="4994466" cy="4536420"/>
-          </a:xfrm>
-          <a:prstGeom prst="rect">
-            <a:avLst/>
-          </a:prstGeom>
-        </p:spPr>
-      </p:pic>
-      <p:sp>
-        <p:nvSpPr>
-          <p:cNvPr id="6" name="TextBox 5">
-            <a:extLst>
-              <a:ext uri="{FF2B5EF4-FFF2-40B4-BE49-F238E27FC236}">
-                <a16:creationId xmlns:a16="http://schemas.microsoft.com/office/drawing/2014/main" id="{85A3FD0A-6EB5-994D-B24A-95F0B7165FE4}"/>
+                <a16:creationId xmlns:a16="http://schemas.microsoft.com/office/drawing/2014/main" id="{5EE6D41B-4457-5F43-A474-3A3988AAD42C}"/>
               </a:ext>
             </a:extLst>
           </p:cNvPr>
@@ -20088,8 +22329,8 @@
         </p:nvSpPr>
         <p:spPr>
           <a:xfrm>
-            <a:off x="2209782" y="5282562"/>
-            <a:ext cx="2294021" cy="646331"/>
+            <a:off x="5809569" y="81930"/>
+            <a:ext cx="6030686" cy="6694140"/>
           </a:xfrm>
           <a:prstGeom prst="rect">
             <a:avLst/>
@@ -20103,59 +22344,632 @@
           <a:lstStyle/>
           <a:p>
             <a:r>
-              <a:rPr lang="en-US" dirty="0" err="1"/>
-              <a:t>mazegenerator.py</a:t>
-            </a:r>
-            <a:endParaRPr lang="en-US" dirty="0"/>
-          </a:p>
-          <a:p>
-            <a:endParaRPr lang="en-US" dirty="0"/>
-          </a:p>
-        </p:txBody>
-      </p:sp>
-      <p:sp>
-        <p:nvSpPr>
-          <p:cNvPr id="8" name="TextBox 7">
-            <a:extLst>
-              <a:ext uri="{FF2B5EF4-FFF2-40B4-BE49-F238E27FC236}">
-                <a16:creationId xmlns:a16="http://schemas.microsoft.com/office/drawing/2014/main" id="{147F8359-9A1A-FD4E-9C22-23BF84696FED}"/>
-              </a:ext>
-            </a:extLst>
-          </p:cNvPr>
-          <p:cNvSpPr txBox="1"/>
-          <p:nvPr/>
-        </p:nvSpPr>
-        <p:spPr>
-          <a:xfrm>
-            <a:off x="8375998" y="5282562"/>
-            <a:ext cx="2294021" cy="646331"/>
-          </a:xfrm>
-          <a:prstGeom prst="rect">
-            <a:avLst/>
-          </a:prstGeom>
-          <a:noFill/>
-        </p:spPr>
-        <p:txBody>
-          <a:bodyPr wrap="square" rtlCol="0">
-            <a:spAutoFit/>
-          </a:bodyPr>
-          <a:lstStyle/>
-          <a:p>
-            <a:r>
-              <a:rPr lang="en-US" dirty="0" err="1"/>
-              <a:t>mazegenerator.py</a:t>
-            </a:r>
-            <a:endParaRPr lang="en-US" dirty="0"/>
-          </a:p>
-          <a:p>
-            <a:endParaRPr lang="en-US" dirty="0"/>
+              <a:rPr lang="en-US" sz="1100" dirty="0"/>
+              <a:t>def </a:t>
+            </a:r>
+            <a:r>
+              <a:rPr lang="en-US" sz="1100" dirty="0" err="1"/>
+              <a:t>dfs</a:t>
+            </a:r>
+            <a:r>
+              <a:rPr lang="en-US" sz="1100" dirty="0"/>
+              <a:t>(</a:t>
+            </a:r>
+            <a:r>
+              <a:rPr lang="en-US" sz="1100" dirty="0" err="1"/>
+              <a:t>x,y,k</a:t>
+            </a:r>
+            <a:r>
+              <a:rPr lang="en-US" sz="1100" dirty="0"/>
+              <a:t>):</a:t>
+            </a:r>
+          </a:p>
+          <a:p>
+            <a:r>
+              <a:rPr lang="en-US" sz="1100" dirty="0"/>
+              <a:t>    global </a:t>
+            </a:r>
+            <a:r>
+              <a:rPr lang="en-US" sz="1100" dirty="0" err="1"/>
+              <a:t>totalchecks</a:t>
+            </a:r>
+            <a:endParaRPr lang="en-US" sz="1100" dirty="0"/>
+          </a:p>
+          <a:p>
+            <a:r>
+              <a:rPr lang="en-US" sz="1100" dirty="0"/>
+              <a:t>    global goal</a:t>
+            </a:r>
+          </a:p>
+          <a:p>
+            <a:r>
+              <a:rPr lang="en-US" sz="1100" dirty="0"/>
+              <a:t>    global grid</a:t>
+            </a:r>
+          </a:p>
+          <a:p>
+            <a:r>
+              <a:rPr lang="en-US" sz="1100" dirty="0"/>
+              <a:t>    global </a:t>
+            </a:r>
+            <a:r>
+              <a:rPr lang="en-US" sz="1100" dirty="0" err="1"/>
+              <a:t>pathfound</a:t>
+            </a:r>
+            <a:endParaRPr lang="en-US" sz="1100" dirty="0"/>
+          </a:p>
+          <a:p>
+            <a:r>
+              <a:rPr lang="en-US" sz="1100" dirty="0"/>
+              <a:t>    global distances</a:t>
+            </a:r>
+          </a:p>
+          <a:p>
+            <a:r>
+              <a:rPr lang="en-US" sz="1100" dirty="0"/>
+              <a:t>    distances[x][y]=k</a:t>
+            </a:r>
+          </a:p>
+          <a:p>
+            <a:r>
+              <a:rPr lang="en-US" sz="1100" dirty="0"/>
+              <a:t>    </a:t>
+            </a:r>
+            <a:r>
+              <a:rPr lang="en-US" sz="1100" dirty="0" err="1"/>
+              <a:t>totalchecks</a:t>
+            </a:r>
+            <a:r>
+              <a:rPr lang="en-US" sz="1100" dirty="0"/>
+              <a:t>+=1</a:t>
+            </a:r>
+          </a:p>
+          <a:p>
+            <a:r>
+              <a:rPr lang="en-US" sz="1100" dirty="0"/>
+              <a:t>    if(x==goal[0] and y==goal[1]):</a:t>
+            </a:r>
+          </a:p>
+          <a:p>
+            <a:r>
+              <a:rPr lang="en-US" sz="1100" dirty="0"/>
+              <a:t>        print('Goal reached')</a:t>
+            </a:r>
+          </a:p>
+          <a:p>
+            <a:r>
+              <a:rPr lang="en-US" sz="1100" dirty="0"/>
+              <a:t>        </a:t>
+            </a:r>
+            <a:r>
+              <a:rPr lang="en-US" sz="1100" dirty="0" err="1"/>
+              <a:t>pathfound</a:t>
+            </a:r>
+            <a:r>
+              <a:rPr lang="en-US" sz="1100" dirty="0"/>
+              <a:t>=True</a:t>
+            </a:r>
+          </a:p>
+          <a:p>
+            <a:r>
+              <a:rPr lang="en-US" sz="1100" dirty="0"/>
+              <a:t>        pass</a:t>
+            </a:r>
+          </a:p>
+          <a:p>
+            <a:r>
+              <a:rPr lang="en-US" sz="1100" dirty="0"/>
+              <a:t>    for </a:t>
+            </a:r>
+            <a:r>
+              <a:rPr lang="en-US" sz="1100" dirty="0" err="1"/>
+              <a:t>i</a:t>
+            </a:r>
+            <a:r>
+              <a:rPr lang="en-US" sz="1100" dirty="0"/>
+              <a:t> in range(</a:t>
+            </a:r>
+            <a:r>
+              <a:rPr lang="en-US" sz="1100" dirty="0" err="1"/>
+              <a:t>len</a:t>
+            </a:r>
+            <a:r>
+              <a:rPr lang="en-US" sz="1100" dirty="0"/>
+              <a:t>(moves)):</a:t>
+            </a:r>
+          </a:p>
+          <a:p>
+            <a:r>
+              <a:rPr lang="en-US" sz="1100" dirty="0"/>
+              <a:t>        </a:t>
+            </a:r>
+            <a:r>
+              <a:rPr lang="en-US" sz="1100" dirty="0" err="1"/>
+              <a:t>newx</a:t>
+            </a:r>
+            <a:r>
+              <a:rPr lang="en-US" sz="1100" dirty="0"/>
+              <a:t>=</a:t>
+            </a:r>
+            <a:r>
+              <a:rPr lang="en-US" sz="1100" dirty="0" err="1"/>
+              <a:t>x+moves</a:t>
+            </a:r>
+            <a:r>
+              <a:rPr lang="en-US" sz="1100" dirty="0"/>
+              <a:t>[</a:t>
+            </a:r>
+            <a:r>
+              <a:rPr lang="en-US" sz="1100" dirty="0" err="1"/>
+              <a:t>i</a:t>
+            </a:r>
+            <a:r>
+              <a:rPr lang="en-US" sz="1100" dirty="0"/>
+              <a:t>][0]</a:t>
+            </a:r>
+          </a:p>
+          <a:p>
+            <a:r>
+              <a:rPr lang="en-US" sz="1100" dirty="0"/>
+              <a:t>        </a:t>
+            </a:r>
+            <a:r>
+              <a:rPr lang="en-US" sz="1100" dirty="0" err="1"/>
+              <a:t>newy</a:t>
+            </a:r>
+            <a:r>
+              <a:rPr lang="en-US" sz="1100" dirty="0"/>
+              <a:t>=</a:t>
+            </a:r>
+            <a:r>
+              <a:rPr lang="en-US" sz="1100" dirty="0" err="1"/>
+              <a:t>y+moves</a:t>
+            </a:r>
+            <a:r>
+              <a:rPr lang="en-US" sz="1100" dirty="0"/>
+              <a:t>[</a:t>
+            </a:r>
+            <a:r>
+              <a:rPr lang="en-US" sz="1100" dirty="0" err="1"/>
+              <a:t>i</a:t>
+            </a:r>
+            <a:r>
+              <a:rPr lang="en-US" sz="1100" dirty="0"/>
+              <a:t>][1]</a:t>
+            </a:r>
+          </a:p>
+          <a:p>
+            <a:r>
+              <a:rPr lang="en-US" sz="1100" dirty="0"/>
+              <a:t>        if(</a:t>
+            </a:r>
+            <a:r>
+              <a:rPr lang="en-US" sz="1100" dirty="0" err="1"/>
+              <a:t>validposition</a:t>
+            </a:r>
+            <a:r>
+              <a:rPr lang="en-US" sz="1100" dirty="0"/>
+              <a:t>(</a:t>
+            </a:r>
+            <a:r>
+              <a:rPr lang="en-US" sz="1100" dirty="0" err="1"/>
+              <a:t>newx,newy</a:t>
+            </a:r>
+            <a:r>
+              <a:rPr lang="en-US" sz="1100" dirty="0"/>
+              <a:t>)):</a:t>
+            </a:r>
+          </a:p>
+          <a:p>
+            <a:r>
+              <a:rPr lang="en-US" sz="1100" dirty="0"/>
+              <a:t>            if(distances[</a:t>
+            </a:r>
+            <a:r>
+              <a:rPr lang="en-US" sz="1100" dirty="0" err="1"/>
+              <a:t>newx</a:t>
+            </a:r>
+            <a:r>
+              <a:rPr lang="en-US" sz="1100" dirty="0"/>
+              <a:t>][</a:t>
+            </a:r>
+            <a:r>
+              <a:rPr lang="en-US" sz="1100" dirty="0" err="1"/>
+              <a:t>newy</a:t>
+            </a:r>
+            <a:r>
+              <a:rPr lang="en-US" sz="1100" dirty="0"/>
+              <a:t>]==0 and grid[</a:t>
+            </a:r>
+            <a:r>
+              <a:rPr lang="en-US" sz="1100" dirty="0" err="1"/>
+              <a:t>newx</a:t>
+            </a:r>
+            <a:r>
+              <a:rPr lang="en-US" sz="1100" dirty="0"/>
+              <a:t>][</a:t>
+            </a:r>
+            <a:r>
+              <a:rPr lang="en-US" sz="1100" dirty="0" err="1"/>
+              <a:t>newy</a:t>
+            </a:r>
+            <a:r>
+              <a:rPr lang="en-US" sz="1100" dirty="0"/>
+              <a:t>]==0):</a:t>
+            </a:r>
+          </a:p>
+          <a:p>
+            <a:r>
+              <a:rPr lang="en-US" sz="1100" dirty="0"/>
+              <a:t>                print('pos=','(',</a:t>
+            </a:r>
+            <a:r>
+              <a:rPr lang="en-US" sz="1100" dirty="0" err="1"/>
+              <a:t>newx</a:t>
+            </a:r>
+            <a:r>
+              <a:rPr lang="en-US" sz="1100" dirty="0"/>
+              <a:t>,',',</a:t>
+            </a:r>
+            <a:r>
+              <a:rPr lang="en-US" sz="1100" dirty="0" err="1"/>
+              <a:t>newy</a:t>
+            </a:r>
+            <a:r>
+              <a:rPr lang="en-US" sz="1100" dirty="0"/>
+              <a:t>,')',' </a:t>
+            </a:r>
+            <a:r>
+              <a:rPr lang="en-US" sz="1100" dirty="0" err="1"/>
+              <a:t>val</a:t>
+            </a:r>
+            <a:r>
+              <a:rPr lang="en-US" sz="1100" dirty="0"/>
+              <a:t>=',distances[</a:t>
+            </a:r>
+            <a:r>
+              <a:rPr lang="en-US" sz="1100" dirty="0" err="1"/>
+              <a:t>newx</a:t>
+            </a:r>
+            <a:r>
+              <a:rPr lang="en-US" sz="1100" dirty="0"/>
+              <a:t>][</a:t>
+            </a:r>
+            <a:r>
+              <a:rPr lang="en-US" sz="1100" dirty="0" err="1"/>
+              <a:t>newy</a:t>
+            </a:r>
+            <a:r>
+              <a:rPr lang="en-US" sz="1100" dirty="0"/>
+              <a:t>],' k=',</a:t>
+            </a:r>
+            <a:r>
+              <a:rPr lang="en-US" sz="1100" dirty="0" err="1"/>
+              <a:t>k,sep</a:t>
+            </a:r>
+            <a:r>
+              <a:rPr lang="en-US" sz="1100" dirty="0"/>
+              <a:t>='')</a:t>
+            </a:r>
+          </a:p>
+          <a:p>
+            <a:r>
+              <a:rPr lang="en-US" sz="1100" dirty="0"/>
+              <a:t>                </a:t>
+            </a:r>
+            <a:r>
+              <a:rPr lang="en-US" sz="1100" dirty="0" err="1"/>
+              <a:t>dfs</a:t>
+            </a:r>
+            <a:r>
+              <a:rPr lang="en-US" sz="1100" dirty="0"/>
+              <a:t>(newx,newy,k+1)</a:t>
+            </a:r>
+          </a:p>
+          <a:p>
+            <a:r>
+              <a:rPr lang="en-US" sz="1100" dirty="0"/>
+              <a:t>    pass</a:t>
+            </a:r>
+          </a:p>
+          <a:p>
+            <a:r>
+              <a:rPr lang="en-US" sz="1100" dirty="0"/>
+              <a:t>def </a:t>
+            </a:r>
+            <a:r>
+              <a:rPr lang="en-US" sz="1100" dirty="0" err="1"/>
+              <a:t>bfs</a:t>
+            </a:r>
+            <a:r>
+              <a:rPr lang="en-US" sz="1100" dirty="0"/>
+              <a:t>(</a:t>
+            </a:r>
+            <a:r>
+              <a:rPr lang="en-US" sz="1100" dirty="0" err="1"/>
+              <a:t>x,y</a:t>
+            </a:r>
+            <a:r>
+              <a:rPr lang="en-US" sz="1100" dirty="0"/>
+              <a:t>):</a:t>
+            </a:r>
+          </a:p>
+          <a:p>
+            <a:r>
+              <a:rPr lang="en-US" sz="1100" dirty="0"/>
+              <a:t>    global </a:t>
+            </a:r>
+            <a:r>
+              <a:rPr lang="en-US" sz="1100" dirty="0" err="1"/>
+              <a:t>totalchecks</a:t>
+            </a:r>
+            <a:endParaRPr lang="en-US" sz="1100" dirty="0"/>
+          </a:p>
+          <a:p>
+            <a:r>
+              <a:rPr lang="en-US" sz="1100" dirty="0"/>
+              <a:t>    k=1</a:t>
+            </a:r>
+          </a:p>
+          <a:p>
+            <a:r>
+              <a:rPr lang="en-US" sz="1100" dirty="0"/>
+              <a:t>    distances[x][y]=1</a:t>
+            </a:r>
+          </a:p>
+          <a:p>
+            <a:r>
+              <a:rPr lang="en-US" sz="1100" dirty="0"/>
+              <a:t>    while(distances[goal[0]][goal[1]])==0 and k&lt;</a:t>
+            </a:r>
+            <a:r>
+              <a:rPr lang="en-US" sz="1100" dirty="0" err="1"/>
+              <a:t>len</a:t>
+            </a:r>
+            <a:r>
+              <a:rPr lang="en-US" sz="1100" dirty="0"/>
+              <a:t>(grid)**2:</a:t>
+            </a:r>
+          </a:p>
+          <a:p>
+            <a:r>
+              <a:rPr lang="en-US" sz="1100" dirty="0"/>
+              <a:t>        for </a:t>
+            </a:r>
+            <a:r>
+              <a:rPr lang="en-US" sz="1100" dirty="0" err="1"/>
+              <a:t>i</a:t>
+            </a:r>
+            <a:r>
+              <a:rPr lang="en-US" sz="1100" dirty="0"/>
+              <a:t> in range(</a:t>
+            </a:r>
+            <a:r>
+              <a:rPr lang="en-US" sz="1100" dirty="0" err="1"/>
+              <a:t>len</a:t>
+            </a:r>
+            <a:r>
+              <a:rPr lang="en-US" sz="1100" dirty="0"/>
+              <a:t>(grid)):</a:t>
+            </a:r>
+          </a:p>
+          <a:p>
+            <a:r>
+              <a:rPr lang="en-US" sz="1100" dirty="0"/>
+              <a:t>            for j in range(</a:t>
+            </a:r>
+            <a:r>
+              <a:rPr lang="en-US" sz="1100" dirty="0" err="1"/>
+              <a:t>len</a:t>
+            </a:r>
+            <a:r>
+              <a:rPr lang="en-US" sz="1100" dirty="0"/>
+              <a:t>(grid[0])):</a:t>
+            </a:r>
+          </a:p>
+          <a:p>
+            <a:r>
+              <a:rPr lang="en-US" sz="1100" dirty="0"/>
+              <a:t>                if(distances[</a:t>
+            </a:r>
+            <a:r>
+              <a:rPr lang="en-US" sz="1100" dirty="0" err="1"/>
+              <a:t>i</a:t>
+            </a:r>
+            <a:r>
+              <a:rPr lang="en-US" sz="1100" dirty="0"/>
+              <a:t>][j]==k):</a:t>
+            </a:r>
+          </a:p>
+          <a:p>
+            <a:r>
+              <a:rPr lang="en-US" sz="1100" dirty="0"/>
+              <a:t>                    </a:t>
+            </a:r>
+            <a:r>
+              <a:rPr lang="en-US" sz="1100" dirty="0" err="1"/>
+              <a:t>totalchecks</a:t>
+            </a:r>
+            <a:r>
+              <a:rPr lang="en-US" sz="1100" dirty="0"/>
+              <a:t>+=1</a:t>
+            </a:r>
+          </a:p>
+          <a:p>
+            <a:r>
+              <a:rPr lang="en-US" sz="1100" dirty="0"/>
+              <a:t>                    x=</a:t>
+            </a:r>
+            <a:r>
+              <a:rPr lang="en-US" sz="1100" dirty="0" err="1"/>
+              <a:t>i</a:t>
+            </a:r>
+            <a:endParaRPr lang="en-US" sz="1100" dirty="0"/>
+          </a:p>
+          <a:p>
+            <a:r>
+              <a:rPr lang="en-US" sz="1100" dirty="0"/>
+              <a:t>                    y=j</a:t>
+            </a:r>
+          </a:p>
+          <a:p>
+            <a:r>
+              <a:rPr lang="en-US" sz="1100" dirty="0"/>
+              <a:t>                    for m in range(</a:t>
+            </a:r>
+            <a:r>
+              <a:rPr lang="en-US" sz="1100" dirty="0" err="1"/>
+              <a:t>len</a:t>
+            </a:r>
+            <a:r>
+              <a:rPr lang="en-US" sz="1100" dirty="0"/>
+              <a:t>(moves)):</a:t>
+            </a:r>
+          </a:p>
+          <a:p>
+            <a:r>
+              <a:rPr lang="en-US" sz="1100" dirty="0"/>
+              <a:t>                        </a:t>
+            </a:r>
+            <a:r>
+              <a:rPr lang="en-US" sz="1100" dirty="0" err="1"/>
+              <a:t>newx</a:t>
+            </a:r>
+            <a:r>
+              <a:rPr lang="en-US" sz="1100" dirty="0"/>
+              <a:t>=</a:t>
+            </a:r>
+            <a:r>
+              <a:rPr lang="en-US" sz="1100" dirty="0" err="1"/>
+              <a:t>x+moves</a:t>
+            </a:r>
+            <a:r>
+              <a:rPr lang="en-US" sz="1100" dirty="0"/>
+              <a:t>[m][0]</a:t>
+            </a:r>
+          </a:p>
+          <a:p>
+            <a:r>
+              <a:rPr lang="en-US" sz="1100" dirty="0"/>
+              <a:t>                        </a:t>
+            </a:r>
+            <a:r>
+              <a:rPr lang="en-US" sz="1100" dirty="0" err="1"/>
+              <a:t>newy</a:t>
+            </a:r>
+            <a:r>
+              <a:rPr lang="en-US" sz="1100" dirty="0"/>
+              <a:t>=</a:t>
+            </a:r>
+            <a:r>
+              <a:rPr lang="en-US" sz="1100" dirty="0" err="1"/>
+              <a:t>y+moves</a:t>
+            </a:r>
+            <a:r>
+              <a:rPr lang="en-US" sz="1100" dirty="0"/>
+              <a:t>[m][1]</a:t>
+            </a:r>
+          </a:p>
+          <a:p>
+            <a:r>
+              <a:rPr lang="en-US" sz="1100" dirty="0"/>
+              <a:t>                        if(</a:t>
+            </a:r>
+            <a:r>
+              <a:rPr lang="en-US" sz="1100" dirty="0" err="1"/>
+              <a:t>validposition</a:t>
+            </a:r>
+            <a:r>
+              <a:rPr lang="en-US" sz="1100" dirty="0"/>
+              <a:t>(</a:t>
+            </a:r>
+            <a:r>
+              <a:rPr lang="en-US" sz="1100" dirty="0" err="1"/>
+              <a:t>newx,newy</a:t>
+            </a:r>
+            <a:r>
+              <a:rPr lang="en-US" sz="1100" dirty="0"/>
+              <a:t>)):</a:t>
+            </a:r>
+          </a:p>
+          <a:p>
+            <a:r>
+              <a:rPr lang="en-US" sz="1100" dirty="0"/>
+              <a:t>                            if(distances[</a:t>
+            </a:r>
+            <a:r>
+              <a:rPr lang="en-US" sz="1100" dirty="0" err="1"/>
+              <a:t>newx</a:t>
+            </a:r>
+            <a:r>
+              <a:rPr lang="en-US" sz="1100" dirty="0"/>
+              <a:t>][</a:t>
+            </a:r>
+            <a:r>
+              <a:rPr lang="en-US" sz="1100" dirty="0" err="1"/>
+              <a:t>newy</a:t>
+            </a:r>
+            <a:r>
+              <a:rPr lang="en-US" sz="1100" dirty="0"/>
+              <a:t>]==0 and grid[</a:t>
+            </a:r>
+            <a:r>
+              <a:rPr lang="en-US" sz="1100" dirty="0" err="1"/>
+              <a:t>newx</a:t>
+            </a:r>
+            <a:r>
+              <a:rPr lang="en-US" sz="1100" dirty="0"/>
+              <a:t>][</a:t>
+            </a:r>
+            <a:r>
+              <a:rPr lang="en-US" sz="1100" dirty="0" err="1"/>
+              <a:t>newy</a:t>
+            </a:r>
+            <a:r>
+              <a:rPr lang="en-US" sz="1100" dirty="0"/>
+              <a:t>]==0):</a:t>
+            </a:r>
+          </a:p>
+          <a:p>
+            <a:r>
+              <a:rPr lang="en-US" sz="1100" dirty="0"/>
+              <a:t>                                distances[</a:t>
+            </a:r>
+            <a:r>
+              <a:rPr lang="en-US" sz="1100" dirty="0" err="1"/>
+              <a:t>newx</a:t>
+            </a:r>
+            <a:r>
+              <a:rPr lang="en-US" sz="1100" dirty="0"/>
+              <a:t>][</a:t>
+            </a:r>
+            <a:r>
+              <a:rPr lang="en-US" sz="1100" dirty="0" err="1"/>
+              <a:t>newy</a:t>
+            </a:r>
+            <a:r>
+              <a:rPr lang="en-US" sz="1100" dirty="0"/>
+              <a:t>]=k+1</a:t>
+            </a:r>
+          </a:p>
+          <a:p>
+            <a:r>
+              <a:rPr lang="en-US" sz="1100" dirty="0"/>
+              <a:t>        print(k) </a:t>
+            </a:r>
+          </a:p>
+          <a:p>
+            <a:r>
+              <a:rPr lang="en-US" sz="1100" dirty="0"/>
+              <a:t>        k+=1</a:t>
+            </a:r>
           </a:p>
         </p:txBody>
       </p:sp>
     </p:spTree>
     <p:extLst>
       <p:ext uri="{BB962C8B-B14F-4D97-AF65-F5344CB8AC3E}">
-        <p14:creationId xmlns:p14="http://schemas.microsoft.com/office/powerpoint/2010/main" val="2545912827"/>
+        <p14:creationId xmlns:p14="http://schemas.microsoft.com/office/powerpoint/2010/main" val="3589932297"/>
       </p:ext>
     </p:extLst>
   </p:cSld>
@@ -20182,64 +22996,40 @@
           <a:chExt cx="0" cy="0"/>
         </a:xfrm>
       </p:grpSpPr>
-      <p:sp>
-        <p:nvSpPr>
-          <p:cNvPr id="2" name="Title 1">
+      <p:pic>
+        <p:nvPicPr>
+          <p:cNvPr id="3" name="Picture 2" descr="Chart&#10;&#10;Description automatically generated">
             <a:extLst>
               <a:ext uri="{FF2B5EF4-FFF2-40B4-BE49-F238E27FC236}">
-                <a16:creationId xmlns:a16="http://schemas.microsoft.com/office/drawing/2014/main" id="{BC476501-9C8D-8E4B-BFEE-C0649C5852E9}"/>
+                <a16:creationId xmlns:a16="http://schemas.microsoft.com/office/drawing/2014/main" id="{48EA6349-8B04-E949-AE41-F83C9AF02FD9}"/>
               </a:ext>
             </a:extLst>
           </p:cNvPr>
-          <p:cNvSpPr>
-            <a:spLocks noGrp="1"/>
-          </p:cNvSpPr>
-          <p:nvPr>
-            <p:ph type="title"/>
-          </p:nvPr>
-        </p:nvSpPr>
-        <p:spPr/>
-        <p:txBody>
-          <a:bodyPr/>
-          <a:lstStyle/>
-          <a:p>
-            <a:r>
-              <a:rPr lang="en-US"/>
-              <a:t>Search Map</a:t>
-            </a:r>
-            <a:endParaRPr lang="en-US" dirty="0"/>
-          </a:p>
-        </p:txBody>
-      </p:sp>
-      <p:sp>
-        <p:nvSpPr>
-          <p:cNvPr id="3" name="Content Placeholder 2">
-            <a:extLst>
-              <a:ext uri="{FF2B5EF4-FFF2-40B4-BE49-F238E27FC236}">
-                <a16:creationId xmlns:a16="http://schemas.microsoft.com/office/drawing/2014/main" id="{E7755EBA-FB61-8B4B-A58A-8A4F9D7F9967}"/>
-              </a:ext>
-            </a:extLst>
-          </p:cNvPr>
-          <p:cNvSpPr>
-            <a:spLocks noGrp="1"/>
-          </p:cNvSpPr>
-          <p:nvPr>
-            <p:ph idx="1"/>
-          </p:nvPr>
-        </p:nvSpPr>
-        <p:spPr/>
-        <p:txBody>
-          <a:bodyPr/>
-          <a:lstStyle/>
-          <a:p>
-            <a:endParaRPr lang="en-US" dirty="0"/>
-          </a:p>
-        </p:txBody>
-      </p:sp>
+          <p:cNvPicPr>
+            <a:picLocks noChangeAspect="1"/>
+          </p:cNvPicPr>
+          <p:nvPr/>
+        </p:nvPicPr>
+        <p:blipFill>
+          <a:blip r:embed="rId2"/>
+          <a:stretch>
+            <a:fillRect/>
+          </a:stretch>
+        </p:blipFill>
+        <p:spPr>
+          <a:xfrm>
+            <a:off x="1071563" y="0"/>
+            <a:ext cx="9458324" cy="6832344"/>
+          </a:xfrm>
+          <a:prstGeom prst="rect">
+            <a:avLst/>
+          </a:prstGeom>
+        </p:spPr>
+      </p:pic>
     </p:spTree>
     <p:extLst>
       <p:ext uri="{BB962C8B-B14F-4D97-AF65-F5344CB8AC3E}">
-        <p14:creationId xmlns:p14="http://schemas.microsoft.com/office/powerpoint/2010/main" val="3696571748"/>
+        <p14:creationId xmlns:p14="http://schemas.microsoft.com/office/powerpoint/2010/main" val="2545912827"/>
       </p:ext>
     </p:extLst>
   </p:cSld>
@@ -20266,65 +23056,40 @@
           <a:chExt cx="0" cy="0"/>
         </a:xfrm>
       </p:grpSpPr>
-      <p:sp>
-        <p:nvSpPr>
-          <p:cNvPr id="2" name="Title 1">
+      <p:pic>
+        <p:nvPicPr>
+          <p:cNvPr id="4" name="Picture 3" descr="Chart&#10;&#10;Description automatically generated">
             <a:extLst>
               <a:ext uri="{FF2B5EF4-FFF2-40B4-BE49-F238E27FC236}">
-                <a16:creationId xmlns:a16="http://schemas.microsoft.com/office/drawing/2014/main" id="{C7697DC9-E399-F845-BF0A-302423A85A4C}"/>
+                <a16:creationId xmlns:a16="http://schemas.microsoft.com/office/drawing/2014/main" id="{251F26DD-F4E8-A346-A244-32606C864F39}"/>
               </a:ext>
             </a:extLst>
           </p:cNvPr>
-          <p:cNvSpPr>
-            <a:spLocks noGrp="1"/>
-          </p:cNvSpPr>
-          <p:nvPr>
-            <p:ph type="title"/>
-          </p:nvPr>
-        </p:nvSpPr>
-        <p:spPr/>
-        <p:txBody>
-          <a:bodyPr>
-            <a:normAutofit/>
-          </a:bodyPr>
-          <a:lstStyle/>
-          <a:p>
-            <a:r>
-              <a:rPr lang="en-US" dirty="0"/>
-              <a:t>Search Tree</a:t>
-            </a:r>
-          </a:p>
-        </p:txBody>
-      </p:sp>
-      <p:sp>
-        <p:nvSpPr>
-          <p:cNvPr id="3" name="Content Placeholder 2">
-            <a:extLst>
-              <a:ext uri="{FF2B5EF4-FFF2-40B4-BE49-F238E27FC236}">
-                <a16:creationId xmlns:a16="http://schemas.microsoft.com/office/drawing/2014/main" id="{4631FF30-A712-D144-BCA2-144EBF652F5E}"/>
-              </a:ext>
-            </a:extLst>
-          </p:cNvPr>
-          <p:cNvSpPr>
-            <a:spLocks noGrp="1"/>
-          </p:cNvSpPr>
-          <p:nvPr>
-            <p:ph idx="1"/>
-          </p:nvPr>
-        </p:nvSpPr>
-        <p:spPr/>
-        <p:txBody>
-          <a:bodyPr/>
-          <a:lstStyle/>
-          <a:p>
-            <a:endParaRPr lang="en-US"/>
-          </a:p>
-        </p:txBody>
-      </p:sp>
+          <p:cNvPicPr>
+            <a:picLocks noChangeAspect="1"/>
+          </p:cNvPicPr>
+          <p:nvPr/>
+        </p:nvPicPr>
+        <p:blipFill>
+          <a:blip r:embed="rId2"/>
+          <a:stretch>
+            <a:fillRect/>
+          </a:stretch>
+        </p:blipFill>
+        <p:spPr>
+          <a:xfrm>
+            <a:off x="1540871" y="0"/>
+            <a:ext cx="9110258" cy="6858000"/>
+          </a:xfrm>
+          <a:prstGeom prst="rect">
+            <a:avLst/>
+          </a:prstGeom>
+        </p:spPr>
+      </p:pic>
     </p:spTree>
     <p:extLst>
       <p:ext uri="{BB962C8B-B14F-4D97-AF65-F5344CB8AC3E}">
-        <p14:creationId xmlns:p14="http://schemas.microsoft.com/office/powerpoint/2010/main" val="813614354"/>
+        <p14:creationId xmlns:p14="http://schemas.microsoft.com/office/powerpoint/2010/main" val="972365167"/>
       </p:ext>
     </p:extLst>
   </p:cSld>
@@ -20337,14 +23102,6 @@
 <file path=ppt/slides/slide8.xml><?xml version="1.0" encoding="utf-8"?>
 <p:sld xmlns:a="http://schemas.openxmlformats.org/drawingml/2006/main" xmlns:r="http://schemas.openxmlformats.org/officeDocument/2006/relationships" xmlns:p="http://schemas.openxmlformats.org/presentationml/2006/main">
   <p:cSld>
-    <p:bg>
-      <p:bgPr>
-        <a:solidFill>
-          <a:schemeClr val="bg1"/>
-        </a:solidFill>
-        <a:effectLst/>
-      </p:bgPr>
-    </p:bg>
     <p:spTree>
       <p:nvGrpSpPr>
         <p:cNvPr id="1" name=""/>
@@ -20359,330 +23116,40 @@
           <a:chExt cx="0" cy="0"/>
         </a:xfrm>
       </p:grpSpPr>
-      <p:sp useBgFill="1">
-        <p:nvSpPr>
-          <p:cNvPr id="9" name="Rectangle 8">
+      <p:pic>
+        <p:nvPicPr>
+          <p:cNvPr id="4" name="Picture 3" descr="A picture containing chart&#10;&#10;Description automatically generated">
             <a:extLst>
               <a:ext uri="{FF2B5EF4-FFF2-40B4-BE49-F238E27FC236}">
-                <a16:creationId xmlns:a16="http://schemas.microsoft.com/office/drawing/2014/main" id="{53B021B3-DE93-4AB7-8A18-CF5F1CED88B8}"/>
-              </a:ext>
-              <a:ext uri="{C183D7F6-B498-43B3-948B-1728B52AA6E4}">
-                <adec:decorative xmlns:adec="http://schemas.microsoft.com/office/drawing/2017/decorative" val="1"/>
+                <a16:creationId xmlns:a16="http://schemas.microsoft.com/office/drawing/2014/main" id="{3F2F9D51-D63A-AA41-9AA0-8C3EFE52A2A4}"/>
               </a:ext>
             </a:extLst>
           </p:cNvPr>
-          <p:cNvSpPr>
-            <a:spLocks noGrp="1" noRot="1" noChangeAspect="1" noMove="1" noResize="1" noEditPoints="1" noAdjustHandles="1" noChangeArrowheads="1" noChangeShapeType="1" noTextEdit="1"/>
-          </p:cNvSpPr>
-          <p:nvPr>
-            <p:extLst>
-              <p:ext uri="{386F3935-93C4-4BCD-93E2-E3B085C9AB24}">
-                <p16:designElem xmlns:p16="http://schemas.microsoft.com/office/powerpoint/2015/main" val="1"/>
-              </p:ext>
-            </p:extLst>
-          </p:nvPr>
-        </p:nvSpPr>
+          <p:cNvPicPr>
+            <a:picLocks noChangeAspect="1"/>
+          </p:cNvPicPr>
+          <p:nvPr/>
+        </p:nvPicPr>
+        <p:blipFill>
+          <a:blip r:embed="rId2"/>
+          <a:stretch>
+            <a:fillRect/>
+          </a:stretch>
+        </p:blipFill>
         <p:spPr>
           <a:xfrm>
-            <a:off x="0" y="0"/>
-            <a:ext cx="12192000" cy="6858000"/>
+            <a:off x="0" y="228011"/>
+            <a:ext cx="12192000" cy="6401977"/>
           </a:xfrm>
           <a:prstGeom prst="rect">
             <a:avLst/>
           </a:prstGeom>
-          <a:ln>
-            <a:noFill/>
-          </a:ln>
         </p:spPr>
-        <p:style>
-          <a:lnRef idx="2">
-            <a:schemeClr val="accent1">
-              <a:shade val="50000"/>
-            </a:schemeClr>
-          </a:lnRef>
-          <a:fillRef idx="1">
-            <a:schemeClr val="accent1"/>
-          </a:fillRef>
-          <a:effectRef idx="0">
-            <a:schemeClr val="accent1"/>
-          </a:effectRef>
-          <a:fontRef idx="minor">
-            <a:schemeClr val="lt1"/>
-          </a:fontRef>
-        </p:style>
-        <p:txBody>
-          <a:bodyPr rtlCol="0" anchor="ctr"/>
-          <a:lstStyle/>
-          <a:p>
-            <a:pPr algn="ctr"/>
-            <a:endParaRPr lang="en-US"/>
-          </a:p>
-        </p:txBody>
-      </p:sp>
-      <p:sp>
-        <p:nvSpPr>
-          <p:cNvPr id="2" name="Title 1">
-            <a:extLst>
-              <a:ext uri="{FF2B5EF4-FFF2-40B4-BE49-F238E27FC236}">
-                <a16:creationId xmlns:a16="http://schemas.microsoft.com/office/drawing/2014/main" id="{E01BF148-3D65-544C-B21D-A2A904B3B9DB}"/>
-              </a:ext>
-            </a:extLst>
-          </p:cNvPr>
-          <p:cNvSpPr>
-            <a:spLocks noGrp="1"/>
-          </p:cNvSpPr>
-          <p:nvPr>
-            <p:ph type="title"/>
-          </p:nvPr>
-        </p:nvSpPr>
-        <p:spPr>
-          <a:xfrm>
-            <a:off x="841248" y="256032"/>
-            <a:ext cx="10506456" cy="1014984"/>
-          </a:xfrm>
-        </p:spPr>
-        <p:txBody>
-          <a:bodyPr anchor="b">
-            <a:normAutofit/>
-          </a:bodyPr>
-          <a:lstStyle/>
-          <a:p>
-            <a:r>
-              <a:rPr lang="en-US" dirty="0"/>
-              <a:t>A* Search Method	</a:t>
-            </a:r>
-          </a:p>
-        </p:txBody>
-      </p:sp>
-      <p:sp>
-        <p:nvSpPr>
-          <p:cNvPr id="11" name="Rectangle 10">
-            <a:extLst>
-              <a:ext uri="{FF2B5EF4-FFF2-40B4-BE49-F238E27FC236}">
-                <a16:creationId xmlns:a16="http://schemas.microsoft.com/office/drawing/2014/main" id="{52D502E5-F6B4-4D58-B4AE-FC466FF15EE8}"/>
-              </a:ext>
-              <a:ext uri="{C183D7F6-B498-43B3-948B-1728B52AA6E4}">
-                <adec:decorative xmlns:adec="http://schemas.microsoft.com/office/drawing/2017/decorative" val="1"/>
-              </a:ext>
-            </a:extLst>
-          </p:cNvPr>
-          <p:cNvSpPr>
-            <a:spLocks noGrp="1" noRot="1" noChangeAspect="1" noMove="1" noResize="1" noEditPoints="1" noAdjustHandles="1" noChangeArrowheads="1" noChangeShapeType="1" noTextEdit="1"/>
-          </p:cNvSpPr>
-          <p:nvPr>
-            <p:extLst>
-              <p:ext uri="{386F3935-93C4-4BCD-93E2-E3B085C9AB24}">
-                <p16:designElem xmlns:p16="http://schemas.microsoft.com/office/powerpoint/2015/main" val="1"/>
-              </p:ext>
-            </p:extLst>
-          </p:nvPr>
-        </p:nvSpPr>
-        <p:spPr>
-          <a:xfrm>
-            <a:off x="865953" y="1634502"/>
-            <a:ext cx="10451592" cy="9144"/>
-          </a:xfrm>
-          <a:prstGeom prst="rect">
-            <a:avLst/>
-          </a:prstGeom>
-          <a:solidFill>
-            <a:schemeClr val="tx1">
-              <a:lumMod val="65000"/>
-              <a:lumOff val="35000"/>
-              <a:alpha val="30000"/>
-            </a:schemeClr>
-          </a:solidFill>
-          <a:ln w="9525">
-            <a:solidFill>
-              <a:schemeClr val="tx1">
-                <a:lumMod val="65000"/>
-                <a:lumOff val="35000"/>
-                <a:alpha val="30000"/>
-              </a:schemeClr>
-            </a:solidFill>
-          </a:ln>
-        </p:spPr>
-        <p:style>
-          <a:lnRef idx="2">
-            <a:schemeClr val="accent1">
-              <a:shade val="50000"/>
-            </a:schemeClr>
-          </a:lnRef>
-          <a:fillRef idx="1">
-            <a:schemeClr val="accent1"/>
-          </a:fillRef>
-          <a:effectRef idx="0">
-            <a:schemeClr val="accent1"/>
-          </a:effectRef>
-          <a:fontRef idx="minor">
-            <a:schemeClr val="lt1"/>
-          </a:fontRef>
-        </p:style>
-        <p:txBody>
-          <a:bodyPr rtlCol="0" anchor="ctr"/>
-          <a:lstStyle/>
-          <a:p>
-            <a:pPr marL="0" marR="0" lvl="0" indent="0" algn="ctr" defTabSz="914400" rtl="0" eaLnBrk="1" fontAlgn="auto" latinLnBrk="0" hangingPunct="1">
-              <a:lnSpc>
-                <a:spcPct val="100000"/>
-              </a:lnSpc>
-              <a:spcBef>
-                <a:spcPts val="0"/>
-              </a:spcBef>
-              <a:spcAft>
-                <a:spcPts val="0"/>
-              </a:spcAft>
-              <a:buClrTx/>
-              <a:buSzTx/>
-              <a:buFontTx/>
-              <a:buNone/>
-              <a:tabLst/>
-              <a:defRPr/>
-            </a:pPr>
-            <a:endParaRPr kumimoji="0" lang="en-US" sz="1800" b="0" i="0" u="none" strike="noStrike" kern="1200" cap="none" spc="0" normalizeH="0" baseline="0" noProof="0">
-              <a:ln>
-                <a:noFill/>
-              </a:ln>
-              <a:solidFill>
-                <a:prstClr val="white"/>
-              </a:solidFill>
-              <a:effectLst/>
-              <a:uLnTx/>
-              <a:uFillTx/>
-              <a:latin typeface="Calibri" panose="020F0502020204030204"/>
-              <a:ea typeface="+mn-ea"/>
-              <a:cs typeface="+mn-cs"/>
-            </a:endParaRPr>
-          </a:p>
-        </p:txBody>
-      </p:sp>
-      <p:sp>
-        <p:nvSpPr>
-          <p:cNvPr id="13" name="Rectangle 12">
-            <a:extLst>
-              <a:ext uri="{FF2B5EF4-FFF2-40B4-BE49-F238E27FC236}">
-                <a16:creationId xmlns:a16="http://schemas.microsoft.com/office/drawing/2014/main" id="{9DECDBF4-02B6-4BB4-B65B-B8107AD6A9E8}"/>
-              </a:ext>
-              <a:ext uri="{C183D7F6-B498-43B3-948B-1728B52AA6E4}">
-                <adec:decorative xmlns:adec="http://schemas.microsoft.com/office/drawing/2017/decorative" val="1"/>
-              </a:ext>
-            </a:extLst>
-          </p:cNvPr>
-          <p:cNvSpPr>
-            <a:spLocks noGrp="1" noRot="1" noChangeAspect="1" noMove="1" noResize="1" noEditPoints="1" noAdjustHandles="1" noChangeArrowheads="1" noChangeShapeType="1" noTextEdit="1"/>
-          </p:cNvSpPr>
-          <p:nvPr>
-            <p:extLst>
-              <p:ext uri="{386F3935-93C4-4BCD-93E2-E3B085C9AB24}">
-                <p16:designElem xmlns:p16="http://schemas.microsoft.com/office/powerpoint/2015/main" val="1"/>
-              </p:ext>
-            </p:extLst>
-          </p:nvPr>
-        </p:nvSpPr>
-        <p:spPr>
-          <a:xfrm flipV="1">
-            <a:off x="841248" y="1538176"/>
-            <a:ext cx="1873457" cy="109814"/>
-          </a:xfrm>
-          <a:prstGeom prst="rect">
-            <a:avLst/>
-          </a:prstGeom>
-          <a:solidFill>
-            <a:schemeClr val="accent1"/>
-          </a:solidFill>
-          <a:ln>
-            <a:noFill/>
-          </a:ln>
-        </p:spPr>
-        <p:style>
-          <a:lnRef idx="2">
-            <a:schemeClr val="accent1">
-              <a:shade val="50000"/>
-            </a:schemeClr>
-          </a:lnRef>
-          <a:fillRef idx="1">
-            <a:schemeClr val="accent1"/>
-          </a:fillRef>
-          <a:effectRef idx="0">
-            <a:schemeClr val="accent1"/>
-          </a:effectRef>
-          <a:fontRef idx="minor">
-            <a:schemeClr val="lt1"/>
-          </a:fontRef>
-        </p:style>
-        <p:txBody>
-          <a:bodyPr rtlCol="0" anchor="ctr"/>
-          <a:lstStyle/>
-          <a:p>
-            <a:pPr marL="0" marR="0" lvl="0" indent="0" algn="ctr" defTabSz="914400" rtl="0" eaLnBrk="1" fontAlgn="auto" latinLnBrk="0" hangingPunct="1">
-              <a:lnSpc>
-                <a:spcPct val="100000"/>
-              </a:lnSpc>
-              <a:spcBef>
-                <a:spcPts val="0"/>
-              </a:spcBef>
-              <a:spcAft>
-                <a:spcPts val="0"/>
-              </a:spcAft>
-              <a:buClrTx/>
-              <a:buSzTx/>
-              <a:buFontTx/>
-              <a:buNone/>
-              <a:tabLst/>
-              <a:defRPr/>
-            </a:pPr>
-            <a:endParaRPr kumimoji="0" lang="en-US" sz="1800" b="0" i="0" u="none" strike="noStrike" kern="1200" cap="none" spc="0" normalizeH="0" baseline="0" noProof="0">
-              <a:ln>
-                <a:noFill/>
-              </a:ln>
-              <a:solidFill>
-                <a:prstClr val="white"/>
-              </a:solidFill>
-              <a:effectLst/>
-              <a:uLnTx/>
-              <a:uFillTx/>
-              <a:latin typeface="Calibri" panose="020F0502020204030204"/>
-              <a:ea typeface="+mn-ea"/>
-              <a:cs typeface="+mn-cs"/>
-            </a:endParaRPr>
-          </a:p>
-        </p:txBody>
-      </p:sp>
-      <p:graphicFrame>
-        <p:nvGraphicFramePr>
-          <p:cNvPr id="5" name="Content Placeholder 2">
-            <a:extLst>
-              <a:ext uri="{FF2B5EF4-FFF2-40B4-BE49-F238E27FC236}">
-                <a16:creationId xmlns:a16="http://schemas.microsoft.com/office/drawing/2014/main" id="{2F724519-B8F7-481E-A8B3-79E845B085C3}"/>
-              </a:ext>
-            </a:extLst>
-          </p:cNvPr>
-          <p:cNvGraphicFramePr>
-            <a:graphicFrameLocks noGrp="1"/>
-          </p:cNvGraphicFramePr>
-          <p:nvPr>
-            <p:ph idx="1"/>
-            <p:extLst>
-              <p:ext uri="{D42A27DB-BD31-4B8C-83A1-F6EECF244321}">
-                <p14:modId xmlns:p14="http://schemas.microsoft.com/office/powerpoint/2010/main" val="3099499565"/>
-              </p:ext>
-            </p:extLst>
-          </p:nvPr>
-        </p:nvGraphicFramePr>
-        <p:xfrm>
-          <a:off x="467498" y="1655746"/>
-          <a:ext cx="11518556" cy="4357524"/>
-        </p:xfrm>
-        <a:graphic>
-          <a:graphicData uri="http://schemas.openxmlformats.org/drawingml/2006/diagram">
-            <dgm:relIds xmlns:dgm="http://schemas.openxmlformats.org/drawingml/2006/diagram" xmlns:r="http://schemas.openxmlformats.org/officeDocument/2006/relationships" r:dm="rId2" r:lo="rId3" r:qs="rId4" r:cs="rId5"/>
-          </a:graphicData>
-        </a:graphic>
-      </p:graphicFrame>
+      </p:pic>
     </p:spTree>
     <p:extLst>
       <p:ext uri="{BB962C8B-B14F-4D97-AF65-F5344CB8AC3E}">
-        <p14:creationId xmlns:p14="http://schemas.microsoft.com/office/powerpoint/2010/main" val="136703411"/>
+        <p14:creationId xmlns:p14="http://schemas.microsoft.com/office/powerpoint/2010/main" val="189591926"/>
       </p:ext>
     </p:extLst>
   </p:cSld>
@@ -20695,14 +23162,6 @@
 <file path=ppt/slides/slide9.xml><?xml version="1.0" encoding="utf-8"?>
 <p:sld xmlns:a="http://schemas.openxmlformats.org/drawingml/2006/main" xmlns:r="http://schemas.openxmlformats.org/officeDocument/2006/relationships" xmlns:p="http://schemas.openxmlformats.org/presentationml/2006/main">
   <p:cSld>
-    <p:bg>
-      <p:bgPr>
-        <a:solidFill>
-          <a:schemeClr val="bg1"/>
-        </a:solidFill>
-        <a:effectLst/>
-      </p:bgPr>
-    </p:bg>
     <p:spTree>
       <p:nvGrpSpPr>
         <p:cNvPr id="1" name=""/>
@@ -20717,397 +23176,40 @@
           <a:chExt cx="0" cy="0"/>
         </a:xfrm>
       </p:grpSpPr>
-      <p:sp useBgFill="1">
-        <p:nvSpPr>
-          <p:cNvPr id="22" name="Rectangle 21">
+      <p:pic>
+        <p:nvPicPr>
+          <p:cNvPr id="4" name="Picture 3" descr="A picture containing chart&#10;&#10;Description automatically generated">
             <a:extLst>
               <a:ext uri="{FF2B5EF4-FFF2-40B4-BE49-F238E27FC236}">
-                <a16:creationId xmlns:a16="http://schemas.microsoft.com/office/drawing/2014/main" id="{CBB2B1F0-0DD6-4744-9A46-7A344FB48E40}"/>
-              </a:ext>
-              <a:ext uri="{C183D7F6-B498-43B3-948B-1728B52AA6E4}">
-                <adec:decorative xmlns:adec="http://schemas.microsoft.com/office/drawing/2017/decorative" val="1"/>
+                <a16:creationId xmlns:a16="http://schemas.microsoft.com/office/drawing/2014/main" id="{C5279CBF-2DA2-7A44-B308-7EA173BCEA23}"/>
               </a:ext>
             </a:extLst>
           </p:cNvPr>
-          <p:cNvSpPr>
-            <a:spLocks noGrp="1" noRot="1" noChangeAspect="1" noMove="1" noResize="1" noEditPoints="1" noAdjustHandles="1" noChangeArrowheads="1" noChangeShapeType="1" noTextEdit="1"/>
-          </p:cNvSpPr>
-          <p:nvPr>
-            <p:extLst>
-              <p:ext uri="{386F3935-93C4-4BCD-93E2-E3B085C9AB24}">
-                <p16:designElem xmlns:p16="http://schemas.microsoft.com/office/powerpoint/2015/main" val="1"/>
-              </p:ext>
-            </p:extLst>
-          </p:nvPr>
-        </p:nvSpPr>
+          <p:cNvPicPr>
+            <a:picLocks noChangeAspect="1"/>
+          </p:cNvPicPr>
+          <p:nvPr/>
+        </p:nvPicPr>
+        <p:blipFill>
+          <a:blip r:embed="rId2"/>
+          <a:stretch>
+            <a:fillRect/>
+          </a:stretch>
+        </p:blipFill>
         <p:spPr>
           <a:xfrm>
-            <a:off x="0" y="0"/>
-            <a:ext cx="12192000" cy="6858000"/>
-          </a:xfrm>
-          <a:prstGeom prst="rect">
-            <a:avLst/>
-          </a:prstGeom>
-          <a:ln>
-            <a:noFill/>
-          </a:ln>
-        </p:spPr>
-        <p:style>
-          <a:lnRef idx="2">
-            <a:schemeClr val="accent1">
-              <a:shade val="50000"/>
-            </a:schemeClr>
-          </a:lnRef>
-          <a:fillRef idx="1">
-            <a:schemeClr val="accent1"/>
-          </a:fillRef>
-          <a:effectRef idx="0">
-            <a:schemeClr val="accent1"/>
-          </a:effectRef>
-          <a:fontRef idx="minor">
-            <a:schemeClr val="lt1"/>
-          </a:fontRef>
-        </p:style>
-        <p:txBody>
-          <a:bodyPr rtlCol="0" anchor="ctr"/>
-          <a:lstStyle/>
-          <a:p>
-            <a:pPr algn="ctr"/>
-            <a:endParaRPr lang="en-US"/>
-          </a:p>
-        </p:txBody>
-      </p:sp>
-      <p:sp>
-        <p:nvSpPr>
-          <p:cNvPr id="2" name="Title 1">
-            <a:extLst>
-              <a:ext uri="{FF2B5EF4-FFF2-40B4-BE49-F238E27FC236}">
-                <a16:creationId xmlns:a16="http://schemas.microsoft.com/office/drawing/2014/main" id="{5C855A3D-17C0-9C4A-B1BC-ECD427F99A93}"/>
-              </a:ext>
-            </a:extLst>
-          </p:cNvPr>
-          <p:cNvSpPr>
-            <a:spLocks noGrp="1"/>
-          </p:cNvSpPr>
-          <p:nvPr>
-            <p:ph type="title"/>
-          </p:nvPr>
-        </p:nvSpPr>
-        <p:spPr>
-          <a:xfrm>
-            <a:off x="841248" y="426720"/>
-            <a:ext cx="10506456" cy="1919141"/>
-          </a:xfrm>
-        </p:spPr>
-        <p:txBody>
-          <a:bodyPr vert="horz" lIns="91440" tIns="45720" rIns="91440" bIns="45720" rtlCol="0" anchor="b">
-            <a:normAutofit/>
-          </a:bodyPr>
-          <a:lstStyle/>
-          <a:p>
-            <a:r>
-              <a:rPr lang="en-US" sz="6000" dirty="0"/>
-              <a:t>A* Continued…</a:t>
-            </a:r>
-          </a:p>
-        </p:txBody>
-      </p:sp>
-      <p:sp>
-        <p:nvSpPr>
-          <p:cNvPr id="24" name="Rectangle 23">
-            <a:extLst>
-              <a:ext uri="{FF2B5EF4-FFF2-40B4-BE49-F238E27FC236}">
-                <a16:creationId xmlns:a16="http://schemas.microsoft.com/office/drawing/2014/main" id="{7A0B5DEA-ADF6-4BA5-9307-147F0A4685A0}"/>
-              </a:ext>
-              <a:ext uri="{C183D7F6-B498-43B3-948B-1728B52AA6E4}">
-                <adec:decorative xmlns:adec="http://schemas.microsoft.com/office/drawing/2017/decorative" val="1"/>
-              </a:ext>
-            </a:extLst>
-          </p:cNvPr>
-          <p:cNvSpPr>
-            <a:spLocks noGrp="1" noRot="1" noChangeAspect="1" noMove="1" noResize="1" noEditPoints="1" noAdjustHandles="1" noChangeArrowheads="1" noChangeShapeType="1" noTextEdit="1"/>
-          </p:cNvSpPr>
-          <p:nvPr>
-            <p:extLst>
-              <p:ext uri="{386F3935-93C4-4BCD-93E2-E3B085C9AB24}">
-                <p16:designElem xmlns:p16="http://schemas.microsoft.com/office/powerpoint/2015/main" val="1"/>
-              </p:ext>
-            </p:extLst>
-          </p:nvPr>
-        </p:nvSpPr>
-        <p:spPr>
-          <a:xfrm>
-            <a:off x="868680" y="2898648"/>
-            <a:ext cx="10506456" cy="18288"/>
-          </a:xfrm>
-          <a:prstGeom prst="rect">
-            <a:avLst/>
-          </a:prstGeom>
-          <a:solidFill>
-            <a:schemeClr val="tx2">
-              <a:lumMod val="25000"/>
-              <a:lumOff val="75000"/>
-            </a:schemeClr>
-          </a:solidFill>
-          <a:ln w="3175">
-            <a:noFill/>
-          </a:ln>
-          <a:effectLst/>
-        </p:spPr>
-        <p:style>
-          <a:lnRef idx="2">
-            <a:schemeClr val="accent1">
-              <a:shade val="50000"/>
-            </a:schemeClr>
-          </a:lnRef>
-          <a:fillRef idx="1">
-            <a:schemeClr val="accent1"/>
-          </a:fillRef>
-          <a:effectRef idx="0">
-            <a:schemeClr val="accent1"/>
-          </a:effectRef>
-          <a:fontRef idx="minor">
-            <a:schemeClr val="lt1"/>
-          </a:fontRef>
-        </p:style>
-        <p:txBody>
-          <a:bodyPr rtlCol="0" anchor="ctr"/>
-          <a:lstStyle/>
-          <a:p>
-            <a:pPr marL="0" marR="0" lvl="0" indent="0" algn="ctr" defTabSz="914400" rtl="0" eaLnBrk="1" fontAlgn="auto" latinLnBrk="0" hangingPunct="1">
-              <a:lnSpc>
-                <a:spcPct val="100000"/>
-              </a:lnSpc>
-              <a:spcBef>
-                <a:spcPts val="0"/>
-              </a:spcBef>
-              <a:spcAft>
-                <a:spcPts val="0"/>
-              </a:spcAft>
-              <a:buClrTx/>
-              <a:buSzTx/>
-              <a:buFontTx/>
-              <a:buNone/>
-              <a:tabLst/>
-              <a:defRPr/>
-            </a:pPr>
-            <a:endParaRPr kumimoji="0" lang="en-US" sz="1800" b="0" i="0" u="none" strike="noStrike" kern="1200" cap="none" spc="0" normalizeH="0" baseline="0" noProof="0">
-              <a:ln>
-                <a:noFill/>
-              </a:ln>
-              <a:solidFill>
-                <a:prstClr val="white"/>
-              </a:solidFill>
-              <a:effectLst/>
-              <a:uLnTx/>
-              <a:uFillTx/>
-              <a:latin typeface="Calibri" panose="020F0502020204030204"/>
-              <a:ea typeface="+mn-ea"/>
-              <a:cs typeface="+mn-cs"/>
-            </a:endParaRPr>
-          </a:p>
-        </p:txBody>
-      </p:sp>
-      <p:sp>
-        <p:nvSpPr>
-          <p:cNvPr id="26" name="Rectangle 25">
-            <a:extLst>
-              <a:ext uri="{FF2B5EF4-FFF2-40B4-BE49-F238E27FC236}">
-                <a16:creationId xmlns:a16="http://schemas.microsoft.com/office/drawing/2014/main" id="{9DECDBF4-02B6-4BB4-B65B-B8107AD6A9E8}"/>
-              </a:ext>
-              <a:ext uri="{C183D7F6-B498-43B3-948B-1728B52AA6E4}">
-                <adec:decorative xmlns:adec="http://schemas.microsoft.com/office/drawing/2017/decorative" val="1"/>
-              </a:ext>
-            </a:extLst>
-          </p:cNvPr>
-          <p:cNvSpPr>
-            <a:spLocks noGrp="1" noRot="1" noChangeAspect="1" noMove="1" noResize="1" noEditPoints="1" noAdjustHandles="1" noChangeArrowheads="1" noChangeShapeType="1" noTextEdit="1"/>
-          </p:cNvSpPr>
-          <p:nvPr>
-            <p:extLst>
-              <p:ext uri="{386F3935-93C4-4BCD-93E2-E3B085C9AB24}">
-                <p16:designElem xmlns:p16="http://schemas.microsoft.com/office/powerpoint/2015/main" val="1"/>
-              </p:ext>
-            </p:extLst>
-          </p:nvPr>
-        </p:nvSpPr>
-        <p:spPr>
-          <a:xfrm flipV="1">
-            <a:off x="841248" y="2783982"/>
-            <a:ext cx="1873457" cy="137160"/>
-          </a:xfrm>
-          <a:prstGeom prst="rect">
-            <a:avLst/>
-          </a:prstGeom>
-          <a:solidFill>
-            <a:schemeClr val="accent1"/>
-          </a:solidFill>
-          <a:ln>
-            <a:noFill/>
-          </a:ln>
-        </p:spPr>
-        <p:style>
-          <a:lnRef idx="2">
-            <a:schemeClr val="accent1">
-              <a:shade val="50000"/>
-            </a:schemeClr>
-          </a:lnRef>
-          <a:fillRef idx="1">
-            <a:schemeClr val="accent1"/>
-          </a:fillRef>
-          <a:effectRef idx="0">
-            <a:schemeClr val="accent1"/>
-          </a:effectRef>
-          <a:fontRef idx="minor">
-            <a:schemeClr val="lt1"/>
-          </a:fontRef>
-        </p:style>
-        <p:txBody>
-          <a:bodyPr rtlCol="0" anchor="ctr"/>
-          <a:lstStyle/>
-          <a:p>
-            <a:pPr marL="0" marR="0" lvl="0" indent="0" algn="ctr" defTabSz="914400" rtl="0" eaLnBrk="1" fontAlgn="auto" latinLnBrk="0" hangingPunct="1">
-              <a:lnSpc>
-                <a:spcPct val="100000"/>
-              </a:lnSpc>
-              <a:spcBef>
-                <a:spcPts val="0"/>
-              </a:spcBef>
-              <a:spcAft>
-                <a:spcPts val="0"/>
-              </a:spcAft>
-              <a:buClrTx/>
-              <a:buSzTx/>
-              <a:buFontTx/>
-              <a:buNone/>
-              <a:tabLst/>
-              <a:defRPr/>
-            </a:pPr>
-            <a:endParaRPr kumimoji="0" lang="en-US" sz="1800" b="0" i="0" u="none" strike="noStrike" kern="1200" cap="none" spc="0" normalizeH="0" baseline="0" noProof="0">
-              <a:ln>
-                <a:noFill/>
-              </a:ln>
-              <a:solidFill>
-                <a:prstClr val="white"/>
-              </a:solidFill>
-              <a:effectLst/>
-              <a:uLnTx/>
-              <a:uFillTx/>
-              <a:latin typeface="Calibri" panose="020F0502020204030204"/>
-              <a:ea typeface="+mn-ea"/>
-              <a:cs typeface="+mn-cs"/>
-            </a:endParaRPr>
-          </a:p>
-        </p:txBody>
-      </p:sp>
-      <p:sp>
-        <p:nvSpPr>
-          <p:cNvPr id="9" name="Rectangle 8">
-            <a:extLst>
-              <a:ext uri="{FF2B5EF4-FFF2-40B4-BE49-F238E27FC236}">
-                <a16:creationId xmlns:a16="http://schemas.microsoft.com/office/drawing/2014/main" id="{43394F0F-B76C-EE48-8BF5-26B609541570}"/>
-              </a:ext>
-            </a:extLst>
-          </p:cNvPr>
-          <p:cNvSpPr/>
-          <p:nvPr/>
-        </p:nvSpPr>
-        <p:spPr>
-          <a:xfrm>
-            <a:off x="841248" y="3337269"/>
-            <a:ext cx="10509504" cy="2905686"/>
+            <a:off x="0" y="228011"/>
+            <a:ext cx="12192000" cy="6401977"/>
           </a:xfrm>
           <a:prstGeom prst="rect">
             <a:avLst/>
           </a:prstGeom>
         </p:spPr>
-        <p:txBody>
-          <a:bodyPr vert="horz" lIns="91440" tIns="45720" rIns="91440" bIns="45720" rtlCol="0">
-            <a:normAutofit/>
-          </a:bodyPr>
-          <a:lstStyle/>
-          <a:p>
-            <a:pPr defTabSz="914400">
-              <a:lnSpc>
-                <a:spcPct val="110000"/>
-              </a:lnSpc>
-              <a:spcAft>
-                <a:spcPts val="600"/>
-              </a:spcAft>
-            </a:pPr>
-            <a:r>
-              <a:rPr lang="en-US" sz="2000" b="1" dirty="0"/>
-              <a:t>f(n) = g(n) + h(n) </a:t>
-            </a:r>
-          </a:p>
-          <a:p>
-            <a:pPr defTabSz="914400">
-              <a:lnSpc>
-                <a:spcPct val="110000"/>
-              </a:lnSpc>
-              <a:spcAft>
-                <a:spcPts val="600"/>
-              </a:spcAft>
-            </a:pPr>
-            <a:r>
-              <a:rPr lang="en-US" sz="2000" dirty="0"/>
-              <a:t>Where:</a:t>
-            </a:r>
-          </a:p>
-          <a:p>
-            <a:pPr marL="742950" lvl="1" indent="-228600" defTabSz="914400">
-              <a:lnSpc>
-                <a:spcPct val="110000"/>
-              </a:lnSpc>
-              <a:spcAft>
-                <a:spcPts val="600"/>
-              </a:spcAft>
-              <a:buFont typeface="Arial" panose="020B0604020202020204" pitchFamily="34" charset="0"/>
-              <a:buChar char="•"/>
-            </a:pPr>
-            <a:r>
-              <a:rPr lang="en-US" sz="2000" dirty="0"/>
-              <a:t>g(n) – cost path from start state to current state</a:t>
-            </a:r>
-          </a:p>
-          <a:p>
-            <a:pPr marL="742950" lvl="1" indent="-228600" defTabSz="914400">
-              <a:lnSpc>
-                <a:spcPct val="110000"/>
-              </a:lnSpc>
-              <a:spcAft>
-                <a:spcPts val="600"/>
-              </a:spcAft>
-              <a:buFont typeface="Arial" panose="020B0604020202020204" pitchFamily="34" charset="0"/>
-              <a:buChar char="•"/>
-            </a:pPr>
-            <a:r>
-              <a:rPr lang="en-US" sz="2000" dirty="0"/>
-              <a:t>h(n) – cost path from current state to goal state </a:t>
-            </a:r>
-          </a:p>
-          <a:p>
-            <a:pPr marL="742950" lvl="1" indent="-228600" defTabSz="914400">
-              <a:lnSpc>
-                <a:spcPct val="110000"/>
-              </a:lnSpc>
-              <a:spcAft>
-                <a:spcPts val="600"/>
-              </a:spcAft>
-              <a:buFont typeface="Arial" panose="020B0604020202020204" pitchFamily="34" charset="0"/>
-              <a:buChar char="•"/>
-            </a:pPr>
-            <a:r>
-              <a:rPr lang="en-US" sz="2000" dirty="0"/>
-              <a:t>f(n) – cost path from start state to goal state</a:t>
-            </a:r>
-          </a:p>
-        </p:txBody>
-      </p:sp>
+      </p:pic>
     </p:spTree>
     <p:extLst>
       <p:ext uri="{BB962C8B-B14F-4D97-AF65-F5344CB8AC3E}">
-        <p14:creationId xmlns:p14="http://schemas.microsoft.com/office/powerpoint/2010/main" val="1775101012"/>
+        <p14:creationId xmlns:p14="http://schemas.microsoft.com/office/powerpoint/2010/main" val="1956198867"/>
       </p:ext>
     </p:extLst>
   </p:cSld>
